--- a/WPM Nürnberg - WordPress-Sicherheit.pptx
+++ b/WPM Nürnberg - WordPress-Sicherheit.pptx
@@ -5,31 +5,35 @@
     <p:sldMasterId id="2147483648" r:id="rId4"/>
   </p:sldMasterIdLst>
   <p:notesMasterIdLst>
-    <p:notesMasterId r:id="rId19"/>
+    <p:notesMasterId r:id="rId23"/>
   </p:notesMasterIdLst>
   <p:handoutMasterIdLst>
-    <p:handoutMasterId r:id="rId20"/>
+    <p:handoutMasterId r:id="rId24"/>
   </p:handoutMasterIdLst>
   <p:sldIdLst>
     <p:sldId id="265" r:id="rId5"/>
-    <p:sldId id="310" r:id="rId6"/>
-    <p:sldId id="317" r:id="rId7"/>
-    <p:sldId id="315" r:id="rId8"/>
-    <p:sldId id="316" r:id="rId9"/>
-    <p:sldId id="319" r:id="rId10"/>
-    <p:sldId id="318" r:id="rId11"/>
-    <p:sldId id="320" r:id="rId12"/>
-    <p:sldId id="325" r:id="rId13"/>
-    <p:sldId id="323" r:id="rId14"/>
-    <p:sldId id="324" r:id="rId15"/>
-    <p:sldId id="321" r:id="rId16"/>
-    <p:sldId id="322" r:id="rId17"/>
-    <p:sldId id="314" r:id="rId18"/>
+    <p:sldId id="327" r:id="rId6"/>
+    <p:sldId id="310" r:id="rId7"/>
+    <p:sldId id="317" r:id="rId8"/>
+    <p:sldId id="315" r:id="rId9"/>
+    <p:sldId id="326" r:id="rId10"/>
+    <p:sldId id="316" r:id="rId11"/>
+    <p:sldId id="319" r:id="rId12"/>
+    <p:sldId id="318" r:id="rId13"/>
+    <p:sldId id="320" r:id="rId14"/>
+    <p:sldId id="325" r:id="rId15"/>
+    <p:sldId id="323" r:id="rId16"/>
+    <p:sldId id="324" r:id="rId17"/>
+    <p:sldId id="328" r:id="rId18"/>
+    <p:sldId id="329" r:id="rId19"/>
+    <p:sldId id="321" r:id="rId20"/>
+    <p:sldId id="322" r:id="rId21"/>
+    <p:sldId id="314" r:id="rId22"/>
   </p:sldIdLst>
   <p:sldSz cx="12188825" cy="6858000"/>
   <p:notesSz cx="6858000" cy="9144000"/>
   <p:custDataLst>
-    <p:tags r:id="rId21"/>
+    <p:tags r:id="rId25"/>
   </p:custDataLst>
   <p:defaultTextStyle>
     <a:defPPr rtl="0">
@@ -136,6 +140,7 @@
         </p14:section>
         <p14:section name="Einleitung" id="{7B829FB7-CDA4-443D-97C7-4995A51BA600}">
           <p14:sldIdLst>
+            <p14:sldId id="327"/>
             <p14:sldId id="310"/>
             <p14:sldId id="317"/>
             <p14:sldId id="315"/>
@@ -143,6 +148,7 @@
         </p14:section>
         <p14:section name="Hauptteil" id="{F5544C29-524A-4143-AB3F-EBF5E39DA3AA}">
           <p14:sldIdLst>
+            <p14:sldId id="326"/>
             <p14:sldId id="316"/>
             <p14:sldId id="319"/>
             <p14:sldId id="318"/>
@@ -158,6 +164,8 @@
         </p14:section>
         <p14:section name="Anhang" id="{7F97EE33-C19F-443B-9A56-745935182D8F}">
           <p14:sldIdLst>
+            <p14:sldId id="328"/>
+            <p14:sldId id="329"/>
             <p14:sldId id="321"/>
             <p14:sldId id="322"/>
           </p14:sldIdLst>
@@ -275,7 +283,7 @@
             <a:fld id="{115D25CC-CE2B-44FC-97DA-587FCC13922E}" type="datetime1">
               <a:rPr lang="de-DE" smtClean="0"/>
               <a:pPr algn="r" rtl="0"/>
-              <a:t>06.05.2019</a:t>
+              <a:t>11.05.2019</a:t>
             </a:fld>
             <a:endParaRPr lang="de-DE" dirty="0"/>
           </a:p>
@@ -445,7 +453,7 @@
             <a:fld id="{E832C949-ED9C-45D4-8A60-90C89D3B8584}" type="datetime1">
               <a:rPr lang="de-DE" smtClean="0"/>
               <a:pPr/>
-              <a:t>06.05.2019</a:t>
+              <a:t>07.05.2019</a:t>
             </a:fld>
             <a:endParaRPr lang="de-DE" dirty="0"/>
           </a:p>
@@ -1054,7 +1062,7 @@
             <a:fld id="{A189E67C-9D02-45EC-B214-7132036CA0E2}" type="datetime1">
               <a:rPr lang="de-DE" noProof="0" smtClean="0"/>
               <a:pPr/>
-              <a:t>06.05.2019</a:t>
+              <a:t>07.05.2019</a:t>
             </a:fld>
             <a:endParaRPr lang="de-DE" noProof="0" dirty="0"/>
           </a:p>
@@ -1257,7 +1265,7 @@
             <a:fld id="{270FAB6A-C057-4550-9260-DE7EF7F686AF}" type="datetime1">
               <a:rPr lang="de-DE" noProof="0" smtClean="0"/>
               <a:pPr/>
-              <a:t>06.05.2019</a:t>
+              <a:t>07.05.2019</a:t>
             </a:fld>
             <a:endParaRPr lang="de-DE" noProof="0" dirty="0"/>
           </a:p>
@@ -1453,7 +1461,7 @@
             <a:fld id="{0C3BEA5D-0888-4F93-8E94-34D310102D57}" type="datetime1">
               <a:rPr lang="de-DE" smtClean="0"/>
               <a:pPr/>
-              <a:t>06.05.2019</a:t>
+              <a:t>07.05.2019</a:t>
             </a:fld>
             <a:endParaRPr lang="de-DE" dirty="0"/>
           </a:p>
@@ -1741,7 +1749,7 @@
             <a:fld id="{BAC737EE-66BB-4D7F-898E-CF1D06F8E110}" type="datetime1">
               <a:rPr lang="de-DE" smtClean="0"/>
               <a:pPr/>
-              <a:t>06.05.2019</a:t>
+              <a:t>07.05.2019</a:t>
             </a:fld>
             <a:endParaRPr lang="de-DE" dirty="0"/>
           </a:p>
@@ -2051,7 +2059,7 @@
             <a:fld id="{8B789056-64C5-46DE-95B1-DA257F473F68}" type="datetime1">
               <a:rPr lang="de-DE" smtClean="0"/>
               <a:pPr/>
-              <a:t>06.05.2019</a:t>
+              <a:t>07.05.2019</a:t>
             </a:fld>
             <a:r>
               <a:rPr lang="de-DE" dirty="0"/>
@@ -2516,7 +2524,7 @@
             <a:fld id="{80BFF739-A1FF-4B0F-A80D-4A7600AF59B6}" type="datetime1">
               <a:rPr lang="de-DE" noProof="0" smtClean="0"/>
               <a:pPr/>
-              <a:t>06.05.2019</a:t>
+              <a:t>07.05.2019</a:t>
             </a:fld>
             <a:endParaRPr lang="de-DE" noProof="0" dirty="0"/>
           </a:p>
@@ -2654,7 +2662,7 @@
             <a:fld id="{B9B1CAE9-9EFE-4152-8504-84F83B03DD44}" type="datetime1">
               <a:rPr lang="de-DE" smtClean="0"/>
               <a:pPr/>
-              <a:t>06.05.2019</a:t>
+              <a:t>07.05.2019</a:t>
             </a:fld>
             <a:endParaRPr lang="de-DE" dirty="0"/>
           </a:p>
@@ -2776,7 +2784,7 @@
             <a:fld id="{16AF6054-D64A-4276-A67A-52D6E88FBE84}" type="datetime1">
               <a:rPr lang="de-DE" smtClean="0"/>
               <a:pPr/>
-              <a:t>06.05.2019</a:t>
+              <a:t>07.05.2019</a:t>
             </a:fld>
             <a:endParaRPr lang="de-DE" dirty="0"/>
           </a:p>
@@ -3105,7 +3113,7 @@
             <a:fld id="{B5374C35-0B4F-422D-B236-94C4FF2C6562}" type="datetime1">
               <a:rPr lang="de-DE" noProof="0" smtClean="0"/>
               <a:pPr/>
-              <a:t>06.05.2019</a:t>
+              <a:t>07.05.2019</a:t>
             </a:fld>
             <a:endParaRPr lang="de-DE" noProof="0" dirty="0"/>
           </a:p>
@@ -3425,7 +3433,7 @@
             <a:fld id="{58041F81-F908-46F2-978C-0D5782D2F71E}" type="datetime1">
               <a:rPr lang="de-DE" noProof="0" smtClean="0"/>
               <a:pPr/>
-              <a:t>06.05.2019</a:t>
+              <a:t>07.05.2019</a:t>
             </a:fld>
             <a:endParaRPr lang="de-DE" noProof="0" dirty="0"/>
           </a:p>
@@ -3662,7 +3670,7 @@
             <a:fld id="{73868FAC-1E42-46E2-B290-2D4CF62A4174}" type="datetime1">
               <a:rPr lang="de-DE" smtClean="0"/>
               <a:pPr/>
-              <a:t>06.05.2019</a:t>
+              <a:t>07.05.2019</a:t>
             </a:fld>
             <a:endParaRPr lang="de-DE" dirty="0"/>
           </a:p>
@@ -4292,6 +4300,744 @@
       </p:grpSpPr>
       <p:sp>
         <p:nvSpPr>
+          <p:cNvPr id="4" name="Titel 3">
+            <a:extLst>
+              <a:ext uri="{FF2B5EF4-FFF2-40B4-BE49-F238E27FC236}">
+                <a16:creationId xmlns:a16="http://schemas.microsoft.com/office/drawing/2014/main" id="{25D6B1B1-7850-4515-A046-5D07AEB88C89}"/>
+              </a:ext>
+            </a:extLst>
+          </p:cNvPr>
+          <p:cNvSpPr>
+            <a:spLocks noGrp="1"/>
+          </p:cNvSpPr>
+          <p:nvPr>
+            <p:ph type="title"/>
+          </p:nvPr>
+        </p:nvSpPr>
+        <p:spPr/>
+        <p:txBody>
+          <a:bodyPr/>
+          <a:lstStyle/>
+          <a:p>
+            <a:r>
+              <a:rPr lang="de-DE" dirty="0"/>
+              <a:t>Kleine Schritte für mehr Sicherheit</a:t>
+            </a:r>
+          </a:p>
+        </p:txBody>
+      </p:sp>
+      <p:sp>
+        <p:nvSpPr>
+          <p:cNvPr id="3" name="Inhaltsplatzhalter 2">
+            <a:extLst>
+              <a:ext uri="{FF2B5EF4-FFF2-40B4-BE49-F238E27FC236}">
+                <a16:creationId xmlns:a16="http://schemas.microsoft.com/office/drawing/2014/main" id="{AECFD0BA-3070-4353-BC71-2D2E788D4E32}"/>
+              </a:ext>
+            </a:extLst>
+          </p:cNvPr>
+          <p:cNvSpPr>
+            <a:spLocks noGrp="1"/>
+          </p:cNvSpPr>
+          <p:nvPr>
+            <p:ph idx="1"/>
+          </p:nvPr>
+        </p:nvSpPr>
+        <p:spPr/>
+        <p:txBody>
+          <a:bodyPr>
+            <a:normAutofit fontScale="85000" lnSpcReduction="20000"/>
+          </a:bodyPr>
+          <a:lstStyle/>
+          <a:p>
+            <a:r>
+              <a:rPr lang="de-DE" dirty="0"/>
+              <a:t>Tabellenpräfix ändern (schon bei der Installation)</a:t>
+            </a:r>
+          </a:p>
+          <a:p>
+            <a:r>
+              <a:rPr lang="de-DE" dirty="0" err="1"/>
+              <a:t>wp</a:t>
+            </a:r>
+            <a:r>
+              <a:rPr lang="de-DE" dirty="0"/>
+              <a:t>-content Ordner umbenennen (am besten gleich nach der Installation)</a:t>
+            </a:r>
+          </a:p>
+          <a:p>
+            <a:pPr lvl="1"/>
+            <a:r>
+              <a:rPr lang="de-DE" dirty="0" err="1"/>
+              <a:t>wp-config.php</a:t>
+            </a:r>
+            <a:r>
+              <a:rPr lang="de-DE" dirty="0"/>
+              <a:t>:</a:t>
+            </a:r>
+          </a:p>
+          <a:p>
+            <a:pPr marL="463550" lvl="2" indent="0">
+              <a:buNone/>
+            </a:pPr>
+            <a:r>
+              <a:rPr lang="de-DE" dirty="0" err="1">
+                <a:latin typeface="DejaVu Sans Mono for Powerline" panose="020B0609030804020204" pitchFamily="49" charset="0"/>
+                <a:ea typeface="DejaVu Sans Mono for Powerline" panose="020B0609030804020204" pitchFamily="49" charset="0"/>
+                <a:cs typeface="DejaVu Sans Mono for Powerline" panose="020B0609030804020204" pitchFamily="49" charset="0"/>
+              </a:rPr>
+              <a:t>define</a:t>
+            </a:r>
+            <a:r>
+              <a:rPr lang="de-DE" dirty="0">
+                <a:latin typeface="DejaVu Sans Mono for Powerline" panose="020B0609030804020204" pitchFamily="49" charset="0"/>
+                <a:ea typeface="DejaVu Sans Mono for Powerline" panose="020B0609030804020204" pitchFamily="49" charset="0"/>
+                <a:cs typeface="DejaVu Sans Mono for Powerline" panose="020B0609030804020204" pitchFamily="49" charset="0"/>
+              </a:rPr>
+              <a:t>('WP_CONTENT_DIR', ' /</a:t>
+            </a:r>
+            <a:r>
+              <a:rPr lang="de-DE" dirty="0" err="1">
+                <a:latin typeface="DejaVu Sans Mono for Powerline" panose="020B0609030804020204" pitchFamily="49" charset="0"/>
+                <a:ea typeface="DejaVu Sans Mono for Powerline" panose="020B0609030804020204" pitchFamily="49" charset="0"/>
+                <a:cs typeface="DejaVu Sans Mono for Powerline" panose="020B0609030804020204" pitchFamily="49" charset="0"/>
+              </a:rPr>
+              <a:t>htdocs</a:t>
+            </a:r>
+            <a:r>
+              <a:rPr lang="de-DE" dirty="0">
+                <a:latin typeface="DejaVu Sans Mono for Powerline" panose="020B0609030804020204" pitchFamily="49" charset="0"/>
+                <a:ea typeface="DejaVu Sans Mono for Powerline" panose="020B0609030804020204" pitchFamily="49" charset="0"/>
+                <a:cs typeface="DejaVu Sans Mono for Powerline" panose="020B0609030804020204" pitchFamily="49" charset="0"/>
+              </a:rPr>
+              <a:t>/</a:t>
+            </a:r>
+            <a:r>
+              <a:rPr lang="de-DE" dirty="0" err="1">
+                <a:latin typeface="DejaVu Sans Mono for Powerline" panose="020B0609030804020204" pitchFamily="49" charset="0"/>
+                <a:ea typeface="DejaVu Sans Mono for Powerline" panose="020B0609030804020204" pitchFamily="49" charset="0"/>
+                <a:cs typeface="DejaVu Sans Mono for Powerline" panose="020B0609030804020204" pitchFamily="49" charset="0"/>
+              </a:rPr>
+              <a:t>wordpress</a:t>
+            </a:r>
+            <a:r>
+              <a:rPr lang="de-DE" dirty="0">
+                <a:latin typeface="DejaVu Sans Mono for Powerline" panose="020B0609030804020204" pitchFamily="49" charset="0"/>
+                <a:ea typeface="DejaVu Sans Mono for Powerline" panose="020B0609030804020204" pitchFamily="49" charset="0"/>
+                <a:cs typeface="DejaVu Sans Mono for Powerline" panose="020B0609030804020204" pitchFamily="49" charset="0"/>
+              </a:rPr>
+              <a:t>/</a:t>
+            </a:r>
+            <a:r>
+              <a:rPr lang="de-DE" dirty="0" err="1">
+                <a:latin typeface="DejaVu Sans Mono for Powerline" panose="020B0609030804020204" pitchFamily="49" charset="0"/>
+                <a:ea typeface="DejaVu Sans Mono for Powerline" panose="020B0609030804020204" pitchFamily="49" charset="0"/>
+                <a:cs typeface="DejaVu Sans Mono for Powerline" panose="020B0609030804020204" pitchFamily="49" charset="0"/>
+              </a:rPr>
+              <a:t>wpc</a:t>
+            </a:r>
+            <a:r>
+              <a:rPr lang="de-DE" dirty="0">
+                <a:latin typeface="DejaVu Sans Mono for Powerline" panose="020B0609030804020204" pitchFamily="49" charset="0"/>
+                <a:ea typeface="DejaVu Sans Mono for Powerline" panose="020B0609030804020204" pitchFamily="49" charset="0"/>
+                <a:cs typeface="DejaVu Sans Mono for Powerline" panose="020B0609030804020204" pitchFamily="49" charset="0"/>
+              </a:rPr>
+              <a:t>');</a:t>
+            </a:r>
+          </a:p>
+          <a:p>
+            <a:pPr marL="463550" lvl="2" indent="0">
+              <a:buNone/>
+            </a:pPr>
+            <a:r>
+              <a:rPr lang="de-DE" dirty="0" err="1">
+                <a:latin typeface="DejaVu Sans Mono for Powerline" panose="020B0609030804020204" pitchFamily="49" charset="0"/>
+                <a:ea typeface="DejaVu Sans Mono for Powerline" panose="020B0609030804020204" pitchFamily="49" charset="0"/>
+                <a:cs typeface="DejaVu Sans Mono for Powerline" panose="020B0609030804020204" pitchFamily="49" charset="0"/>
+              </a:rPr>
+              <a:t>define</a:t>
+            </a:r>
+            <a:r>
+              <a:rPr lang="de-DE" dirty="0">
+                <a:latin typeface="DejaVu Sans Mono for Powerline" panose="020B0609030804020204" pitchFamily="49" charset="0"/>
+                <a:ea typeface="DejaVu Sans Mono for Powerline" panose="020B0609030804020204" pitchFamily="49" charset="0"/>
+                <a:cs typeface="DejaVu Sans Mono for Powerline" panose="020B0609030804020204" pitchFamily="49" charset="0"/>
+              </a:rPr>
+              <a:t>('WP_CONTENT_URL', 'https://www.domain.tld/wpc');</a:t>
+            </a:r>
+          </a:p>
+          <a:p>
+            <a:r>
+              <a:rPr lang="de-DE" dirty="0"/>
+              <a:t>XML-RPC-Schnittstelle deaktivieren (Plugin: </a:t>
+            </a:r>
+            <a:r>
+              <a:rPr lang="de-DE" dirty="0" err="1"/>
+              <a:t>Disable</a:t>
+            </a:r>
+            <a:r>
+              <a:rPr lang="de-DE" dirty="0"/>
+              <a:t> XML-RPC) oder .</a:t>
+            </a:r>
+            <a:r>
+              <a:rPr lang="de-DE" dirty="0" err="1"/>
+              <a:t>htaccess</a:t>
+            </a:r>
+            <a:endParaRPr lang="de-DE" dirty="0"/>
+          </a:p>
+          <a:p>
+            <a:r>
+              <a:rPr lang="de-DE" dirty="0"/>
+              <a:t>REST-API schützen (Plugin: REST API Toolbox)</a:t>
+            </a:r>
+          </a:p>
+          <a:p>
+            <a:r>
+              <a:rPr lang="de-DE" dirty="0"/>
+              <a:t>WordPress-Version verstecken</a:t>
+            </a:r>
+          </a:p>
+          <a:p>
+            <a:pPr lvl="1"/>
+            <a:r>
+              <a:rPr lang="de-DE" sz="2100" dirty="0" err="1"/>
+              <a:t>functions.php</a:t>
+            </a:r>
+            <a:r>
+              <a:rPr lang="de-DE" sz="2100" dirty="0"/>
+              <a:t>:</a:t>
+            </a:r>
+          </a:p>
+          <a:p>
+            <a:pPr marL="463550" lvl="2" indent="0">
+              <a:buNone/>
+            </a:pPr>
+            <a:r>
+              <a:rPr lang="en-US" dirty="0">
+                <a:latin typeface="DejaVu Sans Mono for Powerline" panose="020B0609030804020204" pitchFamily="49" charset="0"/>
+                <a:ea typeface="DejaVu Sans Mono for Powerline" panose="020B0609030804020204" pitchFamily="49" charset="0"/>
+                <a:cs typeface="DejaVu Sans Mono for Powerline" panose="020B0609030804020204" pitchFamily="49" charset="0"/>
+              </a:rPr>
+              <a:t>function </a:t>
+            </a:r>
+            <a:r>
+              <a:rPr lang="en-US" dirty="0" err="1">
+                <a:latin typeface="DejaVu Sans Mono for Powerline" panose="020B0609030804020204" pitchFamily="49" charset="0"/>
+                <a:ea typeface="DejaVu Sans Mono for Powerline" panose="020B0609030804020204" pitchFamily="49" charset="0"/>
+                <a:cs typeface="DejaVu Sans Mono for Powerline" panose="020B0609030804020204" pitchFamily="49" charset="0"/>
+              </a:rPr>
+              <a:t>no_generator</a:t>
+            </a:r>
+            <a:r>
+              <a:rPr lang="en-US" dirty="0">
+                <a:latin typeface="DejaVu Sans Mono for Powerline" panose="020B0609030804020204" pitchFamily="49" charset="0"/>
+                <a:ea typeface="DejaVu Sans Mono for Powerline" panose="020B0609030804020204" pitchFamily="49" charset="0"/>
+                <a:cs typeface="DejaVu Sans Mono for Powerline" panose="020B0609030804020204" pitchFamily="49" charset="0"/>
+              </a:rPr>
+              <a:t>() { return ‘’; }</a:t>
+            </a:r>
+            <a:br>
+              <a:rPr lang="en-US" dirty="0">
+                <a:latin typeface="DejaVu Sans Mono for Powerline" panose="020B0609030804020204" pitchFamily="49" charset="0"/>
+                <a:ea typeface="DejaVu Sans Mono for Powerline" panose="020B0609030804020204" pitchFamily="49" charset="0"/>
+                <a:cs typeface="DejaVu Sans Mono for Powerline" panose="020B0609030804020204" pitchFamily="49" charset="0"/>
+              </a:rPr>
+            </a:br>
+            <a:r>
+              <a:rPr lang="en-US" dirty="0" err="1">
+                <a:latin typeface="DejaVu Sans Mono for Powerline" panose="020B0609030804020204" pitchFamily="49" charset="0"/>
+                <a:ea typeface="DejaVu Sans Mono for Powerline" panose="020B0609030804020204" pitchFamily="49" charset="0"/>
+                <a:cs typeface="DejaVu Sans Mono for Powerline" panose="020B0609030804020204" pitchFamily="49" charset="0"/>
+              </a:rPr>
+              <a:t>add_filter</a:t>
+            </a:r>
+            <a:r>
+              <a:rPr lang="en-US" dirty="0">
+                <a:latin typeface="DejaVu Sans Mono for Powerline" panose="020B0609030804020204" pitchFamily="49" charset="0"/>
+                <a:ea typeface="DejaVu Sans Mono for Powerline" panose="020B0609030804020204" pitchFamily="49" charset="0"/>
+                <a:cs typeface="DejaVu Sans Mono for Powerline" panose="020B0609030804020204" pitchFamily="49" charset="0"/>
+              </a:rPr>
+              <a:t>( '</a:t>
+            </a:r>
+            <a:r>
+              <a:rPr lang="en-US" dirty="0" err="1">
+                <a:latin typeface="DejaVu Sans Mono for Powerline" panose="020B0609030804020204" pitchFamily="49" charset="0"/>
+                <a:ea typeface="DejaVu Sans Mono for Powerline" panose="020B0609030804020204" pitchFamily="49" charset="0"/>
+                <a:cs typeface="DejaVu Sans Mono for Powerline" panose="020B0609030804020204" pitchFamily="49" charset="0"/>
+              </a:rPr>
+              <a:t>the_generator</a:t>
+            </a:r>
+            <a:r>
+              <a:rPr lang="en-US" dirty="0">
+                <a:latin typeface="DejaVu Sans Mono for Powerline" panose="020B0609030804020204" pitchFamily="49" charset="0"/>
+                <a:ea typeface="DejaVu Sans Mono for Powerline" panose="020B0609030804020204" pitchFamily="49" charset="0"/>
+                <a:cs typeface="DejaVu Sans Mono for Powerline" panose="020B0609030804020204" pitchFamily="49" charset="0"/>
+              </a:rPr>
+              <a:t>', '</a:t>
+            </a:r>
+            <a:r>
+              <a:rPr lang="en-US" dirty="0" err="1">
+                <a:latin typeface="DejaVu Sans Mono for Powerline" panose="020B0609030804020204" pitchFamily="49" charset="0"/>
+                <a:ea typeface="DejaVu Sans Mono for Powerline" panose="020B0609030804020204" pitchFamily="49" charset="0"/>
+                <a:cs typeface="DejaVu Sans Mono for Powerline" panose="020B0609030804020204" pitchFamily="49" charset="0"/>
+              </a:rPr>
+              <a:t>no_generator</a:t>
+            </a:r>
+            <a:r>
+              <a:rPr lang="en-US" dirty="0">
+                <a:latin typeface="DejaVu Sans Mono for Powerline" panose="020B0609030804020204" pitchFamily="49" charset="0"/>
+                <a:ea typeface="DejaVu Sans Mono for Powerline" panose="020B0609030804020204" pitchFamily="49" charset="0"/>
+                <a:cs typeface="DejaVu Sans Mono for Powerline" panose="020B0609030804020204" pitchFamily="49" charset="0"/>
+              </a:rPr>
+              <a:t>' );</a:t>
+            </a:r>
+            <a:endParaRPr lang="de-DE" dirty="0">
+              <a:latin typeface="DejaVu Sans Mono for Powerline" panose="020B0609030804020204" pitchFamily="49" charset="0"/>
+              <a:ea typeface="DejaVu Sans Mono for Powerline" panose="020B0609030804020204" pitchFamily="49" charset="0"/>
+              <a:cs typeface="DejaVu Sans Mono for Powerline" panose="020B0609030804020204" pitchFamily="49" charset="0"/>
+            </a:endParaRPr>
+          </a:p>
+          <a:p>
+            <a:r>
+              <a:rPr lang="de-DE" dirty="0"/>
+              <a:t>Umsetzung der neuesten HTTP-Security-Header (.</a:t>
+            </a:r>
+            <a:r>
+              <a:rPr lang="de-DE" dirty="0" err="1"/>
+              <a:t>htaccess</a:t>
+            </a:r>
+            <a:r>
+              <a:rPr lang="de-DE" dirty="0"/>
+              <a:t>)</a:t>
+            </a:r>
+          </a:p>
+        </p:txBody>
+      </p:sp>
+      <p:pic>
+        <p:nvPicPr>
+          <p:cNvPr id="6" name="Grafik 5">
+            <a:extLst>
+              <a:ext uri="{FF2B5EF4-FFF2-40B4-BE49-F238E27FC236}">
+                <a16:creationId xmlns:a16="http://schemas.microsoft.com/office/drawing/2014/main" id="{675FC37D-1843-45D9-96D9-BB98626BA291}"/>
+              </a:ext>
+            </a:extLst>
+          </p:cNvPr>
+          <p:cNvPicPr>
+            <a:picLocks noChangeAspect="1"/>
+          </p:cNvPicPr>
+          <p:nvPr/>
+        </p:nvPicPr>
+        <p:blipFill>
+          <a:blip r:embed="rId2" cstate="print">
+            <a:extLst>
+              <a:ext uri="{28A0092B-C50C-407E-A947-70E740481C1C}">
+                <a14:useLocalDpi xmlns:a14="http://schemas.microsoft.com/office/drawing/2010/main" val="0"/>
+              </a:ext>
+            </a:extLst>
+          </a:blip>
+          <a:stretch>
+            <a:fillRect/>
+          </a:stretch>
+        </p:blipFill>
+        <p:spPr>
+          <a:xfrm>
+            <a:off x="10656804" y="5032186"/>
+            <a:ext cx="1440000" cy="1440000"/>
+          </a:xfrm>
+          <a:prstGeom prst="rect">
+            <a:avLst/>
+          </a:prstGeom>
+        </p:spPr>
+      </p:pic>
+    </p:spTree>
+    <p:extLst>
+      <p:ext uri="{BB962C8B-B14F-4D97-AF65-F5344CB8AC3E}">
+        <p14:creationId xmlns:p14="http://schemas.microsoft.com/office/powerpoint/2010/main" val="4032697531"/>
+      </p:ext>
+    </p:extLst>
+  </p:cSld>
+  <p:clrMapOvr>
+    <a:masterClrMapping/>
+  </p:clrMapOvr>
+  <mc:AlternateContent xmlns:mc="http://schemas.openxmlformats.org/markup-compatibility/2006" xmlns:p14="http://schemas.microsoft.com/office/powerpoint/2010/main">
+    <mc:Choice Requires="p14">
+      <p:transition spd="med" p14:dur="700">
+        <p:fade/>
+      </p:transition>
+    </mc:Choice>
+    <mc:Fallback xmlns="">
+      <p:transition spd="med">
+        <p:fade/>
+      </p:transition>
+    </mc:Fallback>
+  </mc:AlternateContent>
+</p:sld>
+</file>
+
+<file path=ppt/slides/slide11.xml><?xml version="1.0" encoding="utf-8"?>
+<p:sld xmlns:a="http://schemas.openxmlformats.org/drawingml/2006/main" xmlns:r="http://schemas.openxmlformats.org/officeDocument/2006/relationships" xmlns:p="http://schemas.openxmlformats.org/presentationml/2006/main">
+  <p:cSld>
+    <p:spTree>
+      <p:nvGrpSpPr>
+        <p:cNvPr id="1" name=""/>
+        <p:cNvGrpSpPr/>
+        <p:nvPr/>
+      </p:nvGrpSpPr>
+      <p:grpSpPr>
+        <a:xfrm>
+          <a:off x="0" y="0"/>
+          <a:ext cx="0" cy="0"/>
+          <a:chOff x="0" y="0"/>
+          <a:chExt cx="0" cy="0"/>
+        </a:xfrm>
+      </p:grpSpPr>
+      <p:sp>
+        <p:nvSpPr>
+          <p:cNvPr id="4" name="Titel 3">
+            <a:extLst>
+              <a:ext uri="{FF2B5EF4-FFF2-40B4-BE49-F238E27FC236}">
+                <a16:creationId xmlns:a16="http://schemas.microsoft.com/office/drawing/2014/main" id="{25D6B1B1-7850-4515-A046-5D07AEB88C89}"/>
+              </a:ext>
+            </a:extLst>
+          </p:cNvPr>
+          <p:cNvSpPr>
+            <a:spLocks noGrp="1"/>
+          </p:cNvSpPr>
+          <p:nvPr>
+            <p:ph type="title"/>
+          </p:nvPr>
+        </p:nvSpPr>
+        <p:spPr/>
+        <p:txBody>
+          <a:bodyPr/>
+          <a:lstStyle/>
+          <a:p>
+            <a:r>
+              <a:rPr lang="de-DE" dirty="0"/>
+              <a:t>Kleine Schritte für mehr Sicherheit</a:t>
+            </a:r>
+          </a:p>
+        </p:txBody>
+      </p:sp>
+      <p:sp>
+        <p:nvSpPr>
+          <p:cNvPr id="5" name="Inhaltsplatzhalter 4">
+            <a:extLst>
+              <a:ext uri="{FF2B5EF4-FFF2-40B4-BE49-F238E27FC236}">
+                <a16:creationId xmlns:a16="http://schemas.microsoft.com/office/drawing/2014/main" id="{AC41CC09-9BA9-494B-B756-2DCEBAAD0DCC}"/>
+              </a:ext>
+            </a:extLst>
+          </p:cNvPr>
+          <p:cNvSpPr>
+            <a:spLocks noGrp="1"/>
+          </p:cNvSpPr>
+          <p:nvPr>
+            <p:ph sz="half" idx="1"/>
+          </p:nvPr>
+        </p:nvSpPr>
+        <p:spPr/>
+        <p:txBody>
+          <a:bodyPr>
+            <a:normAutofit fontScale="92500" lnSpcReduction="10000"/>
+          </a:bodyPr>
+          <a:lstStyle/>
+          <a:p>
+            <a:r>
+              <a:rPr lang="de-DE" dirty="0" err="1"/>
+              <a:t>Emoji’s</a:t>
+            </a:r>
+            <a:r>
+              <a:rPr lang="de-DE" dirty="0"/>
+              <a:t> deaktivieren (Plugin: </a:t>
+            </a:r>
+            <a:r>
+              <a:rPr lang="de-DE" dirty="0" err="1"/>
+              <a:t>Disable</a:t>
+            </a:r>
+            <a:r>
+              <a:rPr lang="de-DE" dirty="0"/>
+              <a:t> Emojis)</a:t>
+            </a:r>
+          </a:p>
+          <a:p>
+            <a:r>
+              <a:rPr lang="de-DE" dirty="0"/>
+              <a:t>.</a:t>
+            </a:r>
+            <a:r>
+              <a:rPr lang="de-DE" dirty="0" err="1"/>
+              <a:t>htaccess</a:t>
+            </a:r>
+            <a:r>
+              <a:rPr lang="de-DE" dirty="0"/>
+              <a:t> auf 644 oder (wenn Möglich) 444</a:t>
+            </a:r>
+          </a:p>
+          <a:p>
+            <a:r>
+              <a:rPr lang="de-DE" dirty="0"/>
+              <a:t>Dateibearbeitung im Dashboard ausschalten</a:t>
+            </a:r>
+          </a:p>
+          <a:p>
+            <a:pPr lvl="1"/>
+            <a:r>
+              <a:rPr lang="de-DE" sz="2100" dirty="0" err="1"/>
+              <a:t>wp-config.php</a:t>
+            </a:r>
+            <a:r>
+              <a:rPr lang="de-DE" sz="2100" dirty="0"/>
+              <a:t>:</a:t>
+            </a:r>
+          </a:p>
+          <a:p>
+            <a:pPr marL="463550" lvl="2" indent="0">
+              <a:buNone/>
+            </a:pPr>
+            <a:r>
+              <a:rPr lang="de-DE" dirty="0" err="1">
+                <a:latin typeface="DejaVu Sans Mono for Powerline" panose="020B0609030804020204" pitchFamily="49" charset="0"/>
+                <a:ea typeface="DejaVu Sans Mono for Powerline" panose="020B0609030804020204" pitchFamily="49" charset="0"/>
+                <a:cs typeface="DejaVu Sans Mono for Powerline" panose="020B0609030804020204" pitchFamily="49" charset="0"/>
+              </a:rPr>
+              <a:t>define</a:t>
+            </a:r>
+            <a:r>
+              <a:rPr lang="de-DE" dirty="0">
+                <a:latin typeface="DejaVu Sans Mono for Powerline" panose="020B0609030804020204" pitchFamily="49" charset="0"/>
+                <a:ea typeface="DejaVu Sans Mono for Powerline" panose="020B0609030804020204" pitchFamily="49" charset="0"/>
+                <a:cs typeface="DejaVu Sans Mono for Powerline" panose="020B0609030804020204" pitchFamily="49" charset="0"/>
+              </a:rPr>
+              <a:t>('DISALLOW_FILE_EDIT', </a:t>
+            </a:r>
+            <a:r>
+              <a:rPr lang="de-DE" dirty="0" err="1">
+                <a:latin typeface="DejaVu Sans Mono for Powerline" panose="020B0609030804020204" pitchFamily="49" charset="0"/>
+                <a:ea typeface="DejaVu Sans Mono for Powerline" panose="020B0609030804020204" pitchFamily="49" charset="0"/>
+                <a:cs typeface="DejaVu Sans Mono for Powerline" panose="020B0609030804020204" pitchFamily="49" charset="0"/>
+              </a:rPr>
+              <a:t>true</a:t>
+            </a:r>
+            <a:r>
+              <a:rPr lang="de-DE" dirty="0">
+                <a:latin typeface="DejaVu Sans Mono for Powerline" panose="020B0609030804020204" pitchFamily="49" charset="0"/>
+                <a:ea typeface="DejaVu Sans Mono for Powerline" panose="020B0609030804020204" pitchFamily="49" charset="0"/>
+                <a:cs typeface="DejaVu Sans Mono for Powerline" panose="020B0609030804020204" pitchFamily="49" charset="0"/>
+              </a:rPr>
+              <a:t>);</a:t>
+            </a:r>
+            <a:endParaRPr lang="de-DE" dirty="0"/>
+          </a:p>
+          <a:p>
+            <a:r>
+              <a:rPr lang="de-DE" dirty="0"/>
+              <a:t>Starke Passwörter (Plugin: Force Strong Passwords)</a:t>
+            </a:r>
+          </a:p>
+        </p:txBody>
+      </p:sp>
+      <p:sp>
+        <p:nvSpPr>
+          <p:cNvPr id="2" name="Inhaltsplatzhalter 1">
+            <a:extLst>
+              <a:ext uri="{FF2B5EF4-FFF2-40B4-BE49-F238E27FC236}">
+                <a16:creationId xmlns:a16="http://schemas.microsoft.com/office/drawing/2014/main" id="{B3B35BDA-82EC-4C9F-92B9-F18DF373DA2B}"/>
+              </a:ext>
+            </a:extLst>
+          </p:cNvPr>
+          <p:cNvSpPr>
+            <a:spLocks noGrp="1"/>
+          </p:cNvSpPr>
+          <p:nvPr>
+            <p:ph sz="half" idx="2"/>
+          </p:nvPr>
+        </p:nvSpPr>
+        <p:spPr/>
+        <p:txBody>
+          <a:bodyPr>
+            <a:normAutofit fontScale="92500" lnSpcReduction="10000"/>
+          </a:bodyPr>
+          <a:lstStyle/>
+          <a:p>
+            <a:r>
+              <a:rPr lang="de-DE" dirty="0" err="1"/>
+              <a:t>Hotlinking</a:t>
+            </a:r>
+            <a:r>
+              <a:rPr lang="de-DE" dirty="0"/>
+              <a:t> verhindern</a:t>
+            </a:r>
+            <a:br>
+              <a:rPr lang="de-DE" dirty="0"/>
+            </a:br>
+            <a:r>
+              <a:rPr lang="de-DE" dirty="0"/>
+              <a:t>(</a:t>
+            </a:r>
+            <a:r>
+              <a:rPr lang="de-DE" dirty="0">
+                <a:hlinkClick r:id="rId2"/>
+              </a:rPr>
+              <a:t>http://www.htaccesstools.com/hotlink-protection/</a:t>
+            </a:r>
+            <a:r>
+              <a:rPr lang="de-DE" dirty="0"/>
+              <a:t>)</a:t>
+            </a:r>
+          </a:p>
+          <a:p>
+            <a:r>
+              <a:rPr lang="de-DE" dirty="0"/>
+              <a:t>6G Firewall 2019 (</a:t>
+            </a:r>
+            <a:r>
+              <a:rPr lang="de-DE" dirty="0">
+                <a:hlinkClick r:id="rId3"/>
+              </a:rPr>
+              <a:t>https://perishablepress.com/6g/</a:t>
+            </a:r>
+            <a:r>
+              <a:rPr lang="de-DE" dirty="0"/>
+              <a:t>) oder 7G (Beta)</a:t>
+            </a:r>
+          </a:p>
+          <a:p>
+            <a:r>
+              <a:rPr lang="de-DE" dirty="0"/>
+              <a:t>Erstelle immer Backups und Teste diese</a:t>
+            </a:r>
+          </a:p>
+          <a:p>
+            <a:r>
+              <a:rPr lang="de-DE" dirty="0"/>
+              <a:t>Server-Signatur deaktivieren</a:t>
+            </a:r>
+          </a:p>
+          <a:p>
+            <a:pPr lvl="1"/>
+            <a:r>
+              <a:rPr lang="de-DE" dirty="0">
+                <a:latin typeface="DejaVu Sans Mono for Powerline" panose="020B0609030804020204" pitchFamily="49" charset="0"/>
+                <a:ea typeface="DejaVu Sans Mono for Powerline" panose="020B0609030804020204" pitchFamily="49" charset="0"/>
+                <a:cs typeface="DejaVu Sans Mono for Powerline" panose="020B0609030804020204" pitchFamily="49" charset="0"/>
+              </a:rPr>
+              <a:t>.</a:t>
+            </a:r>
+            <a:r>
+              <a:rPr lang="de-DE" dirty="0" err="1">
+                <a:latin typeface="DejaVu Sans Mono for Powerline" panose="020B0609030804020204" pitchFamily="49" charset="0"/>
+                <a:ea typeface="DejaVu Sans Mono for Powerline" panose="020B0609030804020204" pitchFamily="49" charset="0"/>
+                <a:cs typeface="DejaVu Sans Mono for Powerline" panose="020B0609030804020204" pitchFamily="49" charset="0"/>
+              </a:rPr>
+              <a:t>htaccess</a:t>
+            </a:r>
+            <a:r>
+              <a:rPr lang="de-DE" dirty="0">
+                <a:latin typeface="DejaVu Sans Mono for Powerline" panose="020B0609030804020204" pitchFamily="49" charset="0"/>
+                <a:ea typeface="DejaVu Sans Mono for Powerline" panose="020B0609030804020204" pitchFamily="49" charset="0"/>
+                <a:cs typeface="DejaVu Sans Mono for Powerline" panose="020B0609030804020204" pitchFamily="49" charset="0"/>
+              </a:rPr>
+              <a:t>: </a:t>
+            </a:r>
+            <a:r>
+              <a:rPr lang="de-DE" dirty="0" err="1">
+                <a:latin typeface="DejaVu Sans Mono for Powerline" panose="020B0609030804020204" pitchFamily="49" charset="0"/>
+                <a:ea typeface="DejaVu Sans Mono for Powerline" panose="020B0609030804020204" pitchFamily="49" charset="0"/>
+                <a:cs typeface="DejaVu Sans Mono for Powerline" panose="020B0609030804020204" pitchFamily="49" charset="0"/>
+              </a:rPr>
+              <a:t>ServerSignature</a:t>
+            </a:r>
+            <a:r>
+              <a:rPr lang="de-DE" dirty="0">
+                <a:latin typeface="DejaVu Sans Mono for Powerline" panose="020B0609030804020204" pitchFamily="49" charset="0"/>
+                <a:ea typeface="DejaVu Sans Mono for Powerline" panose="020B0609030804020204" pitchFamily="49" charset="0"/>
+                <a:cs typeface="DejaVu Sans Mono for Powerline" panose="020B0609030804020204" pitchFamily="49" charset="0"/>
+              </a:rPr>
+              <a:t> Off</a:t>
+            </a:r>
+            <a:endParaRPr lang="de-DE" dirty="0"/>
+          </a:p>
+        </p:txBody>
+      </p:sp>
+      <p:pic>
+        <p:nvPicPr>
+          <p:cNvPr id="6" name="Grafik 5">
+            <a:extLst>
+              <a:ext uri="{FF2B5EF4-FFF2-40B4-BE49-F238E27FC236}">
+                <a16:creationId xmlns:a16="http://schemas.microsoft.com/office/drawing/2014/main" id="{BFB9B30F-B36E-4113-BF48-7A5D6E2D669A}"/>
+              </a:ext>
+            </a:extLst>
+          </p:cNvPr>
+          <p:cNvPicPr>
+            <a:picLocks noChangeAspect="1"/>
+          </p:cNvPicPr>
+          <p:nvPr/>
+        </p:nvPicPr>
+        <p:blipFill>
+          <a:blip r:embed="rId4" cstate="print">
+            <a:extLst>
+              <a:ext uri="{28A0092B-C50C-407E-A947-70E740481C1C}">
+                <a14:useLocalDpi xmlns:a14="http://schemas.microsoft.com/office/drawing/2010/main" val="0"/>
+              </a:ext>
+            </a:extLst>
+          </a:blip>
+          <a:stretch>
+            <a:fillRect/>
+          </a:stretch>
+        </p:blipFill>
+        <p:spPr>
+          <a:xfrm>
+            <a:off x="10656804" y="5032186"/>
+            <a:ext cx="1440000" cy="1440000"/>
+          </a:xfrm>
+          <a:prstGeom prst="rect">
+            <a:avLst/>
+          </a:prstGeom>
+        </p:spPr>
+      </p:pic>
+    </p:spTree>
+    <p:extLst>
+      <p:ext uri="{BB962C8B-B14F-4D97-AF65-F5344CB8AC3E}">
+        <p14:creationId xmlns:p14="http://schemas.microsoft.com/office/powerpoint/2010/main" val="2750447709"/>
+      </p:ext>
+    </p:extLst>
+  </p:cSld>
+  <p:clrMapOvr>
+    <a:masterClrMapping/>
+  </p:clrMapOvr>
+  <mc:AlternateContent xmlns:mc="http://schemas.openxmlformats.org/markup-compatibility/2006" xmlns:p14="http://schemas.microsoft.com/office/powerpoint/2010/main">
+    <mc:Choice Requires="p14">
+      <p:transition spd="med" p14:dur="700">
+        <p:fade/>
+      </p:transition>
+    </mc:Choice>
+    <mc:Fallback xmlns="">
+      <p:transition spd="med">
+        <p:fade/>
+      </p:transition>
+    </mc:Fallback>
+  </mc:AlternateContent>
+</p:sld>
+</file>
+
+<file path=ppt/slides/slide12.xml><?xml version="1.0" encoding="utf-8"?>
+<p:sld xmlns:a="http://schemas.openxmlformats.org/drawingml/2006/main" xmlns:r="http://schemas.openxmlformats.org/officeDocument/2006/relationships" xmlns:p="http://schemas.openxmlformats.org/presentationml/2006/main">
+  <p:cSld>
+    <p:spTree>
+      <p:nvGrpSpPr>
+        <p:cNvPr id="1" name=""/>
+        <p:cNvGrpSpPr/>
+        <p:nvPr/>
+      </p:nvGrpSpPr>
+      <p:grpSpPr>
+        <a:xfrm>
+          <a:off x="0" y="0"/>
+          <a:ext cx="0" cy="0"/>
+          <a:chOff x="0" y="0"/>
+          <a:chExt cx="0" cy="0"/>
+        </a:xfrm>
+      </p:grpSpPr>
+      <p:sp>
+        <p:nvSpPr>
           <p:cNvPr id="5" name="Titel 4">
             <a:extLst>
               <a:ext uri="{FF2B5EF4-FFF2-40B4-BE49-F238E27FC236}">
@@ -4444,7 +5190,15 @@
             </a:r>
             <a:r>
               <a:rPr lang="de-DE" dirty="0"/>
-              <a:t> und </a:t>
+              <a:t> [Umstellung auf </a:t>
+            </a:r>
+            <a:r>
+              <a:rPr lang="de-DE" dirty="0" err="1"/>
+              <a:t>cronjob</a:t>
+            </a:r>
+            <a:r>
+              <a:rPr lang="de-DE" dirty="0"/>
+              <a:t>] und </a:t>
             </a:r>
             <a:r>
               <a:rPr lang="de-DE" dirty="0" err="1"/>
@@ -4681,7 +5435,7 @@
 </p:sld>
 </file>
 
-<file path=ppt/slides/slide11.xml><?xml version="1.0" encoding="utf-8"?>
+<file path=ppt/slides/slide13.xml><?xml version="1.0" encoding="utf-8"?>
 <p:sld xmlns:a="http://schemas.openxmlformats.org/drawingml/2006/main" xmlns:r="http://schemas.openxmlformats.org/officeDocument/2006/relationships" xmlns:p="http://schemas.openxmlformats.org/presentationml/2006/main">
   <p:cSld>
     <p:spTree>
@@ -5230,7 +5984,1256 @@
 </p:sld>
 </file>
 
-<file path=ppt/slides/slide12.xml><?xml version="1.0" encoding="utf-8"?>
+<file path=ppt/slides/slide14.xml><?xml version="1.0" encoding="utf-8"?>
+<p:sld xmlns:a="http://schemas.openxmlformats.org/drawingml/2006/main" xmlns:r="http://schemas.openxmlformats.org/officeDocument/2006/relationships" xmlns:p="http://schemas.openxmlformats.org/presentationml/2006/main">
+  <p:cSld>
+    <p:spTree>
+      <p:nvGrpSpPr>
+        <p:cNvPr id="1" name=""/>
+        <p:cNvGrpSpPr/>
+        <p:nvPr/>
+      </p:nvGrpSpPr>
+      <p:grpSpPr>
+        <a:xfrm>
+          <a:off x="0" y="0"/>
+          <a:ext cx="0" cy="0"/>
+          <a:chOff x="0" y="0"/>
+          <a:chExt cx="0" cy="0"/>
+        </a:xfrm>
+      </p:grpSpPr>
+      <p:sp>
+        <p:nvSpPr>
+          <p:cNvPr id="2" name="Titel 1">
+            <a:extLst>
+              <a:ext uri="{FF2B5EF4-FFF2-40B4-BE49-F238E27FC236}">
+                <a16:creationId xmlns:a16="http://schemas.microsoft.com/office/drawing/2014/main" id="{918DCC52-3548-4DD5-AD82-4D55A46A4DC9}"/>
+              </a:ext>
+            </a:extLst>
+          </p:cNvPr>
+          <p:cNvSpPr>
+            <a:spLocks noGrp="1"/>
+          </p:cNvSpPr>
+          <p:nvPr>
+            <p:ph type="title"/>
+          </p:nvPr>
+        </p:nvSpPr>
+        <p:spPr/>
+        <p:txBody>
+          <a:bodyPr/>
+          <a:lstStyle/>
+          <a:p>
+            <a:r>
+              <a:rPr lang="de-DE" dirty="0"/>
+              <a:t>Linux/Unix-Dateirechte</a:t>
+            </a:r>
+          </a:p>
+        </p:txBody>
+      </p:sp>
+      <p:graphicFrame>
+        <p:nvGraphicFramePr>
+          <p:cNvPr id="6" name="Inhaltsplatzhalter 5">
+            <a:extLst>
+              <a:ext uri="{FF2B5EF4-FFF2-40B4-BE49-F238E27FC236}">
+                <a16:creationId xmlns:a16="http://schemas.microsoft.com/office/drawing/2014/main" id="{2CAAD540-05A3-47AD-8AA5-D26088959EFC}"/>
+              </a:ext>
+            </a:extLst>
+          </p:cNvPr>
+          <p:cNvGraphicFramePr>
+            <a:graphicFrameLocks noGrp="1"/>
+          </p:cNvGraphicFramePr>
+          <p:nvPr>
+            <p:ph idx="1"/>
+            <p:extLst>
+              <p:ext uri="{D42A27DB-BD31-4B8C-83A1-F6EECF244321}">
+                <p14:modId xmlns:p14="http://schemas.microsoft.com/office/powerpoint/2010/main" val="1569458161"/>
+              </p:ext>
+            </p:extLst>
+          </p:nvPr>
+        </p:nvGraphicFramePr>
+        <p:xfrm>
+          <a:off x="1522413" y="1905000"/>
+          <a:ext cx="9134476" cy="1483360"/>
+        </p:xfrm>
+        <a:graphic>
+          <a:graphicData uri="http://schemas.openxmlformats.org/drawingml/2006/table">
+            <a:tbl>
+              <a:tblPr firstRow="1" bandRow="1">
+                <a:tableStyleId>{5C22544A-7EE6-4342-B048-85BDC9FD1C3A}</a:tableStyleId>
+              </a:tblPr>
+              <a:tblGrid>
+                <a:gridCol w="2283619">
+                  <a:extLst>
+                    <a:ext uri="{9D8B030D-6E8A-4147-A177-3AD203B41FA5}">
+                      <a16:colId xmlns:a16="http://schemas.microsoft.com/office/drawing/2014/main" val="687465035"/>
+                    </a:ext>
+                  </a:extLst>
+                </a:gridCol>
+                <a:gridCol w="761206">
+                  <a:extLst>
+                    <a:ext uri="{9D8B030D-6E8A-4147-A177-3AD203B41FA5}">
+                      <a16:colId xmlns:a16="http://schemas.microsoft.com/office/drawing/2014/main" val="757817183"/>
+                    </a:ext>
+                  </a:extLst>
+                </a:gridCol>
+                <a:gridCol w="761207">
+                  <a:extLst>
+                    <a:ext uri="{9D8B030D-6E8A-4147-A177-3AD203B41FA5}">
+                      <a16:colId xmlns:a16="http://schemas.microsoft.com/office/drawing/2014/main" val="4066173691"/>
+                    </a:ext>
+                  </a:extLst>
+                </a:gridCol>
+                <a:gridCol w="761206">
+                  <a:extLst>
+                    <a:ext uri="{9D8B030D-6E8A-4147-A177-3AD203B41FA5}">
+                      <a16:colId xmlns:a16="http://schemas.microsoft.com/office/drawing/2014/main" val="209952193"/>
+                    </a:ext>
+                  </a:extLst>
+                </a:gridCol>
+                <a:gridCol w="761206">
+                  <a:extLst>
+                    <a:ext uri="{9D8B030D-6E8A-4147-A177-3AD203B41FA5}">
+                      <a16:colId xmlns:a16="http://schemas.microsoft.com/office/drawing/2014/main" val="4228056035"/>
+                    </a:ext>
+                  </a:extLst>
+                </a:gridCol>
+                <a:gridCol w="761207">
+                  <a:extLst>
+                    <a:ext uri="{9D8B030D-6E8A-4147-A177-3AD203B41FA5}">
+                      <a16:colId xmlns:a16="http://schemas.microsoft.com/office/drawing/2014/main" val="568796218"/>
+                    </a:ext>
+                  </a:extLst>
+                </a:gridCol>
+                <a:gridCol w="761206">
+                  <a:extLst>
+                    <a:ext uri="{9D8B030D-6E8A-4147-A177-3AD203B41FA5}">
+                      <a16:colId xmlns:a16="http://schemas.microsoft.com/office/drawing/2014/main" val="3852173753"/>
+                    </a:ext>
+                  </a:extLst>
+                </a:gridCol>
+                <a:gridCol w="761206">
+                  <a:extLst>
+                    <a:ext uri="{9D8B030D-6E8A-4147-A177-3AD203B41FA5}">
+                      <a16:colId xmlns:a16="http://schemas.microsoft.com/office/drawing/2014/main" val="625181235"/>
+                    </a:ext>
+                  </a:extLst>
+                </a:gridCol>
+                <a:gridCol w="761207">
+                  <a:extLst>
+                    <a:ext uri="{9D8B030D-6E8A-4147-A177-3AD203B41FA5}">
+                      <a16:colId xmlns:a16="http://schemas.microsoft.com/office/drawing/2014/main" val="1328921421"/>
+                    </a:ext>
+                  </a:extLst>
+                </a:gridCol>
+                <a:gridCol w="761206">
+                  <a:extLst>
+                    <a:ext uri="{9D8B030D-6E8A-4147-A177-3AD203B41FA5}">
+                      <a16:colId xmlns:a16="http://schemas.microsoft.com/office/drawing/2014/main" val="4204035499"/>
+                    </a:ext>
+                  </a:extLst>
+                </a:gridCol>
+              </a:tblGrid>
+              <a:tr h="370840">
+                <a:tc>
+                  <a:txBody>
+                    <a:bodyPr/>
+                    <a:lstStyle/>
+                    <a:p>
+                      <a:pPr algn="ctr"/>
+                      <a:endParaRPr lang="de-DE" dirty="0"/>
+                    </a:p>
+                  </a:txBody>
+                  <a:tcPr/>
+                </a:tc>
+                <a:tc gridSpan="3">
+                  <a:txBody>
+                    <a:bodyPr/>
+                    <a:lstStyle/>
+                    <a:p>
+                      <a:pPr algn="ctr"/>
+                      <a:r>
+                        <a:rPr lang="de-DE" dirty="0"/>
+                        <a:t>Eigentümer</a:t>
+                      </a:r>
+                    </a:p>
+                  </a:txBody>
+                  <a:tcPr/>
+                </a:tc>
+                <a:tc hMerge="1">
+                  <a:txBody>
+                    <a:bodyPr/>
+                    <a:lstStyle/>
+                    <a:p>
+                      <a:endParaRPr lang="de-DE"/>
+                    </a:p>
+                  </a:txBody>
+                  <a:tcPr/>
+                </a:tc>
+                <a:tc hMerge="1">
+                  <a:txBody>
+                    <a:bodyPr/>
+                    <a:lstStyle/>
+                    <a:p>
+                      <a:endParaRPr lang="de-DE"/>
+                    </a:p>
+                  </a:txBody>
+                  <a:tcPr/>
+                </a:tc>
+                <a:tc gridSpan="3">
+                  <a:txBody>
+                    <a:bodyPr/>
+                    <a:lstStyle/>
+                    <a:p>
+                      <a:pPr algn="ctr"/>
+                      <a:r>
+                        <a:rPr lang="de-DE" dirty="0"/>
+                        <a:t>Gruppe</a:t>
+                      </a:r>
+                    </a:p>
+                  </a:txBody>
+                  <a:tcPr/>
+                </a:tc>
+                <a:tc hMerge="1">
+                  <a:txBody>
+                    <a:bodyPr/>
+                    <a:lstStyle/>
+                    <a:p>
+                      <a:endParaRPr lang="de-DE"/>
+                    </a:p>
+                  </a:txBody>
+                  <a:tcPr/>
+                </a:tc>
+                <a:tc hMerge="1">
+                  <a:txBody>
+                    <a:bodyPr/>
+                    <a:lstStyle/>
+                    <a:p>
+                      <a:endParaRPr lang="de-DE"/>
+                    </a:p>
+                  </a:txBody>
+                  <a:tcPr/>
+                </a:tc>
+                <a:tc gridSpan="3">
+                  <a:txBody>
+                    <a:bodyPr/>
+                    <a:lstStyle/>
+                    <a:p>
+                      <a:pPr algn="ctr"/>
+                      <a:r>
+                        <a:rPr lang="de-DE" dirty="0"/>
+                        <a:t>Sonstige</a:t>
+                      </a:r>
+                    </a:p>
+                  </a:txBody>
+                  <a:tcPr/>
+                </a:tc>
+                <a:tc hMerge="1">
+                  <a:txBody>
+                    <a:bodyPr/>
+                    <a:lstStyle/>
+                    <a:p>
+                      <a:endParaRPr lang="de-DE"/>
+                    </a:p>
+                  </a:txBody>
+                  <a:tcPr/>
+                </a:tc>
+                <a:tc hMerge="1">
+                  <a:txBody>
+                    <a:bodyPr/>
+                    <a:lstStyle/>
+                    <a:p>
+                      <a:endParaRPr lang="de-DE"/>
+                    </a:p>
+                  </a:txBody>
+                  <a:tcPr/>
+                </a:tc>
+                <a:extLst>
+                  <a:ext uri="{0D108BD9-81ED-4DB2-BD59-A6C34878D82A}">
+                    <a16:rowId xmlns:a16="http://schemas.microsoft.com/office/drawing/2014/main" val="1451409110"/>
+                  </a:ext>
+                </a:extLst>
+              </a:tr>
+              <a:tr h="370840">
+                <a:tc>
+                  <a:txBody>
+                    <a:bodyPr/>
+                    <a:lstStyle/>
+                    <a:p>
+                      <a:pPr algn="ctr"/>
+                      <a:r>
+                        <a:rPr lang="de-DE" dirty="0"/>
+                        <a:t>Leserecht (4)</a:t>
+                      </a:r>
+                    </a:p>
+                  </a:txBody>
+                  <a:tcPr/>
+                </a:tc>
+                <a:tc>
+                  <a:txBody>
+                    <a:bodyPr/>
+                    <a:lstStyle/>
+                    <a:p>
+                      <a:pPr algn="ctr"/>
+                      <a:r>
+                        <a:rPr lang="de-DE" dirty="0"/>
+                        <a:t>r</a:t>
+                      </a:r>
+                    </a:p>
+                  </a:txBody>
+                  <a:tcPr/>
+                </a:tc>
+                <a:tc>
+                  <a:txBody>
+                    <a:bodyPr/>
+                    <a:lstStyle/>
+                    <a:p>
+                      <a:pPr algn="ctr"/>
+                      <a:r>
+                        <a:rPr lang="de-DE" dirty="0"/>
+                        <a:t>-</a:t>
+                      </a:r>
+                    </a:p>
+                  </a:txBody>
+                  <a:tcPr/>
+                </a:tc>
+                <a:tc>
+                  <a:txBody>
+                    <a:bodyPr/>
+                    <a:lstStyle/>
+                    <a:p>
+                      <a:pPr algn="ctr"/>
+                      <a:r>
+                        <a:rPr lang="de-DE" dirty="0"/>
+                        <a:t>-</a:t>
+                      </a:r>
+                    </a:p>
+                  </a:txBody>
+                  <a:tcPr/>
+                </a:tc>
+                <a:tc>
+                  <a:txBody>
+                    <a:bodyPr/>
+                    <a:lstStyle/>
+                    <a:p>
+                      <a:pPr algn="ctr"/>
+                      <a:r>
+                        <a:rPr lang="de-DE" dirty="0"/>
+                        <a:t>r</a:t>
+                      </a:r>
+                    </a:p>
+                  </a:txBody>
+                  <a:tcPr/>
+                </a:tc>
+                <a:tc>
+                  <a:txBody>
+                    <a:bodyPr/>
+                    <a:lstStyle/>
+                    <a:p>
+                      <a:pPr algn="ctr"/>
+                      <a:r>
+                        <a:rPr lang="de-DE" dirty="0"/>
+                        <a:t>-</a:t>
+                      </a:r>
+                    </a:p>
+                  </a:txBody>
+                  <a:tcPr/>
+                </a:tc>
+                <a:tc>
+                  <a:txBody>
+                    <a:bodyPr/>
+                    <a:lstStyle/>
+                    <a:p>
+                      <a:pPr algn="ctr"/>
+                      <a:r>
+                        <a:rPr lang="de-DE" dirty="0"/>
+                        <a:t>-</a:t>
+                      </a:r>
+                    </a:p>
+                  </a:txBody>
+                  <a:tcPr/>
+                </a:tc>
+                <a:tc>
+                  <a:txBody>
+                    <a:bodyPr/>
+                    <a:lstStyle/>
+                    <a:p>
+                      <a:pPr algn="ctr"/>
+                      <a:r>
+                        <a:rPr lang="de-DE" dirty="0"/>
+                        <a:t>r</a:t>
+                      </a:r>
+                    </a:p>
+                  </a:txBody>
+                  <a:tcPr/>
+                </a:tc>
+                <a:tc>
+                  <a:txBody>
+                    <a:bodyPr/>
+                    <a:lstStyle/>
+                    <a:p>
+                      <a:pPr algn="ctr"/>
+                      <a:r>
+                        <a:rPr lang="de-DE" dirty="0"/>
+                        <a:t>-</a:t>
+                      </a:r>
+                    </a:p>
+                  </a:txBody>
+                  <a:tcPr/>
+                </a:tc>
+                <a:tc>
+                  <a:txBody>
+                    <a:bodyPr/>
+                    <a:lstStyle/>
+                    <a:p>
+                      <a:pPr algn="ctr"/>
+                      <a:r>
+                        <a:rPr lang="de-DE" dirty="0"/>
+                        <a:t>-</a:t>
+                      </a:r>
+                    </a:p>
+                  </a:txBody>
+                  <a:tcPr/>
+                </a:tc>
+                <a:extLst>
+                  <a:ext uri="{0D108BD9-81ED-4DB2-BD59-A6C34878D82A}">
+                    <a16:rowId xmlns:a16="http://schemas.microsoft.com/office/drawing/2014/main" val="1845077851"/>
+                  </a:ext>
+                </a:extLst>
+              </a:tr>
+              <a:tr h="370840">
+                <a:tc>
+                  <a:txBody>
+                    <a:bodyPr/>
+                    <a:lstStyle/>
+                    <a:p>
+                      <a:pPr algn="ctr"/>
+                      <a:r>
+                        <a:rPr lang="de-DE" dirty="0"/>
+                        <a:t>Schreibrecht (2)</a:t>
+                      </a:r>
+                    </a:p>
+                  </a:txBody>
+                  <a:tcPr/>
+                </a:tc>
+                <a:tc>
+                  <a:txBody>
+                    <a:bodyPr/>
+                    <a:lstStyle/>
+                    <a:p>
+                      <a:pPr algn="ctr"/>
+                      <a:r>
+                        <a:rPr lang="de-DE" dirty="0"/>
+                        <a:t>-</a:t>
+                      </a:r>
+                    </a:p>
+                  </a:txBody>
+                  <a:tcPr/>
+                </a:tc>
+                <a:tc>
+                  <a:txBody>
+                    <a:bodyPr/>
+                    <a:lstStyle/>
+                    <a:p>
+                      <a:pPr algn="ctr"/>
+                      <a:r>
+                        <a:rPr lang="de-DE" dirty="0"/>
+                        <a:t>w</a:t>
+                      </a:r>
+                    </a:p>
+                  </a:txBody>
+                  <a:tcPr/>
+                </a:tc>
+                <a:tc>
+                  <a:txBody>
+                    <a:bodyPr/>
+                    <a:lstStyle/>
+                    <a:p>
+                      <a:pPr algn="ctr"/>
+                      <a:r>
+                        <a:rPr lang="de-DE" dirty="0"/>
+                        <a:t>-</a:t>
+                      </a:r>
+                    </a:p>
+                  </a:txBody>
+                  <a:tcPr/>
+                </a:tc>
+                <a:tc>
+                  <a:txBody>
+                    <a:bodyPr/>
+                    <a:lstStyle/>
+                    <a:p>
+                      <a:pPr algn="ctr"/>
+                      <a:r>
+                        <a:rPr lang="de-DE" dirty="0"/>
+                        <a:t>-</a:t>
+                      </a:r>
+                    </a:p>
+                  </a:txBody>
+                  <a:tcPr/>
+                </a:tc>
+                <a:tc>
+                  <a:txBody>
+                    <a:bodyPr/>
+                    <a:lstStyle/>
+                    <a:p>
+                      <a:pPr algn="ctr"/>
+                      <a:r>
+                        <a:rPr lang="de-DE" dirty="0"/>
+                        <a:t>w</a:t>
+                      </a:r>
+                    </a:p>
+                  </a:txBody>
+                  <a:tcPr/>
+                </a:tc>
+                <a:tc>
+                  <a:txBody>
+                    <a:bodyPr/>
+                    <a:lstStyle/>
+                    <a:p>
+                      <a:pPr algn="ctr"/>
+                      <a:r>
+                        <a:rPr lang="de-DE" dirty="0"/>
+                        <a:t>-</a:t>
+                      </a:r>
+                    </a:p>
+                  </a:txBody>
+                  <a:tcPr/>
+                </a:tc>
+                <a:tc>
+                  <a:txBody>
+                    <a:bodyPr/>
+                    <a:lstStyle/>
+                    <a:p>
+                      <a:pPr algn="ctr"/>
+                      <a:r>
+                        <a:rPr lang="de-DE" dirty="0"/>
+                        <a:t>-</a:t>
+                      </a:r>
+                    </a:p>
+                  </a:txBody>
+                  <a:tcPr/>
+                </a:tc>
+                <a:tc>
+                  <a:txBody>
+                    <a:bodyPr/>
+                    <a:lstStyle/>
+                    <a:p>
+                      <a:pPr algn="ctr"/>
+                      <a:r>
+                        <a:rPr lang="de-DE" dirty="0"/>
+                        <a:t>w</a:t>
+                      </a:r>
+                    </a:p>
+                  </a:txBody>
+                  <a:tcPr/>
+                </a:tc>
+                <a:tc>
+                  <a:txBody>
+                    <a:bodyPr/>
+                    <a:lstStyle/>
+                    <a:p>
+                      <a:pPr algn="ctr"/>
+                      <a:r>
+                        <a:rPr lang="de-DE" dirty="0"/>
+                        <a:t>-</a:t>
+                      </a:r>
+                    </a:p>
+                  </a:txBody>
+                  <a:tcPr/>
+                </a:tc>
+                <a:extLst>
+                  <a:ext uri="{0D108BD9-81ED-4DB2-BD59-A6C34878D82A}">
+                    <a16:rowId xmlns:a16="http://schemas.microsoft.com/office/drawing/2014/main" val="967150696"/>
+                  </a:ext>
+                </a:extLst>
+              </a:tr>
+              <a:tr h="370840">
+                <a:tc>
+                  <a:txBody>
+                    <a:bodyPr/>
+                    <a:lstStyle/>
+                    <a:p>
+                      <a:pPr algn="ctr"/>
+                      <a:r>
+                        <a:rPr lang="de-DE" dirty="0"/>
+                        <a:t>Ausführungsrecht (1)</a:t>
+                      </a:r>
+                    </a:p>
+                  </a:txBody>
+                  <a:tcPr/>
+                </a:tc>
+                <a:tc>
+                  <a:txBody>
+                    <a:bodyPr/>
+                    <a:lstStyle/>
+                    <a:p>
+                      <a:pPr algn="ctr"/>
+                      <a:r>
+                        <a:rPr lang="de-DE" dirty="0"/>
+                        <a:t>-</a:t>
+                      </a:r>
+                    </a:p>
+                  </a:txBody>
+                  <a:tcPr/>
+                </a:tc>
+                <a:tc>
+                  <a:txBody>
+                    <a:bodyPr/>
+                    <a:lstStyle/>
+                    <a:p>
+                      <a:pPr algn="ctr"/>
+                      <a:r>
+                        <a:rPr lang="de-DE" dirty="0"/>
+                        <a:t>-</a:t>
+                      </a:r>
+                    </a:p>
+                  </a:txBody>
+                  <a:tcPr/>
+                </a:tc>
+                <a:tc>
+                  <a:txBody>
+                    <a:bodyPr/>
+                    <a:lstStyle/>
+                    <a:p>
+                      <a:pPr algn="ctr"/>
+                      <a:r>
+                        <a:rPr lang="de-DE" dirty="0"/>
+                        <a:t>x</a:t>
+                      </a:r>
+                    </a:p>
+                  </a:txBody>
+                  <a:tcPr/>
+                </a:tc>
+                <a:tc>
+                  <a:txBody>
+                    <a:bodyPr/>
+                    <a:lstStyle/>
+                    <a:p>
+                      <a:pPr algn="ctr"/>
+                      <a:r>
+                        <a:rPr lang="de-DE" dirty="0"/>
+                        <a:t>-</a:t>
+                      </a:r>
+                    </a:p>
+                  </a:txBody>
+                  <a:tcPr/>
+                </a:tc>
+                <a:tc>
+                  <a:txBody>
+                    <a:bodyPr/>
+                    <a:lstStyle/>
+                    <a:p>
+                      <a:pPr algn="ctr"/>
+                      <a:r>
+                        <a:rPr lang="de-DE" dirty="0"/>
+                        <a:t>-</a:t>
+                      </a:r>
+                    </a:p>
+                  </a:txBody>
+                  <a:tcPr/>
+                </a:tc>
+                <a:tc>
+                  <a:txBody>
+                    <a:bodyPr/>
+                    <a:lstStyle/>
+                    <a:p>
+                      <a:pPr algn="ctr"/>
+                      <a:r>
+                        <a:rPr lang="de-DE" dirty="0"/>
+                        <a:t>x</a:t>
+                      </a:r>
+                    </a:p>
+                  </a:txBody>
+                  <a:tcPr/>
+                </a:tc>
+                <a:tc>
+                  <a:txBody>
+                    <a:bodyPr/>
+                    <a:lstStyle/>
+                    <a:p>
+                      <a:pPr algn="ctr"/>
+                      <a:r>
+                        <a:rPr lang="de-DE" dirty="0"/>
+                        <a:t>-</a:t>
+                      </a:r>
+                    </a:p>
+                  </a:txBody>
+                  <a:tcPr/>
+                </a:tc>
+                <a:tc>
+                  <a:txBody>
+                    <a:bodyPr/>
+                    <a:lstStyle/>
+                    <a:p>
+                      <a:pPr algn="ctr"/>
+                      <a:r>
+                        <a:rPr lang="de-DE" dirty="0"/>
+                        <a:t>-</a:t>
+                      </a:r>
+                    </a:p>
+                  </a:txBody>
+                  <a:tcPr/>
+                </a:tc>
+                <a:tc>
+                  <a:txBody>
+                    <a:bodyPr/>
+                    <a:lstStyle/>
+                    <a:p>
+                      <a:pPr algn="ctr"/>
+                      <a:r>
+                        <a:rPr lang="de-DE" dirty="0"/>
+                        <a:t>x</a:t>
+                      </a:r>
+                    </a:p>
+                  </a:txBody>
+                  <a:tcPr/>
+                </a:tc>
+                <a:extLst>
+                  <a:ext uri="{0D108BD9-81ED-4DB2-BD59-A6C34878D82A}">
+                    <a16:rowId xmlns:a16="http://schemas.microsoft.com/office/drawing/2014/main" val="3134523085"/>
+                  </a:ext>
+                </a:extLst>
+              </a:tr>
+            </a:tbl>
+          </a:graphicData>
+        </a:graphic>
+      </p:graphicFrame>
+      <p:sp>
+        <p:nvSpPr>
+          <p:cNvPr id="9" name="Inhaltsplatzhalter 2">
+            <a:extLst>
+              <a:ext uri="{FF2B5EF4-FFF2-40B4-BE49-F238E27FC236}">
+                <a16:creationId xmlns:a16="http://schemas.microsoft.com/office/drawing/2014/main" id="{18B6720D-75BB-4AC1-AA66-04919C48275A}"/>
+              </a:ext>
+            </a:extLst>
+          </p:cNvPr>
+          <p:cNvSpPr txBox="1">
+            <a:spLocks/>
+          </p:cNvSpPr>
+          <p:nvPr/>
+        </p:nvSpPr>
+        <p:spPr>
+          <a:xfrm>
+            <a:off x="1522413" y="3540760"/>
+            <a:ext cx="9134391" cy="2479040"/>
+          </a:xfrm>
+          <a:prstGeom prst="rect">
+            <a:avLst/>
+          </a:prstGeom>
+        </p:spPr>
+        <p:txBody>
+          <a:bodyPr vert="horz" lIns="91440" tIns="45720" rIns="91440" bIns="45720" rtlCol="0">
+            <a:normAutofit/>
+          </a:bodyPr>
+          <a:lstStyle>
+            <a:lvl1pPr marL="223838" indent="-223838" algn="l" defTabSz="914400" rtl="0" eaLnBrk="1" latinLnBrk="0" hangingPunct="1">
+              <a:lnSpc>
+                <a:spcPct val="90000"/>
+              </a:lnSpc>
+              <a:spcBef>
+                <a:spcPts val="1800"/>
+              </a:spcBef>
+              <a:buClr>
+                <a:schemeClr val="accent1"/>
+              </a:buClr>
+              <a:buSzPct val="100000"/>
+              <a:buFont typeface="Arial" pitchFamily="34" charset="0"/>
+              <a:buChar char="•"/>
+              <a:defRPr sz="2400" kern="1200">
+                <a:solidFill>
+                  <a:schemeClr val="tx1"/>
+                </a:solidFill>
+                <a:latin typeface="+mn-lt"/>
+                <a:ea typeface="+mn-ea"/>
+                <a:cs typeface="+mn-cs"/>
+              </a:defRPr>
+            </a:lvl1pPr>
+            <a:lvl2pPr marL="463550" indent="-231775" algn="l" defTabSz="914400" rtl="0" eaLnBrk="1" latinLnBrk="0" hangingPunct="1">
+              <a:lnSpc>
+                <a:spcPct val="90000"/>
+              </a:lnSpc>
+              <a:spcBef>
+                <a:spcPts val="1200"/>
+              </a:spcBef>
+              <a:buClr>
+                <a:schemeClr val="accent1"/>
+              </a:buClr>
+              <a:buSzPct val="100000"/>
+              <a:buFont typeface="Arial" pitchFamily="34" charset="0"/>
+              <a:buChar char="•"/>
+              <a:defRPr sz="2000" kern="1200">
+                <a:solidFill>
+                  <a:schemeClr val="tx1"/>
+                </a:solidFill>
+                <a:latin typeface="+mn-lt"/>
+                <a:ea typeface="+mn-ea"/>
+                <a:cs typeface="+mn-cs"/>
+              </a:defRPr>
+            </a:lvl2pPr>
+            <a:lvl3pPr marL="682625" indent="-219075" algn="l" defTabSz="914400" rtl="0" eaLnBrk="1" latinLnBrk="0" hangingPunct="1">
+              <a:lnSpc>
+                <a:spcPct val="90000"/>
+              </a:lnSpc>
+              <a:spcBef>
+                <a:spcPts val="600"/>
+              </a:spcBef>
+              <a:buClr>
+                <a:schemeClr val="accent1"/>
+              </a:buClr>
+              <a:buSzPct val="100000"/>
+              <a:buFont typeface="Arial" pitchFamily="34" charset="0"/>
+              <a:buChar char="•"/>
+              <a:defRPr sz="1800" kern="1200">
+                <a:solidFill>
+                  <a:schemeClr val="tx1"/>
+                </a:solidFill>
+                <a:latin typeface="+mn-lt"/>
+                <a:ea typeface="+mn-ea"/>
+                <a:cs typeface="+mn-cs"/>
+              </a:defRPr>
+            </a:lvl3pPr>
+            <a:lvl4pPr marL="857250" indent="-174625" algn="l" defTabSz="914400" rtl="0" eaLnBrk="1" latinLnBrk="0" hangingPunct="1">
+              <a:lnSpc>
+                <a:spcPct val="90000"/>
+              </a:lnSpc>
+              <a:spcBef>
+                <a:spcPts val="600"/>
+              </a:spcBef>
+              <a:buClr>
+                <a:schemeClr val="accent1"/>
+              </a:buClr>
+              <a:buSzPct val="100000"/>
+              <a:buFont typeface="Arial" pitchFamily="34" charset="0"/>
+              <a:buChar char="•"/>
+              <a:defRPr sz="1600" kern="1200">
+                <a:solidFill>
+                  <a:schemeClr val="tx1"/>
+                </a:solidFill>
+                <a:latin typeface="+mn-lt"/>
+                <a:ea typeface="+mn-ea"/>
+                <a:cs typeface="+mn-cs"/>
+              </a:defRPr>
+            </a:lvl4pPr>
+            <a:lvl5pPr marL="1030288" indent="-173038" algn="l" defTabSz="914400" rtl="0" eaLnBrk="1" latinLnBrk="0" hangingPunct="1">
+              <a:lnSpc>
+                <a:spcPct val="90000"/>
+              </a:lnSpc>
+              <a:spcBef>
+                <a:spcPts val="600"/>
+              </a:spcBef>
+              <a:buClr>
+                <a:schemeClr val="accent1"/>
+              </a:buClr>
+              <a:buSzPct val="100000"/>
+              <a:buFont typeface="Arial" pitchFamily="34" charset="0"/>
+              <a:buChar char="•"/>
+              <a:defRPr sz="1600" kern="1200">
+                <a:solidFill>
+                  <a:schemeClr val="tx1"/>
+                </a:solidFill>
+                <a:latin typeface="+mn-lt"/>
+                <a:ea typeface="+mn-ea"/>
+                <a:cs typeface="+mn-cs"/>
+              </a:defRPr>
+            </a:lvl5pPr>
+            <a:lvl6pPr marL="1207008" indent="-173736" algn="l" defTabSz="914400" rtl="0" eaLnBrk="1" latinLnBrk="0" hangingPunct="1">
+              <a:spcBef>
+                <a:spcPts val="600"/>
+              </a:spcBef>
+              <a:buClr>
+                <a:schemeClr val="accent1"/>
+              </a:buClr>
+              <a:buFont typeface="Arial" pitchFamily="34" charset="0"/>
+              <a:buChar char="•"/>
+              <a:defRPr sz="1600" kern="1200">
+                <a:solidFill>
+                  <a:schemeClr val="tx1"/>
+                </a:solidFill>
+                <a:latin typeface="+mn-lt"/>
+                <a:ea typeface="+mn-ea"/>
+                <a:cs typeface="+mn-cs"/>
+              </a:defRPr>
+            </a:lvl6pPr>
+            <a:lvl7pPr marL="1380744" indent="-173736" algn="l" defTabSz="914400" rtl="0" eaLnBrk="1" latinLnBrk="0" hangingPunct="1">
+              <a:spcBef>
+                <a:spcPts val="600"/>
+              </a:spcBef>
+              <a:buClr>
+                <a:schemeClr val="accent1"/>
+              </a:buClr>
+              <a:buFont typeface="Arial" pitchFamily="34" charset="0"/>
+              <a:buChar char="•"/>
+              <a:defRPr sz="1600" kern="1200">
+                <a:solidFill>
+                  <a:schemeClr val="tx1"/>
+                </a:solidFill>
+                <a:latin typeface="+mn-lt"/>
+                <a:ea typeface="+mn-ea"/>
+                <a:cs typeface="+mn-cs"/>
+              </a:defRPr>
+            </a:lvl7pPr>
+            <a:lvl8pPr marL="1554480" indent="-173736" algn="l" defTabSz="914400" rtl="0" eaLnBrk="1" latinLnBrk="0" hangingPunct="1">
+              <a:spcBef>
+                <a:spcPts val="600"/>
+              </a:spcBef>
+              <a:buClr>
+                <a:schemeClr val="accent1"/>
+              </a:buClr>
+              <a:buFont typeface="Arial" pitchFamily="34" charset="0"/>
+              <a:buChar char="•"/>
+              <a:defRPr sz="1600" kern="1200">
+                <a:solidFill>
+                  <a:schemeClr val="tx1"/>
+                </a:solidFill>
+                <a:latin typeface="+mn-lt"/>
+                <a:ea typeface="+mn-ea"/>
+                <a:cs typeface="+mn-cs"/>
+              </a:defRPr>
+            </a:lvl8pPr>
+            <a:lvl9pPr marL="1728216" indent="-173736" algn="l" defTabSz="914400" rtl="0" eaLnBrk="1" latinLnBrk="0" hangingPunct="1">
+              <a:spcBef>
+                <a:spcPts val="600"/>
+              </a:spcBef>
+              <a:buClr>
+                <a:schemeClr val="accent1"/>
+              </a:buClr>
+              <a:buFont typeface="Arial" pitchFamily="34" charset="0"/>
+              <a:buChar char="•"/>
+              <a:defRPr sz="1600" kern="1200">
+                <a:solidFill>
+                  <a:schemeClr val="tx1"/>
+                </a:solidFill>
+                <a:latin typeface="+mn-lt"/>
+                <a:ea typeface="+mn-ea"/>
+                <a:cs typeface="+mn-cs"/>
+              </a:defRPr>
+            </a:lvl9pPr>
+          </a:lstStyle>
+          <a:p>
+            <a:endParaRPr lang="de-DE" dirty="0"/>
+          </a:p>
+        </p:txBody>
+      </p:sp>
+      <p:sp>
+        <p:nvSpPr>
+          <p:cNvPr id="12" name="Inhaltsplatzhalter 2">
+            <a:extLst>
+              <a:ext uri="{FF2B5EF4-FFF2-40B4-BE49-F238E27FC236}">
+                <a16:creationId xmlns:a16="http://schemas.microsoft.com/office/drawing/2014/main" id="{C9C0139F-343B-40D7-B01C-5F3287734F39}"/>
+              </a:ext>
+            </a:extLst>
+          </p:cNvPr>
+          <p:cNvSpPr txBox="1">
+            <a:spLocks/>
+          </p:cNvSpPr>
+          <p:nvPr/>
+        </p:nvSpPr>
+        <p:spPr>
+          <a:xfrm>
+            <a:off x="1522413" y="3540758"/>
+            <a:ext cx="9134391" cy="2479041"/>
+          </a:xfrm>
+          <a:prstGeom prst="rect">
+            <a:avLst/>
+          </a:prstGeom>
+        </p:spPr>
+        <p:txBody>
+          <a:bodyPr vert="horz" lIns="91440" tIns="45720" rIns="91440" bIns="45720" rtlCol="0">
+            <a:normAutofit fontScale="85000" lnSpcReduction="10000"/>
+          </a:bodyPr>
+          <a:lstStyle>
+            <a:lvl1pPr marL="223838" indent="-223838" algn="l" defTabSz="914400" rtl="0" eaLnBrk="1" latinLnBrk="0" hangingPunct="1">
+              <a:lnSpc>
+                <a:spcPct val="90000"/>
+              </a:lnSpc>
+              <a:spcBef>
+                <a:spcPts val="1800"/>
+              </a:spcBef>
+              <a:buClr>
+                <a:schemeClr val="accent1"/>
+              </a:buClr>
+              <a:buSzPct val="100000"/>
+              <a:buFont typeface="Arial" pitchFamily="34" charset="0"/>
+              <a:buChar char="•"/>
+              <a:defRPr sz="2400" kern="1200">
+                <a:solidFill>
+                  <a:schemeClr val="tx1"/>
+                </a:solidFill>
+                <a:latin typeface="+mn-lt"/>
+                <a:ea typeface="+mn-ea"/>
+                <a:cs typeface="+mn-cs"/>
+              </a:defRPr>
+            </a:lvl1pPr>
+            <a:lvl2pPr marL="463550" indent="-231775" algn="l" defTabSz="914400" rtl="0" eaLnBrk="1" latinLnBrk="0" hangingPunct="1">
+              <a:lnSpc>
+                <a:spcPct val="90000"/>
+              </a:lnSpc>
+              <a:spcBef>
+                <a:spcPts val="1200"/>
+              </a:spcBef>
+              <a:buClr>
+                <a:schemeClr val="accent1"/>
+              </a:buClr>
+              <a:buSzPct val="100000"/>
+              <a:buFont typeface="Arial" pitchFamily="34" charset="0"/>
+              <a:buChar char="•"/>
+              <a:defRPr sz="2000" kern="1200">
+                <a:solidFill>
+                  <a:schemeClr val="tx1"/>
+                </a:solidFill>
+                <a:latin typeface="+mn-lt"/>
+                <a:ea typeface="+mn-ea"/>
+                <a:cs typeface="+mn-cs"/>
+              </a:defRPr>
+            </a:lvl2pPr>
+            <a:lvl3pPr marL="682625" indent="-219075" algn="l" defTabSz="914400" rtl="0" eaLnBrk="1" latinLnBrk="0" hangingPunct="1">
+              <a:lnSpc>
+                <a:spcPct val="90000"/>
+              </a:lnSpc>
+              <a:spcBef>
+                <a:spcPts val="600"/>
+              </a:spcBef>
+              <a:buClr>
+                <a:schemeClr val="accent1"/>
+              </a:buClr>
+              <a:buSzPct val="100000"/>
+              <a:buFont typeface="Arial" pitchFamily="34" charset="0"/>
+              <a:buChar char="•"/>
+              <a:defRPr sz="1800" kern="1200">
+                <a:solidFill>
+                  <a:schemeClr val="tx1"/>
+                </a:solidFill>
+                <a:latin typeface="+mn-lt"/>
+                <a:ea typeface="+mn-ea"/>
+                <a:cs typeface="+mn-cs"/>
+              </a:defRPr>
+            </a:lvl3pPr>
+            <a:lvl4pPr marL="857250" indent="-174625" algn="l" defTabSz="914400" rtl="0" eaLnBrk="1" latinLnBrk="0" hangingPunct="1">
+              <a:lnSpc>
+                <a:spcPct val="90000"/>
+              </a:lnSpc>
+              <a:spcBef>
+                <a:spcPts val="600"/>
+              </a:spcBef>
+              <a:buClr>
+                <a:schemeClr val="accent1"/>
+              </a:buClr>
+              <a:buSzPct val="100000"/>
+              <a:buFont typeface="Arial" pitchFamily="34" charset="0"/>
+              <a:buChar char="•"/>
+              <a:defRPr sz="1600" kern="1200">
+                <a:solidFill>
+                  <a:schemeClr val="tx1"/>
+                </a:solidFill>
+                <a:latin typeface="+mn-lt"/>
+                <a:ea typeface="+mn-ea"/>
+                <a:cs typeface="+mn-cs"/>
+              </a:defRPr>
+            </a:lvl4pPr>
+            <a:lvl5pPr marL="1030288" indent="-173038" algn="l" defTabSz="914400" rtl="0" eaLnBrk="1" latinLnBrk="0" hangingPunct="1">
+              <a:lnSpc>
+                <a:spcPct val="90000"/>
+              </a:lnSpc>
+              <a:spcBef>
+                <a:spcPts val="600"/>
+              </a:spcBef>
+              <a:buClr>
+                <a:schemeClr val="accent1"/>
+              </a:buClr>
+              <a:buSzPct val="100000"/>
+              <a:buFont typeface="Arial" pitchFamily="34" charset="0"/>
+              <a:buChar char="•"/>
+              <a:defRPr sz="1600" kern="1200">
+                <a:solidFill>
+                  <a:schemeClr val="tx1"/>
+                </a:solidFill>
+                <a:latin typeface="+mn-lt"/>
+                <a:ea typeface="+mn-ea"/>
+                <a:cs typeface="+mn-cs"/>
+              </a:defRPr>
+            </a:lvl5pPr>
+            <a:lvl6pPr marL="1207008" indent="-173736" algn="l" defTabSz="914400" rtl="0" eaLnBrk="1" latinLnBrk="0" hangingPunct="1">
+              <a:spcBef>
+                <a:spcPts val="600"/>
+              </a:spcBef>
+              <a:buClr>
+                <a:schemeClr val="accent1"/>
+              </a:buClr>
+              <a:buFont typeface="Arial" pitchFamily="34" charset="0"/>
+              <a:buChar char="•"/>
+              <a:defRPr sz="1600" kern="1200">
+                <a:solidFill>
+                  <a:schemeClr val="tx1"/>
+                </a:solidFill>
+                <a:latin typeface="+mn-lt"/>
+                <a:ea typeface="+mn-ea"/>
+                <a:cs typeface="+mn-cs"/>
+              </a:defRPr>
+            </a:lvl6pPr>
+            <a:lvl7pPr marL="1380744" indent="-173736" algn="l" defTabSz="914400" rtl="0" eaLnBrk="1" latinLnBrk="0" hangingPunct="1">
+              <a:spcBef>
+                <a:spcPts val="600"/>
+              </a:spcBef>
+              <a:buClr>
+                <a:schemeClr val="accent1"/>
+              </a:buClr>
+              <a:buFont typeface="Arial" pitchFamily="34" charset="0"/>
+              <a:buChar char="•"/>
+              <a:defRPr sz="1600" kern="1200">
+                <a:solidFill>
+                  <a:schemeClr val="tx1"/>
+                </a:solidFill>
+                <a:latin typeface="+mn-lt"/>
+                <a:ea typeface="+mn-ea"/>
+                <a:cs typeface="+mn-cs"/>
+              </a:defRPr>
+            </a:lvl7pPr>
+            <a:lvl8pPr marL="1554480" indent="-173736" algn="l" defTabSz="914400" rtl="0" eaLnBrk="1" latinLnBrk="0" hangingPunct="1">
+              <a:spcBef>
+                <a:spcPts val="600"/>
+              </a:spcBef>
+              <a:buClr>
+                <a:schemeClr val="accent1"/>
+              </a:buClr>
+              <a:buFont typeface="Arial" pitchFamily="34" charset="0"/>
+              <a:buChar char="•"/>
+              <a:defRPr sz="1600" kern="1200">
+                <a:solidFill>
+                  <a:schemeClr val="tx1"/>
+                </a:solidFill>
+                <a:latin typeface="+mn-lt"/>
+                <a:ea typeface="+mn-ea"/>
+                <a:cs typeface="+mn-cs"/>
+              </a:defRPr>
+            </a:lvl8pPr>
+            <a:lvl9pPr marL="1728216" indent="-173736" algn="l" defTabSz="914400" rtl="0" eaLnBrk="1" latinLnBrk="0" hangingPunct="1">
+              <a:spcBef>
+                <a:spcPts val="600"/>
+              </a:spcBef>
+              <a:buClr>
+                <a:schemeClr val="accent1"/>
+              </a:buClr>
+              <a:buFont typeface="Arial" pitchFamily="34" charset="0"/>
+              <a:buChar char="•"/>
+              <a:defRPr sz="1600" kern="1200">
+                <a:solidFill>
+                  <a:schemeClr val="tx1"/>
+                </a:solidFill>
+                <a:latin typeface="+mn-lt"/>
+                <a:ea typeface="+mn-ea"/>
+                <a:cs typeface="+mn-cs"/>
+              </a:defRPr>
+            </a:lvl9pPr>
+          </a:lstStyle>
+          <a:p>
+            <a:r>
+              <a:rPr lang="de-DE"/>
+              <a:t>Beispiel 1 – Dateirecht 755</a:t>
+            </a:r>
+          </a:p>
+          <a:p>
+            <a:pPr lvl="1"/>
+            <a:r>
+              <a:rPr lang="de-DE"/>
+              <a:t>Typische Dateirechte für eine ausführbare Datei (ein Programm oder ein Script). Nur der Eigentümer kann die Datei ändern. Alle anderen können sie lediglich lesen und ausführen.</a:t>
+            </a:r>
+          </a:p>
+          <a:p>
+            <a:r>
+              <a:rPr lang="de-DE"/>
+              <a:t>Beispiel 2 – Dateirecht 664</a:t>
+            </a:r>
+          </a:p>
+          <a:p>
+            <a:pPr lvl="1"/>
+            <a:r>
+              <a:rPr lang="de-DE"/>
+              <a:t>Mögliche Dateirechte für eine nicht ausführbare Datei (beispielsweise ein Textdokument), welche von Eigentümer und Gruppe bearbeitet, vom Rest allerdings nur gelesen werden kann.</a:t>
+            </a:r>
+          </a:p>
+          <a:p>
+            <a:pPr marL="0" indent="0">
+              <a:buFont typeface="Arial" pitchFamily="34" charset="0"/>
+              <a:buNone/>
+            </a:pPr>
+            <a:r>
+              <a:rPr lang="de-DE"/>
+              <a:t>Quelle: </a:t>
+            </a:r>
+            <a:r>
+              <a:rPr lang="de-DE">
+                <a:hlinkClick r:id="rId2"/>
+              </a:rPr>
+              <a:t>https://de.wikipedia.org/wiki/Unix-Dateirechte</a:t>
+            </a:r>
+            <a:endParaRPr lang="de-DE"/>
+          </a:p>
+          <a:p>
+            <a:endParaRPr lang="de-DE" dirty="0"/>
+          </a:p>
+        </p:txBody>
+      </p:sp>
+      <p:pic>
+        <p:nvPicPr>
+          <p:cNvPr id="13" name="Grafik 12">
+            <a:extLst>
+              <a:ext uri="{FF2B5EF4-FFF2-40B4-BE49-F238E27FC236}">
+                <a16:creationId xmlns:a16="http://schemas.microsoft.com/office/drawing/2014/main" id="{9E76061C-A464-455C-9582-310EAD1AE946}"/>
+              </a:ext>
+            </a:extLst>
+          </p:cNvPr>
+          <p:cNvPicPr>
+            <a:picLocks noChangeAspect="1"/>
+          </p:cNvPicPr>
+          <p:nvPr/>
+        </p:nvPicPr>
+        <p:blipFill>
+          <a:blip r:embed="rId3" cstate="print">
+            <a:extLst>
+              <a:ext uri="{28A0092B-C50C-407E-A947-70E740481C1C}">
+                <a14:useLocalDpi xmlns:a14="http://schemas.microsoft.com/office/drawing/2010/main" val="0"/>
+              </a:ext>
+            </a:extLst>
+          </a:blip>
+          <a:stretch>
+            <a:fillRect/>
+          </a:stretch>
+        </p:blipFill>
+        <p:spPr>
+          <a:xfrm>
+            <a:off x="10656804" y="5032186"/>
+            <a:ext cx="1440000" cy="1440000"/>
+          </a:xfrm>
+          <a:prstGeom prst="rect">
+            <a:avLst/>
+          </a:prstGeom>
+        </p:spPr>
+      </p:pic>
+    </p:spTree>
+    <p:extLst>
+      <p:ext uri="{BB962C8B-B14F-4D97-AF65-F5344CB8AC3E}">
+        <p14:creationId xmlns:p14="http://schemas.microsoft.com/office/powerpoint/2010/main" val="2869745458"/>
+      </p:ext>
+    </p:extLst>
+  </p:cSld>
+  <p:clrMapOvr>
+    <a:masterClrMapping/>
+  </p:clrMapOvr>
+  <mc:AlternateContent xmlns:mc="http://schemas.openxmlformats.org/markup-compatibility/2006" xmlns:p14="http://schemas.microsoft.com/office/powerpoint/2010/main">
+    <mc:Choice Requires="p14">
+      <p:transition spd="med" p14:dur="700">
+        <p:fade/>
+      </p:transition>
+    </mc:Choice>
+    <mc:Fallback xmlns="">
+      <p:transition spd="med">
+        <p:fade/>
+      </p:transition>
+    </mc:Fallback>
+  </mc:AlternateContent>
+</p:sld>
+</file>
+
+<file path=ppt/slides/slide15.xml><?xml version="1.0" encoding="utf-8"?>
 <p:sld xmlns:a="http://schemas.openxmlformats.org/drawingml/2006/main" xmlns:r="http://schemas.openxmlformats.org/officeDocument/2006/relationships" xmlns:p="http://schemas.openxmlformats.org/presentationml/2006/main">
   <p:cSld>
     <p:spTree>
@@ -5294,7 +7297,7 @@
         <p:spPr/>
         <p:txBody>
           <a:bodyPr>
-            <a:normAutofit fontScale="47500" lnSpcReduction="20000"/>
+            <a:normAutofit fontScale="77500" lnSpcReduction="20000"/>
           </a:bodyPr>
           <a:lstStyle/>
           <a:p>
@@ -5416,6 +7419,30 @@
               <a:t>)</a:t>
             </a:r>
           </a:p>
+        </p:txBody>
+      </p:sp>
+      <p:sp>
+        <p:nvSpPr>
+          <p:cNvPr id="6" name="Inhaltsplatzhalter 5">
+            <a:extLst>
+              <a:ext uri="{FF2B5EF4-FFF2-40B4-BE49-F238E27FC236}">
+                <a16:creationId xmlns:a16="http://schemas.microsoft.com/office/drawing/2014/main" id="{8B113E6F-BF9A-4DDB-AEE7-3E6187DE9030}"/>
+              </a:ext>
+            </a:extLst>
+          </p:cNvPr>
+          <p:cNvSpPr>
+            <a:spLocks noGrp="1"/>
+          </p:cNvSpPr>
+          <p:nvPr>
+            <p:ph sz="half" idx="2"/>
+          </p:nvPr>
+        </p:nvSpPr>
+        <p:spPr/>
+        <p:txBody>
+          <a:bodyPr>
+            <a:normAutofit fontScale="77500" lnSpcReduction="20000"/>
+          </a:bodyPr>
+          <a:lstStyle/>
           <a:p>
             <a:r>
               <a:rPr lang="de-DE" dirty="0"/>
@@ -5518,6 +7545,267 @@
                 <a:hlinkClick r:id="rId10"/>
               </a:rPr>
               <a:t>https://wordpress.org/plugins/disable-emojis/</a:t>
+            </a:r>
+            <a:r>
+              <a:rPr lang="de-DE" dirty="0"/>
+              <a:t>)</a:t>
+            </a:r>
+          </a:p>
+        </p:txBody>
+      </p:sp>
+      <p:pic>
+        <p:nvPicPr>
+          <p:cNvPr id="5" name="Grafik 4">
+            <a:extLst>
+              <a:ext uri="{FF2B5EF4-FFF2-40B4-BE49-F238E27FC236}">
+                <a16:creationId xmlns:a16="http://schemas.microsoft.com/office/drawing/2014/main" id="{339378E5-9B80-41EB-85A4-45433EF38796}"/>
+              </a:ext>
+            </a:extLst>
+          </p:cNvPr>
+          <p:cNvPicPr>
+            <a:picLocks noChangeAspect="1"/>
+          </p:cNvPicPr>
+          <p:nvPr/>
+        </p:nvPicPr>
+        <p:blipFill>
+          <a:blip r:embed="rId11" cstate="print">
+            <a:extLst>
+              <a:ext uri="{28A0092B-C50C-407E-A947-70E740481C1C}">
+                <a14:useLocalDpi xmlns:a14="http://schemas.microsoft.com/office/drawing/2010/main" val="0"/>
+              </a:ext>
+            </a:extLst>
+          </a:blip>
+          <a:stretch>
+            <a:fillRect/>
+          </a:stretch>
+        </p:blipFill>
+        <p:spPr>
+          <a:xfrm>
+            <a:off x="10656804" y="5032186"/>
+            <a:ext cx="1440000" cy="1440000"/>
+          </a:xfrm>
+          <a:prstGeom prst="rect">
+            <a:avLst/>
+          </a:prstGeom>
+        </p:spPr>
+      </p:pic>
+    </p:spTree>
+    <p:extLst>
+      <p:ext uri="{BB962C8B-B14F-4D97-AF65-F5344CB8AC3E}">
+        <p14:creationId xmlns:p14="http://schemas.microsoft.com/office/powerpoint/2010/main" val="1863674959"/>
+      </p:ext>
+    </p:extLst>
+  </p:cSld>
+  <p:clrMapOvr>
+    <a:masterClrMapping/>
+  </p:clrMapOvr>
+  <mc:AlternateContent xmlns:mc="http://schemas.openxmlformats.org/markup-compatibility/2006" xmlns:p14="http://schemas.microsoft.com/office/powerpoint/2010/main">
+    <mc:Choice Requires="p14">
+      <p:transition spd="med" p14:dur="700">
+        <p:fade/>
+      </p:transition>
+    </mc:Choice>
+    <mc:Fallback xmlns="">
+      <p:transition spd="med">
+        <p:fade/>
+      </p:transition>
+    </mc:Fallback>
+  </mc:AlternateContent>
+</p:sld>
+</file>
+
+<file path=ppt/slides/slide16.xml><?xml version="1.0" encoding="utf-8"?>
+<p:sld xmlns:a="http://schemas.openxmlformats.org/drawingml/2006/main" xmlns:r="http://schemas.openxmlformats.org/officeDocument/2006/relationships" xmlns:p="http://schemas.openxmlformats.org/presentationml/2006/main">
+  <p:cSld>
+    <p:spTree>
+      <p:nvGrpSpPr>
+        <p:cNvPr id="1" name=""/>
+        <p:cNvGrpSpPr/>
+        <p:nvPr/>
+      </p:nvGrpSpPr>
+      <p:grpSpPr>
+        <a:xfrm>
+          <a:off x="0" y="0"/>
+          <a:ext cx="0" cy="0"/>
+          <a:chOff x="0" y="0"/>
+          <a:chExt cx="0" cy="0"/>
+        </a:xfrm>
+      </p:grpSpPr>
+      <p:sp>
+        <p:nvSpPr>
+          <p:cNvPr id="2" name="Titel 1">
+            <a:extLst>
+              <a:ext uri="{FF2B5EF4-FFF2-40B4-BE49-F238E27FC236}">
+                <a16:creationId xmlns:a16="http://schemas.microsoft.com/office/drawing/2014/main" id="{F15326E9-11FE-4332-9115-894A82C43EF6}"/>
+              </a:ext>
+            </a:extLst>
+          </p:cNvPr>
+          <p:cNvSpPr>
+            <a:spLocks noGrp="1"/>
+          </p:cNvSpPr>
+          <p:nvPr>
+            <p:ph type="title"/>
+          </p:nvPr>
+        </p:nvSpPr>
+        <p:spPr/>
+        <p:txBody>
+          <a:bodyPr/>
+          <a:lstStyle/>
+          <a:p>
+            <a:r>
+              <a:rPr lang="de-DE" dirty="0"/>
+              <a:t>Plugin-Liste</a:t>
+            </a:r>
+          </a:p>
+        </p:txBody>
+      </p:sp>
+      <p:sp>
+        <p:nvSpPr>
+          <p:cNvPr id="3" name="Inhaltsplatzhalter 2">
+            <a:extLst>
+              <a:ext uri="{FF2B5EF4-FFF2-40B4-BE49-F238E27FC236}">
+                <a16:creationId xmlns:a16="http://schemas.microsoft.com/office/drawing/2014/main" id="{6DF9255C-618C-4526-B453-761968C80958}"/>
+              </a:ext>
+            </a:extLst>
+          </p:cNvPr>
+          <p:cNvSpPr>
+            <a:spLocks noGrp="1"/>
+          </p:cNvSpPr>
+          <p:nvPr>
+            <p:ph sz="half" idx="1"/>
+          </p:nvPr>
+        </p:nvSpPr>
+        <p:spPr/>
+        <p:txBody>
+          <a:bodyPr>
+            <a:normAutofit fontScale="77500" lnSpcReduction="20000"/>
+          </a:bodyPr>
+          <a:lstStyle/>
+          <a:p>
+            <a:r>
+              <a:rPr lang="de-DE" dirty="0"/>
+              <a:t>Username </a:t>
+            </a:r>
+            <a:r>
+              <a:rPr lang="de-DE" dirty="0" err="1"/>
+              <a:t>Changer</a:t>
+            </a:r>
+            <a:br>
+              <a:rPr lang="de-DE" dirty="0"/>
+            </a:br>
+            <a:r>
+              <a:rPr lang="de-DE" dirty="0"/>
+              <a:t>(</a:t>
+            </a:r>
+            <a:r>
+              <a:rPr lang="de-DE" dirty="0">
+                <a:hlinkClick r:id="rId2"/>
+              </a:rPr>
+              <a:t>https://wordpress.org/plugins/username-changer/</a:t>
+            </a:r>
+            <a:r>
+              <a:rPr lang="de-DE" dirty="0"/>
+              <a:t>)</a:t>
+            </a:r>
+          </a:p>
+          <a:p>
+            <a:r>
+              <a:rPr lang="de-DE" dirty="0" err="1"/>
+              <a:t>Snitch</a:t>
+            </a:r>
+            <a:br>
+              <a:rPr lang="de-DE" dirty="0"/>
+            </a:br>
+            <a:r>
+              <a:rPr lang="de-DE" dirty="0"/>
+              <a:t>(</a:t>
+            </a:r>
+            <a:r>
+              <a:rPr lang="de-DE" dirty="0">
+                <a:hlinkClick r:id="rId3"/>
+              </a:rPr>
+              <a:t>https://de.wordpress.org/plugins/snitch/</a:t>
+            </a:r>
+            <a:r>
+              <a:rPr lang="de-DE" dirty="0"/>
+              <a:t>)</a:t>
+            </a:r>
+          </a:p>
+          <a:p>
+            <a:r>
+              <a:rPr lang="de-DE" dirty="0" err="1"/>
+              <a:t>AntiVirus</a:t>
+            </a:r>
+            <a:br>
+              <a:rPr lang="de-DE" dirty="0"/>
+            </a:br>
+            <a:r>
+              <a:rPr lang="de-DE" dirty="0"/>
+              <a:t>(</a:t>
+            </a:r>
+            <a:r>
+              <a:rPr lang="de-DE" dirty="0">
+                <a:hlinkClick r:id="rId4"/>
+              </a:rPr>
+              <a:t>https://wordpress.org/plugins/antivirus/</a:t>
+            </a:r>
+            <a:r>
+              <a:rPr lang="de-DE" dirty="0"/>
+              <a:t>)</a:t>
+            </a:r>
+          </a:p>
+          <a:p>
+            <a:r>
+              <a:rPr lang="de-DE" dirty="0" err="1"/>
+              <a:t>Antispam</a:t>
+            </a:r>
+            <a:r>
+              <a:rPr lang="de-DE" dirty="0"/>
+              <a:t> Bee</a:t>
+            </a:r>
+            <a:br>
+              <a:rPr lang="de-DE" dirty="0"/>
+            </a:br>
+            <a:r>
+              <a:rPr lang="de-DE" dirty="0"/>
+              <a:t>(</a:t>
+            </a:r>
+            <a:r>
+              <a:rPr lang="de-DE" dirty="0">
+                <a:hlinkClick r:id="rId5"/>
+              </a:rPr>
+              <a:t>https://wordpress.org/plugins/antispam-bee/</a:t>
+            </a:r>
+            <a:r>
+              <a:rPr lang="de-DE" dirty="0"/>
+              <a:t>)</a:t>
+            </a:r>
+          </a:p>
+          <a:p>
+            <a:r>
+              <a:rPr lang="de-DE" dirty="0" err="1"/>
+              <a:t>Checksum</a:t>
+            </a:r>
+            <a:r>
+              <a:rPr lang="de-DE" dirty="0"/>
+              <a:t> </a:t>
+            </a:r>
+            <a:r>
+              <a:rPr lang="de-DE" dirty="0" err="1"/>
+              <a:t>Verifier</a:t>
+            </a:r>
+            <a:br>
+              <a:rPr lang="de-DE" dirty="0"/>
+            </a:br>
+            <a:r>
+              <a:rPr lang="de-DE" dirty="0"/>
+              <a:t>(</a:t>
+            </a:r>
+            <a:r>
+              <a:rPr lang="de-DE" dirty="0">
+                <a:hlinkClick r:id="rId6"/>
+              </a:rPr>
+              <a:t>https://wordpress.org/plugins/checksum-verifier/</a:t>
             </a:r>
             <a:r>
               <a:rPr lang="de-DE" dirty="0"/>
@@ -5545,17 +7833,113 @@
         <p:spPr/>
         <p:txBody>
           <a:bodyPr>
-            <a:normAutofit fontScale="47500" lnSpcReduction="20000"/>
+            <a:normAutofit fontScale="77500" lnSpcReduction="20000"/>
           </a:bodyPr>
           <a:lstStyle/>
           <a:p>
             <a:r>
-              <a:rPr lang="de-DE" dirty="0"/>
-              <a:t>Username </a:t>
-            </a:r>
-            <a:r>
               <a:rPr lang="de-DE" dirty="0" err="1"/>
-              <a:t>Changer</a:t>
+              <a:t>Duplicator</a:t>
+            </a:r>
+            <a:br>
+              <a:rPr lang="de-DE" dirty="0"/>
+            </a:br>
+            <a:r>
+              <a:rPr lang="de-DE" dirty="0"/>
+              <a:t>(</a:t>
+            </a:r>
+            <a:r>
+              <a:rPr lang="de-DE" dirty="0">
+                <a:hlinkClick r:id="rId7"/>
+              </a:rPr>
+              <a:t>https://de.wordpress.org/plugins/duplicator/</a:t>
+            </a:r>
+            <a:r>
+              <a:rPr lang="de-DE" dirty="0"/>
+              <a:t>)</a:t>
+            </a:r>
+          </a:p>
+          <a:p>
+            <a:r>
+              <a:rPr lang="de-DE" dirty="0" err="1"/>
+              <a:t>BackWPup</a:t>
+            </a:r>
+            <a:br>
+              <a:rPr lang="de-DE" dirty="0"/>
+            </a:br>
+            <a:r>
+              <a:rPr lang="de-DE" dirty="0"/>
+              <a:t>(</a:t>
+            </a:r>
+            <a:r>
+              <a:rPr lang="de-DE" dirty="0">
+                <a:hlinkClick r:id="rId8"/>
+              </a:rPr>
+              <a:t>https://de.wordpress.org/plugins/backwpup/</a:t>
+            </a:r>
+            <a:r>
+              <a:rPr lang="de-DE" dirty="0"/>
+              <a:t>)</a:t>
+            </a:r>
+          </a:p>
+          <a:p>
+            <a:r>
+              <a:rPr lang="de-DE" dirty="0" err="1"/>
+              <a:t>WPScan</a:t>
+            </a:r>
+            <a:br>
+              <a:rPr lang="de-DE" dirty="0"/>
+            </a:br>
+            <a:r>
+              <a:rPr lang="de-DE" dirty="0"/>
+              <a:t>(</a:t>
+            </a:r>
+            <a:r>
+              <a:rPr lang="de-DE" dirty="0">
+                <a:hlinkClick r:id="rId9"/>
+              </a:rPr>
+              <a:t>https://de.wordpress.org/plugins/wpscan/</a:t>
+            </a:r>
+            <a:r>
+              <a:rPr lang="de-DE" dirty="0"/>
+              <a:t>)</a:t>
+            </a:r>
+          </a:p>
+          <a:p>
+            <a:r>
+              <a:rPr lang="de-DE" dirty="0" err="1"/>
+              <a:t>Really</a:t>
+            </a:r>
+            <a:r>
+              <a:rPr lang="de-DE" dirty="0"/>
+              <a:t> Simple SSL</a:t>
+            </a:r>
+            <a:br>
+              <a:rPr lang="de-DE" dirty="0"/>
+            </a:br>
+            <a:r>
+              <a:rPr lang="de-DE" dirty="0"/>
+              <a:t>(</a:t>
+            </a:r>
+            <a:r>
+              <a:rPr lang="de-DE" dirty="0">
+                <a:hlinkClick r:id="rId10"/>
+              </a:rPr>
+              <a:t>https://wordpress.org/plugins/really-simple-ssl/</a:t>
+            </a:r>
+            <a:r>
+              <a:rPr lang="de-DE" dirty="0"/>
+              <a:t>)</a:t>
+            </a:r>
+          </a:p>
+          <a:p>
+            <a:r>
+              <a:rPr lang="de-DE" dirty="0" err="1"/>
+              <a:t>Inactive</a:t>
+            </a:r>
+            <a:r>
+              <a:rPr lang="de-DE" dirty="0"/>
+              <a:t> Logout</a:t>
             </a:r>
             <a:br>
               <a:rPr lang="de-DE" dirty="0"/>
@@ -5568,207 +7952,7 @@
               <a:rPr lang="de-DE" dirty="0">
                 <a:hlinkClick r:id="rId11"/>
               </a:rPr>
-              <a:t>https://wordpress.org/plugins/username-changer/</a:t>
-            </a:r>
-            <a:r>
-              <a:rPr lang="de-DE" dirty="0"/>
-              <a:t>)</a:t>
-            </a:r>
-          </a:p>
-          <a:p>
-            <a:r>
-              <a:rPr lang="de-DE" dirty="0" err="1"/>
-              <a:t>Snitch</a:t>
-            </a:r>
-            <a:br>
-              <a:rPr lang="de-DE" dirty="0"/>
-            </a:br>
-            <a:r>
-              <a:rPr lang="de-DE" dirty="0"/>
-              <a:t>(</a:t>
-            </a:r>
-            <a:r>
-              <a:rPr lang="de-DE" dirty="0">
-                <a:hlinkClick r:id="rId12"/>
-              </a:rPr>
-              <a:t>https://de.wordpress.org/plugins/snitch/</a:t>
-            </a:r>
-            <a:r>
-              <a:rPr lang="de-DE" dirty="0"/>
-              <a:t>)</a:t>
-            </a:r>
-          </a:p>
-          <a:p>
-            <a:r>
-              <a:rPr lang="de-DE" dirty="0" err="1"/>
-              <a:t>AntiVirus</a:t>
-            </a:r>
-            <a:br>
-              <a:rPr lang="de-DE" dirty="0"/>
-            </a:br>
-            <a:r>
-              <a:rPr lang="de-DE" dirty="0"/>
-              <a:t>(</a:t>
-            </a:r>
-            <a:r>
-              <a:rPr lang="de-DE" dirty="0">
-                <a:hlinkClick r:id="rId13"/>
-              </a:rPr>
-              <a:t>https://wordpress.org/plugins/antivirus/</a:t>
-            </a:r>
-            <a:r>
-              <a:rPr lang="de-DE" dirty="0"/>
-              <a:t>)</a:t>
-            </a:r>
-          </a:p>
-          <a:p>
-            <a:r>
-              <a:rPr lang="de-DE" dirty="0" err="1"/>
-              <a:t>Antispam</a:t>
-            </a:r>
-            <a:r>
-              <a:rPr lang="de-DE" dirty="0"/>
-              <a:t> Bee</a:t>
-            </a:r>
-            <a:br>
-              <a:rPr lang="de-DE" dirty="0"/>
-            </a:br>
-            <a:r>
-              <a:rPr lang="de-DE" dirty="0"/>
-              <a:t>(</a:t>
-            </a:r>
-            <a:r>
-              <a:rPr lang="de-DE" dirty="0">
-                <a:hlinkClick r:id="rId14"/>
-              </a:rPr>
-              <a:t>https://wordpress.org/plugins/antispam-bee/</a:t>
-            </a:r>
-            <a:r>
-              <a:rPr lang="de-DE" dirty="0"/>
-              <a:t>)</a:t>
-            </a:r>
-          </a:p>
-          <a:p>
-            <a:r>
-              <a:rPr lang="de-DE" dirty="0" err="1"/>
-              <a:t>Checksum</a:t>
-            </a:r>
-            <a:r>
-              <a:rPr lang="de-DE" dirty="0"/>
-              <a:t> </a:t>
-            </a:r>
-            <a:r>
-              <a:rPr lang="de-DE" dirty="0" err="1"/>
-              <a:t>Verifier</a:t>
-            </a:r>
-            <a:br>
-              <a:rPr lang="de-DE" dirty="0"/>
-            </a:br>
-            <a:r>
-              <a:rPr lang="de-DE" dirty="0"/>
-              <a:t>(</a:t>
-            </a:r>
-            <a:r>
-              <a:rPr lang="de-DE" dirty="0">
-                <a:hlinkClick r:id="rId15"/>
-              </a:rPr>
-              <a:t>https://wordpress.org/plugins/checksum-verifier/</a:t>
-            </a:r>
-            <a:r>
-              <a:rPr lang="de-DE" dirty="0"/>
-              <a:t>)</a:t>
-            </a:r>
-          </a:p>
-          <a:p>
-            <a:r>
-              <a:rPr lang="de-DE" dirty="0" err="1"/>
-              <a:t>Duplicator</a:t>
-            </a:r>
-            <a:br>
-              <a:rPr lang="de-DE" dirty="0"/>
-            </a:br>
-            <a:r>
-              <a:rPr lang="de-DE" dirty="0"/>
-              <a:t>(</a:t>
-            </a:r>
-            <a:r>
-              <a:rPr lang="de-DE" dirty="0">
-                <a:hlinkClick r:id="rId16"/>
-              </a:rPr>
-              <a:t>https://de.wordpress.org/plugins/duplicator/</a:t>
-            </a:r>
-            <a:r>
-              <a:rPr lang="de-DE" dirty="0"/>
-              <a:t>)</a:t>
-            </a:r>
-          </a:p>
-          <a:p>
-            <a:r>
-              <a:rPr lang="de-DE" dirty="0" err="1"/>
-              <a:t>BackWPup</a:t>
-            </a:r>
-            <a:br>
-              <a:rPr lang="de-DE" dirty="0"/>
-            </a:br>
-            <a:r>
-              <a:rPr lang="de-DE" dirty="0"/>
-              <a:t>(</a:t>
-            </a:r>
-            <a:r>
-              <a:rPr lang="de-DE" dirty="0">
-                <a:hlinkClick r:id="rId17"/>
-              </a:rPr>
-              <a:t>https://de.wordpress.org/plugins/backwpup/</a:t>
-            </a:r>
-            <a:r>
-              <a:rPr lang="de-DE" dirty="0"/>
-              <a:t>)</a:t>
-            </a:r>
-          </a:p>
-          <a:p>
-            <a:r>
-              <a:rPr lang="de-DE" dirty="0" err="1"/>
-              <a:t>WPScan</a:t>
-            </a:r>
-            <a:br>
-              <a:rPr lang="de-DE" dirty="0"/>
-            </a:br>
-            <a:r>
-              <a:rPr lang="de-DE" dirty="0"/>
-              <a:t>(</a:t>
-            </a:r>
-            <a:r>
-              <a:rPr lang="de-DE" dirty="0">
-                <a:hlinkClick r:id="rId18"/>
-              </a:rPr>
-              <a:t>https://de.wordpress.org/plugins/wpscan/</a:t>
-            </a:r>
-            <a:r>
-              <a:rPr lang="de-DE" dirty="0"/>
-              <a:t>)</a:t>
-            </a:r>
-          </a:p>
-          <a:p>
-            <a:r>
-              <a:rPr lang="de-DE" dirty="0" err="1"/>
-              <a:t>Really</a:t>
-            </a:r>
-            <a:r>
-              <a:rPr lang="de-DE" dirty="0"/>
-              <a:t> Simple SSL</a:t>
-            </a:r>
-            <a:br>
-              <a:rPr lang="de-DE" dirty="0"/>
-            </a:br>
-            <a:r>
-              <a:rPr lang="de-DE" dirty="0"/>
-              <a:t>(</a:t>
-            </a:r>
-            <a:r>
-              <a:rPr lang="de-DE" dirty="0">
-                <a:hlinkClick r:id="rId19"/>
-              </a:rPr>
-              <a:t>https://wordpress.org/plugins/really-simple-ssl/</a:t>
+              <a:t>https://de.wordpress.org/plugins/inactive-logout/</a:t>
             </a:r>
             <a:r>
               <a:rPr lang="de-DE" dirty="0"/>
@@ -5792,7 +7976,7 @@
           <p:nvPr/>
         </p:nvPicPr>
         <p:blipFill>
-          <a:blip r:embed="rId20" cstate="print">
+          <a:blip r:embed="rId12" cstate="print">
             <a:extLst>
               <a:ext uri="{28A0092B-C50C-407E-A947-70E740481C1C}">
                 <a14:useLocalDpi xmlns:a14="http://schemas.microsoft.com/office/drawing/2010/main" val="0"/>
@@ -5838,7 +8022,7 @@
 </p:sld>
 </file>
 
-<file path=ppt/slides/slide13.xml><?xml version="1.0" encoding="utf-8"?>
+<file path=ppt/slides/slide17.xml><?xml version="1.0" encoding="utf-8"?>
 <p:sld xmlns:a="http://schemas.openxmlformats.org/drawingml/2006/main" xmlns:r="http://schemas.openxmlformats.org/officeDocument/2006/relationships" xmlns:p="http://schemas.openxmlformats.org/presentationml/2006/main">
   <p:cSld>
     <p:spTree>
@@ -6177,7 +8361,31 @@
             </a:r>
           </a:p>
           <a:p>
-            <a:endParaRPr lang="de-DE" dirty="0"/>
+            <a:r>
+              <a:rPr lang="de-DE" dirty="0" err="1"/>
+              <a:t>KeyCDN</a:t>
+            </a:r>
+            <a:r>
+              <a:rPr lang="de-DE" dirty="0"/>
+              <a:t> Tools</a:t>
+            </a:r>
+            <a:br>
+              <a:rPr lang="de-DE" dirty="0"/>
+            </a:br>
+            <a:r>
+              <a:rPr lang="de-DE" dirty="0"/>
+              <a:t>(</a:t>
+            </a:r>
+            <a:r>
+              <a:rPr lang="de-DE" dirty="0">
+                <a:hlinkClick r:id="rId11"/>
+              </a:rPr>
+              <a:t>https://tools.keycdn.com/</a:t>
+            </a:r>
+            <a:r>
+              <a:rPr lang="de-DE" dirty="0"/>
+              <a:t>)</a:t>
+            </a:r>
           </a:p>
         </p:txBody>
       </p:sp>
@@ -6196,7 +8404,7 @@
           <p:nvPr/>
         </p:nvPicPr>
         <p:blipFill>
-          <a:blip r:embed="rId11" cstate="print">
+          <a:blip r:embed="rId12" cstate="print">
             <a:extLst>
               <a:ext uri="{28A0092B-C50C-407E-A947-70E740481C1C}">
                 <a14:useLocalDpi xmlns:a14="http://schemas.microsoft.com/office/drawing/2010/main" val="0"/>
@@ -6242,7 +8450,7 @@
 </p:sld>
 </file>
 
-<file path=ppt/slides/slide14.xml><?xml version="1.0" encoding="utf-8"?>
+<file path=ppt/slides/slide18.xml><?xml version="1.0" encoding="utf-8"?>
 <p:sld xmlns:a="http://schemas.openxmlformats.org/drawingml/2006/main" xmlns:r="http://schemas.openxmlformats.org/officeDocument/2006/relationships" xmlns:p="http://schemas.openxmlformats.org/presentationml/2006/main">
   <p:cSld>
     <p:spTree>
@@ -6352,6 +8560,116 @@
 </file>
 
 <file path=ppt/slides/slide2.xml><?xml version="1.0" encoding="utf-8"?>
+<p:sld xmlns:a="http://schemas.openxmlformats.org/drawingml/2006/main" xmlns:r="http://schemas.openxmlformats.org/officeDocument/2006/relationships" xmlns:p="http://schemas.openxmlformats.org/presentationml/2006/main">
+  <p:cSld>
+    <p:spTree>
+      <p:nvGrpSpPr>
+        <p:cNvPr id="1" name=""/>
+        <p:cNvGrpSpPr/>
+        <p:nvPr/>
+      </p:nvGrpSpPr>
+      <p:grpSpPr>
+        <a:xfrm>
+          <a:off x="0" y="0"/>
+          <a:ext cx="0" cy="0"/>
+          <a:chOff x="0" y="0"/>
+          <a:chExt cx="0" cy="0"/>
+        </a:xfrm>
+      </p:grpSpPr>
+      <p:sp>
+        <p:nvSpPr>
+          <p:cNvPr id="2" name="Titel 1">
+            <a:extLst>
+              <a:ext uri="{FF2B5EF4-FFF2-40B4-BE49-F238E27FC236}">
+                <a16:creationId xmlns:a16="http://schemas.microsoft.com/office/drawing/2014/main" id="{EB039638-9968-48B7-8BDC-11F798E722B1}"/>
+              </a:ext>
+            </a:extLst>
+          </p:cNvPr>
+          <p:cNvSpPr>
+            <a:spLocks noGrp="1"/>
+          </p:cNvSpPr>
+          <p:nvPr>
+            <p:ph type="title"/>
+          </p:nvPr>
+        </p:nvSpPr>
+        <p:spPr/>
+        <p:txBody>
+          <a:bodyPr/>
+          <a:lstStyle/>
+          <a:p>
+            <a:r>
+              <a:rPr lang="de-DE" dirty="0"/>
+              <a:t>Warum geht uns Sicherheit was an?</a:t>
+            </a:r>
+          </a:p>
+        </p:txBody>
+      </p:sp>
+      <p:pic>
+        <p:nvPicPr>
+          <p:cNvPr id="7" name="Inhaltsplatzhalter 6">
+            <a:extLst>
+              <a:ext uri="{FF2B5EF4-FFF2-40B4-BE49-F238E27FC236}">
+                <a16:creationId xmlns:a16="http://schemas.microsoft.com/office/drawing/2014/main" id="{2EC03C7C-3DC2-4B72-AFC0-924669384C9D}"/>
+              </a:ext>
+            </a:extLst>
+          </p:cNvPr>
+          <p:cNvPicPr>
+            <a:picLocks noGrp="1" noChangeAspect="1"/>
+          </p:cNvPicPr>
+          <p:nvPr>
+            <p:ph idx="1"/>
+          </p:nvPr>
+        </p:nvPicPr>
+        <p:blipFill>
+          <a:blip r:embed="rId2" cstate="print">
+            <a:extLst>
+              <a:ext uri="{28A0092B-C50C-407E-A947-70E740481C1C}">
+                <a14:useLocalDpi xmlns:a14="http://schemas.microsoft.com/office/drawing/2010/main" val="0"/>
+              </a:ext>
+            </a:extLst>
+          </a:blip>
+          <a:stretch>
+            <a:fillRect/>
+          </a:stretch>
+        </p:blipFill>
+        <p:spPr>
+          <a:xfrm>
+            <a:off x="3003550" y="1905000"/>
+            <a:ext cx="6172200" cy="4114800"/>
+          </a:xfrm>
+          <a:ln>
+            <a:solidFill>
+              <a:schemeClr val="tx1"/>
+            </a:solidFill>
+          </a:ln>
+        </p:spPr>
+      </p:pic>
+    </p:spTree>
+    <p:extLst>
+      <p:ext uri="{BB962C8B-B14F-4D97-AF65-F5344CB8AC3E}">
+        <p14:creationId xmlns:p14="http://schemas.microsoft.com/office/powerpoint/2010/main" val="2410944052"/>
+      </p:ext>
+    </p:extLst>
+  </p:cSld>
+  <p:clrMapOvr>
+    <a:masterClrMapping/>
+  </p:clrMapOvr>
+  <mc:AlternateContent xmlns:mc="http://schemas.openxmlformats.org/markup-compatibility/2006" xmlns:p14="http://schemas.microsoft.com/office/powerpoint/2010/main">
+    <mc:Choice Requires="p14">
+      <p:transition spd="med" p14:dur="700">
+        <p:fade/>
+      </p:transition>
+    </mc:Choice>
+    <mc:Fallback xmlns="">
+      <p:transition spd="med">
+        <p:fade/>
+      </p:transition>
+    </mc:Fallback>
+  </mc:AlternateContent>
+</p:sld>
+</file>
+
+<file path=ppt/slides/slide3.xml><?xml version="1.0" encoding="utf-8"?>
 <p:sld xmlns:a="http://schemas.openxmlformats.org/drawingml/2006/main" xmlns:r="http://schemas.openxmlformats.org/officeDocument/2006/relationships" xmlns:p="http://schemas.openxmlformats.org/presentationml/2006/main">
   <p:cSld>
     <p:spTree>
@@ -6482,7 +8800,7 @@
 </p:sld>
 </file>
 
-<file path=ppt/slides/slide3.xml><?xml version="1.0" encoding="utf-8"?>
+<file path=ppt/slides/slide4.xml><?xml version="1.0" encoding="utf-8"?>
 <p:sld xmlns:a="http://schemas.openxmlformats.org/drawingml/2006/main" xmlns:r="http://schemas.openxmlformats.org/officeDocument/2006/relationships" xmlns:p="http://schemas.openxmlformats.org/presentationml/2006/main">
   <p:cSld>
     <p:spTree>
@@ -6614,7 +8932,7 @@
 </p:sld>
 </file>
 
-<file path=ppt/slides/slide4.xml><?xml version="1.0" encoding="utf-8"?>
+<file path=ppt/slides/slide5.xml><?xml version="1.0" encoding="utf-8"?>
 <p:sld xmlns:a="http://schemas.openxmlformats.org/drawingml/2006/main" xmlns:r="http://schemas.openxmlformats.org/officeDocument/2006/relationships" xmlns:p="http://schemas.openxmlformats.org/presentationml/2006/main">
   <p:cSld>
     <p:spTree>
@@ -6932,7 +9250,214 @@
 </p:sld>
 </file>
 
-<file path=ppt/slides/slide5.xml><?xml version="1.0" encoding="utf-8"?>
+<file path=ppt/slides/slide6.xml><?xml version="1.0" encoding="utf-8"?>
+<p:sld xmlns:a="http://schemas.openxmlformats.org/drawingml/2006/main" xmlns:r="http://schemas.openxmlformats.org/officeDocument/2006/relationships" xmlns:p="http://schemas.openxmlformats.org/presentationml/2006/main">
+  <p:cSld>
+    <p:spTree>
+      <p:nvGrpSpPr>
+        <p:cNvPr id="1" name=""/>
+        <p:cNvGrpSpPr/>
+        <p:nvPr/>
+      </p:nvGrpSpPr>
+      <p:grpSpPr>
+        <a:xfrm>
+          <a:off x="0" y="0"/>
+          <a:ext cx="0" cy="0"/>
+          <a:chOff x="0" y="0"/>
+          <a:chExt cx="0" cy="0"/>
+        </a:xfrm>
+      </p:grpSpPr>
+      <p:sp>
+        <p:nvSpPr>
+          <p:cNvPr id="2" name="Titel 1">
+            <a:extLst>
+              <a:ext uri="{FF2B5EF4-FFF2-40B4-BE49-F238E27FC236}">
+                <a16:creationId xmlns:a16="http://schemas.microsoft.com/office/drawing/2014/main" id="{76AA6333-E6C3-415F-874C-A806C17B6378}"/>
+              </a:ext>
+            </a:extLst>
+          </p:cNvPr>
+          <p:cNvSpPr>
+            <a:spLocks noGrp="1"/>
+          </p:cNvSpPr>
+          <p:nvPr>
+            <p:ph type="title"/>
+          </p:nvPr>
+        </p:nvSpPr>
+        <p:spPr/>
+        <p:txBody>
+          <a:bodyPr/>
+          <a:lstStyle/>
+          <a:p>
+            <a:r>
+              <a:rPr lang="de-DE" dirty="0"/>
+              <a:t>Ist meine Website unsicher?</a:t>
+            </a:r>
+          </a:p>
+        </p:txBody>
+      </p:sp>
+      <p:sp>
+        <p:nvSpPr>
+          <p:cNvPr id="3" name="Inhaltsplatzhalter 2">
+            <a:extLst>
+              <a:ext uri="{FF2B5EF4-FFF2-40B4-BE49-F238E27FC236}">
+                <a16:creationId xmlns:a16="http://schemas.microsoft.com/office/drawing/2014/main" id="{A89C7996-833E-4D6B-8458-DA8C3863581B}"/>
+              </a:ext>
+            </a:extLst>
+          </p:cNvPr>
+          <p:cNvSpPr>
+            <a:spLocks noGrp="1"/>
+          </p:cNvSpPr>
+          <p:nvPr>
+            <p:ph idx="1"/>
+          </p:nvPr>
+        </p:nvSpPr>
+        <p:spPr/>
+        <p:txBody>
+          <a:bodyPr/>
+          <a:lstStyle/>
+          <a:p>
+            <a:r>
+              <a:rPr lang="de-DE" dirty="0" err="1"/>
+              <a:t>WPScan</a:t>
+            </a:r>
+            <a:r>
+              <a:rPr lang="de-DE" dirty="0"/>
+              <a:t> (</a:t>
+            </a:r>
+            <a:r>
+              <a:rPr lang="de-DE" dirty="0">
+                <a:hlinkClick r:id="rId2"/>
+              </a:rPr>
+              <a:t>https://wpscan.org/</a:t>
+            </a:r>
+            <a:r>
+              <a:rPr lang="de-DE" dirty="0"/>
+              <a:t>)</a:t>
+            </a:r>
+          </a:p>
+          <a:p>
+            <a:pPr lvl="1"/>
+            <a:r>
+              <a:rPr lang="de-DE" dirty="0"/>
+              <a:t>Docker: </a:t>
+            </a:r>
+            <a:r>
+              <a:rPr lang="en-US" dirty="0"/>
+              <a:t>docker run -it --rm </a:t>
+            </a:r>
+            <a:r>
+              <a:rPr lang="en-US" dirty="0" err="1"/>
+              <a:t>wpscanteam</a:t>
+            </a:r>
+            <a:r>
+              <a:rPr lang="en-US" dirty="0"/>
+              <a:t>/</a:t>
+            </a:r>
+            <a:r>
+              <a:rPr lang="en-US" dirty="0" err="1"/>
+              <a:t>wpscan</a:t>
+            </a:r>
+            <a:r>
+              <a:rPr lang="en-US" dirty="0"/>
+              <a:t> --</a:t>
+            </a:r>
+            <a:r>
+              <a:rPr lang="en-US" dirty="0" err="1"/>
+              <a:t>url</a:t>
+            </a:r>
+            <a:r>
+              <a:rPr lang="en-US" dirty="0"/>
+              <a:t> https://wpmeetup-nuernberg.de/ --enumerate</a:t>
+            </a:r>
+          </a:p>
+          <a:p>
+            <a:r>
+              <a:rPr lang="en-US" dirty="0" err="1"/>
+              <a:t>WPCheck</a:t>
+            </a:r>
+            <a:r>
+              <a:rPr lang="en-US" dirty="0"/>
+              <a:t> (</a:t>
+            </a:r>
+            <a:r>
+              <a:rPr lang="en-US" dirty="0">
+                <a:hlinkClick r:id="rId3"/>
+              </a:rPr>
+              <a:t>https://github.com/sergejmueller/wpcheck</a:t>
+            </a:r>
+            <a:r>
+              <a:rPr lang="en-US" dirty="0"/>
+              <a:t>)</a:t>
+            </a:r>
+          </a:p>
+          <a:p>
+            <a:pPr lvl="1"/>
+            <a:endParaRPr lang="en-US" dirty="0"/>
+          </a:p>
+        </p:txBody>
+      </p:sp>
+      <p:pic>
+        <p:nvPicPr>
+          <p:cNvPr id="5" name="Grafik 4">
+            <a:extLst>
+              <a:ext uri="{FF2B5EF4-FFF2-40B4-BE49-F238E27FC236}">
+                <a16:creationId xmlns:a16="http://schemas.microsoft.com/office/drawing/2014/main" id="{598B233C-46E5-45D6-A3A7-B6E2130A24F8}"/>
+              </a:ext>
+            </a:extLst>
+          </p:cNvPr>
+          <p:cNvPicPr>
+            <a:picLocks noChangeAspect="1"/>
+          </p:cNvPicPr>
+          <p:nvPr/>
+        </p:nvPicPr>
+        <p:blipFill>
+          <a:blip r:embed="rId4" cstate="print">
+            <a:extLst>
+              <a:ext uri="{28A0092B-C50C-407E-A947-70E740481C1C}">
+                <a14:useLocalDpi xmlns:a14="http://schemas.microsoft.com/office/drawing/2010/main" val="0"/>
+              </a:ext>
+            </a:extLst>
+          </a:blip>
+          <a:stretch>
+            <a:fillRect/>
+          </a:stretch>
+        </p:blipFill>
+        <p:spPr>
+          <a:xfrm>
+            <a:off x="10656804" y="5037000"/>
+            <a:ext cx="1440000" cy="1440000"/>
+          </a:xfrm>
+          <a:prstGeom prst="rect">
+            <a:avLst/>
+          </a:prstGeom>
+        </p:spPr>
+      </p:pic>
+    </p:spTree>
+    <p:extLst>
+      <p:ext uri="{BB962C8B-B14F-4D97-AF65-F5344CB8AC3E}">
+        <p14:creationId xmlns:p14="http://schemas.microsoft.com/office/powerpoint/2010/main" val="3350444398"/>
+      </p:ext>
+    </p:extLst>
+  </p:cSld>
+  <p:clrMapOvr>
+    <a:masterClrMapping/>
+  </p:clrMapOvr>
+  <mc:AlternateContent xmlns:mc="http://schemas.openxmlformats.org/markup-compatibility/2006" xmlns:p14="http://schemas.microsoft.com/office/powerpoint/2010/main">
+    <mc:Choice Requires="p14">
+      <p:transition spd="med" p14:dur="700">
+        <p:fade/>
+      </p:transition>
+    </mc:Choice>
+    <mc:Fallback xmlns="">
+      <p:transition spd="med">
+        <p:fade/>
+      </p:transition>
+    </mc:Fallback>
+  </mc:AlternateContent>
+</p:sld>
+</file>
+
+<file path=ppt/slides/slide7.xml><?xml version="1.0" encoding="utf-8"?>
 <p:sld xmlns:a="http://schemas.openxmlformats.org/drawingml/2006/main" xmlns:r="http://schemas.openxmlformats.org/officeDocument/2006/relationships" xmlns:p="http://schemas.openxmlformats.org/presentationml/2006/main">
   <p:cSld>
     <p:spTree>
@@ -7091,7 +9616,7 @@
 </p:sld>
 </file>
 
-<file path=ppt/slides/slide6.xml><?xml version="1.0" encoding="utf-8"?>
+<file path=ppt/slides/slide8.xml><?xml version="1.0" encoding="utf-8"?>
 <p:sld xmlns:a="http://schemas.openxmlformats.org/drawingml/2006/main" xmlns:r="http://schemas.openxmlformats.org/officeDocument/2006/relationships" xmlns:p="http://schemas.openxmlformats.org/presentationml/2006/main">
   <p:cSld>
     <p:spTree>
@@ -8161,7 +10686,7 @@
 </p:sld>
 </file>
 
-<file path=ppt/slides/slide7.xml><?xml version="1.0" encoding="utf-8"?>
+<file path=ppt/slides/slide9.xml><?xml version="1.0" encoding="utf-8"?>
 <p:sld xmlns:a="http://schemas.openxmlformats.org/drawingml/2006/main" xmlns:r="http://schemas.openxmlformats.org/officeDocument/2006/relationships" xmlns:p="http://schemas.openxmlformats.org/presentationml/2006/main">
   <p:cSld>
     <p:spTree>
@@ -8324,744 +10849,6 @@
     <p:extLst>
       <p:ext uri="{BB962C8B-B14F-4D97-AF65-F5344CB8AC3E}">
         <p14:creationId xmlns:p14="http://schemas.microsoft.com/office/powerpoint/2010/main" val="1105073314"/>
-      </p:ext>
-    </p:extLst>
-  </p:cSld>
-  <p:clrMapOvr>
-    <a:masterClrMapping/>
-  </p:clrMapOvr>
-  <mc:AlternateContent xmlns:mc="http://schemas.openxmlformats.org/markup-compatibility/2006" xmlns:p14="http://schemas.microsoft.com/office/powerpoint/2010/main">
-    <mc:Choice Requires="p14">
-      <p:transition spd="med" p14:dur="700">
-        <p:fade/>
-      </p:transition>
-    </mc:Choice>
-    <mc:Fallback xmlns="">
-      <p:transition spd="med">
-        <p:fade/>
-      </p:transition>
-    </mc:Fallback>
-  </mc:AlternateContent>
-</p:sld>
-</file>
-
-<file path=ppt/slides/slide8.xml><?xml version="1.0" encoding="utf-8"?>
-<p:sld xmlns:a="http://schemas.openxmlformats.org/drawingml/2006/main" xmlns:r="http://schemas.openxmlformats.org/officeDocument/2006/relationships" xmlns:p="http://schemas.openxmlformats.org/presentationml/2006/main">
-  <p:cSld>
-    <p:spTree>
-      <p:nvGrpSpPr>
-        <p:cNvPr id="1" name=""/>
-        <p:cNvGrpSpPr/>
-        <p:nvPr/>
-      </p:nvGrpSpPr>
-      <p:grpSpPr>
-        <a:xfrm>
-          <a:off x="0" y="0"/>
-          <a:ext cx="0" cy="0"/>
-          <a:chOff x="0" y="0"/>
-          <a:chExt cx="0" cy="0"/>
-        </a:xfrm>
-      </p:grpSpPr>
-      <p:sp>
-        <p:nvSpPr>
-          <p:cNvPr id="4" name="Titel 3">
-            <a:extLst>
-              <a:ext uri="{FF2B5EF4-FFF2-40B4-BE49-F238E27FC236}">
-                <a16:creationId xmlns:a16="http://schemas.microsoft.com/office/drawing/2014/main" id="{25D6B1B1-7850-4515-A046-5D07AEB88C89}"/>
-              </a:ext>
-            </a:extLst>
-          </p:cNvPr>
-          <p:cNvSpPr>
-            <a:spLocks noGrp="1"/>
-          </p:cNvSpPr>
-          <p:nvPr>
-            <p:ph type="title"/>
-          </p:nvPr>
-        </p:nvSpPr>
-        <p:spPr/>
-        <p:txBody>
-          <a:bodyPr/>
-          <a:lstStyle/>
-          <a:p>
-            <a:r>
-              <a:rPr lang="de-DE" dirty="0"/>
-              <a:t>Kleine Schritte für mehr Sicherheit</a:t>
-            </a:r>
-          </a:p>
-        </p:txBody>
-      </p:sp>
-      <p:sp>
-        <p:nvSpPr>
-          <p:cNvPr id="3" name="Inhaltsplatzhalter 2">
-            <a:extLst>
-              <a:ext uri="{FF2B5EF4-FFF2-40B4-BE49-F238E27FC236}">
-                <a16:creationId xmlns:a16="http://schemas.microsoft.com/office/drawing/2014/main" id="{AECFD0BA-3070-4353-BC71-2D2E788D4E32}"/>
-              </a:ext>
-            </a:extLst>
-          </p:cNvPr>
-          <p:cNvSpPr>
-            <a:spLocks noGrp="1"/>
-          </p:cNvSpPr>
-          <p:nvPr>
-            <p:ph idx="1"/>
-          </p:nvPr>
-        </p:nvSpPr>
-        <p:spPr/>
-        <p:txBody>
-          <a:bodyPr>
-            <a:normAutofit fontScale="85000" lnSpcReduction="20000"/>
-          </a:bodyPr>
-          <a:lstStyle/>
-          <a:p>
-            <a:r>
-              <a:rPr lang="de-DE" dirty="0"/>
-              <a:t>Tabellenpräfix ändern (schon bei der Installation)</a:t>
-            </a:r>
-          </a:p>
-          <a:p>
-            <a:r>
-              <a:rPr lang="de-DE" dirty="0" err="1"/>
-              <a:t>wp</a:t>
-            </a:r>
-            <a:r>
-              <a:rPr lang="de-DE" dirty="0"/>
-              <a:t>-content Ordner umbenennen (am besten gleich nach der Installation)</a:t>
-            </a:r>
-          </a:p>
-          <a:p>
-            <a:pPr lvl="1"/>
-            <a:r>
-              <a:rPr lang="de-DE" dirty="0" err="1"/>
-              <a:t>wp-config.php</a:t>
-            </a:r>
-            <a:r>
-              <a:rPr lang="de-DE" dirty="0"/>
-              <a:t>:</a:t>
-            </a:r>
-          </a:p>
-          <a:p>
-            <a:pPr marL="463550" lvl="2" indent="0">
-              <a:buNone/>
-            </a:pPr>
-            <a:r>
-              <a:rPr lang="de-DE" dirty="0" err="1">
-                <a:latin typeface="DejaVu Sans Mono for Powerline" panose="020B0609030804020204" pitchFamily="49" charset="0"/>
-                <a:ea typeface="DejaVu Sans Mono for Powerline" panose="020B0609030804020204" pitchFamily="49" charset="0"/>
-                <a:cs typeface="DejaVu Sans Mono for Powerline" panose="020B0609030804020204" pitchFamily="49" charset="0"/>
-              </a:rPr>
-              <a:t>define</a:t>
-            </a:r>
-            <a:r>
-              <a:rPr lang="de-DE" dirty="0">
-                <a:latin typeface="DejaVu Sans Mono for Powerline" panose="020B0609030804020204" pitchFamily="49" charset="0"/>
-                <a:ea typeface="DejaVu Sans Mono for Powerline" panose="020B0609030804020204" pitchFamily="49" charset="0"/>
-                <a:cs typeface="DejaVu Sans Mono for Powerline" panose="020B0609030804020204" pitchFamily="49" charset="0"/>
-              </a:rPr>
-              <a:t>('WP_CONTENT_DIR', ' /</a:t>
-            </a:r>
-            <a:r>
-              <a:rPr lang="de-DE" dirty="0" err="1">
-                <a:latin typeface="DejaVu Sans Mono for Powerline" panose="020B0609030804020204" pitchFamily="49" charset="0"/>
-                <a:ea typeface="DejaVu Sans Mono for Powerline" panose="020B0609030804020204" pitchFamily="49" charset="0"/>
-                <a:cs typeface="DejaVu Sans Mono for Powerline" panose="020B0609030804020204" pitchFamily="49" charset="0"/>
-              </a:rPr>
-              <a:t>htdocs</a:t>
-            </a:r>
-            <a:r>
-              <a:rPr lang="de-DE" dirty="0">
-                <a:latin typeface="DejaVu Sans Mono for Powerline" panose="020B0609030804020204" pitchFamily="49" charset="0"/>
-                <a:ea typeface="DejaVu Sans Mono for Powerline" panose="020B0609030804020204" pitchFamily="49" charset="0"/>
-                <a:cs typeface="DejaVu Sans Mono for Powerline" panose="020B0609030804020204" pitchFamily="49" charset="0"/>
-              </a:rPr>
-              <a:t>/</a:t>
-            </a:r>
-            <a:r>
-              <a:rPr lang="de-DE" dirty="0" err="1">
-                <a:latin typeface="DejaVu Sans Mono for Powerline" panose="020B0609030804020204" pitchFamily="49" charset="0"/>
-                <a:ea typeface="DejaVu Sans Mono for Powerline" panose="020B0609030804020204" pitchFamily="49" charset="0"/>
-                <a:cs typeface="DejaVu Sans Mono for Powerline" panose="020B0609030804020204" pitchFamily="49" charset="0"/>
-              </a:rPr>
-              <a:t>wordpress</a:t>
-            </a:r>
-            <a:r>
-              <a:rPr lang="de-DE" dirty="0">
-                <a:latin typeface="DejaVu Sans Mono for Powerline" panose="020B0609030804020204" pitchFamily="49" charset="0"/>
-                <a:ea typeface="DejaVu Sans Mono for Powerline" panose="020B0609030804020204" pitchFamily="49" charset="0"/>
-                <a:cs typeface="DejaVu Sans Mono for Powerline" panose="020B0609030804020204" pitchFamily="49" charset="0"/>
-              </a:rPr>
-              <a:t>/</a:t>
-            </a:r>
-            <a:r>
-              <a:rPr lang="de-DE" dirty="0" err="1">
-                <a:latin typeface="DejaVu Sans Mono for Powerline" panose="020B0609030804020204" pitchFamily="49" charset="0"/>
-                <a:ea typeface="DejaVu Sans Mono for Powerline" panose="020B0609030804020204" pitchFamily="49" charset="0"/>
-                <a:cs typeface="DejaVu Sans Mono for Powerline" panose="020B0609030804020204" pitchFamily="49" charset="0"/>
-              </a:rPr>
-              <a:t>wpc</a:t>
-            </a:r>
-            <a:r>
-              <a:rPr lang="de-DE" dirty="0">
-                <a:latin typeface="DejaVu Sans Mono for Powerline" panose="020B0609030804020204" pitchFamily="49" charset="0"/>
-                <a:ea typeface="DejaVu Sans Mono for Powerline" panose="020B0609030804020204" pitchFamily="49" charset="0"/>
-                <a:cs typeface="DejaVu Sans Mono for Powerline" panose="020B0609030804020204" pitchFamily="49" charset="0"/>
-              </a:rPr>
-              <a:t>');</a:t>
-            </a:r>
-          </a:p>
-          <a:p>
-            <a:pPr marL="463550" lvl="2" indent="0">
-              <a:buNone/>
-            </a:pPr>
-            <a:r>
-              <a:rPr lang="de-DE" dirty="0" err="1">
-                <a:latin typeface="DejaVu Sans Mono for Powerline" panose="020B0609030804020204" pitchFamily="49" charset="0"/>
-                <a:ea typeface="DejaVu Sans Mono for Powerline" panose="020B0609030804020204" pitchFamily="49" charset="0"/>
-                <a:cs typeface="DejaVu Sans Mono for Powerline" panose="020B0609030804020204" pitchFamily="49" charset="0"/>
-              </a:rPr>
-              <a:t>define</a:t>
-            </a:r>
-            <a:r>
-              <a:rPr lang="de-DE" dirty="0">
-                <a:latin typeface="DejaVu Sans Mono for Powerline" panose="020B0609030804020204" pitchFamily="49" charset="0"/>
-                <a:ea typeface="DejaVu Sans Mono for Powerline" panose="020B0609030804020204" pitchFamily="49" charset="0"/>
-                <a:cs typeface="DejaVu Sans Mono for Powerline" panose="020B0609030804020204" pitchFamily="49" charset="0"/>
-              </a:rPr>
-              <a:t>('WP_CONTENT_URL', 'https://www.domain.tld/wpc');</a:t>
-            </a:r>
-          </a:p>
-          <a:p>
-            <a:r>
-              <a:rPr lang="de-DE" dirty="0"/>
-              <a:t>XML-RPC-Schnittstelle deaktivieren (Plugin: </a:t>
-            </a:r>
-            <a:r>
-              <a:rPr lang="de-DE" dirty="0" err="1"/>
-              <a:t>Disable</a:t>
-            </a:r>
-            <a:r>
-              <a:rPr lang="de-DE" dirty="0"/>
-              <a:t> XML-RPC) oder .</a:t>
-            </a:r>
-            <a:r>
-              <a:rPr lang="de-DE" dirty="0" err="1"/>
-              <a:t>htaccess</a:t>
-            </a:r>
-            <a:endParaRPr lang="de-DE" dirty="0"/>
-          </a:p>
-          <a:p>
-            <a:r>
-              <a:rPr lang="de-DE" dirty="0"/>
-              <a:t>REST-API schützen (Plugin: REST API Toolbox)</a:t>
-            </a:r>
-          </a:p>
-          <a:p>
-            <a:r>
-              <a:rPr lang="de-DE" dirty="0"/>
-              <a:t>WordPress-Version verstecken</a:t>
-            </a:r>
-          </a:p>
-          <a:p>
-            <a:pPr lvl="1"/>
-            <a:r>
-              <a:rPr lang="de-DE" sz="2100" dirty="0" err="1"/>
-              <a:t>functions.php</a:t>
-            </a:r>
-            <a:r>
-              <a:rPr lang="de-DE" sz="2100" dirty="0"/>
-              <a:t>:</a:t>
-            </a:r>
-          </a:p>
-          <a:p>
-            <a:pPr marL="463550" lvl="2" indent="0">
-              <a:buNone/>
-            </a:pPr>
-            <a:r>
-              <a:rPr lang="en-US" dirty="0">
-                <a:latin typeface="DejaVu Sans Mono for Powerline" panose="020B0609030804020204" pitchFamily="49" charset="0"/>
-                <a:ea typeface="DejaVu Sans Mono for Powerline" panose="020B0609030804020204" pitchFamily="49" charset="0"/>
-                <a:cs typeface="DejaVu Sans Mono for Powerline" panose="020B0609030804020204" pitchFamily="49" charset="0"/>
-              </a:rPr>
-              <a:t>function </a:t>
-            </a:r>
-            <a:r>
-              <a:rPr lang="en-US" dirty="0" err="1">
-                <a:latin typeface="DejaVu Sans Mono for Powerline" panose="020B0609030804020204" pitchFamily="49" charset="0"/>
-                <a:ea typeface="DejaVu Sans Mono for Powerline" panose="020B0609030804020204" pitchFamily="49" charset="0"/>
-                <a:cs typeface="DejaVu Sans Mono for Powerline" panose="020B0609030804020204" pitchFamily="49" charset="0"/>
-              </a:rPr>
-              <a:t>no_generator</a:t>
-            </a:r>
-            <a:r>
-              <a:rPr lang="en-US" dirty="0">
-                <a:latin typeface="DejaVu Sans Mono for Powerline" panose="020B0609030804020204" pitchFamily="49" charset="0"/>
-                <a:ea typeface="DejaVu Sans Mono for Powerline" panose="020B0609030804020204" pitchFamily="49" charset="0"/>
-                <a:cs typeface="DejaVu Sans Mono for Powerline" panose="020B0609030804020204" pitchFamily="49" charset="0"/>
-              </a:rPr>
-              <a:t>() { return ‘’; }</a:t>
-            </a:r>
-            <a:br>
-              <a:rPr lang="en-US" dirty="0">
-                <a:latin typeface="DejaVu Sans Mono for Powerline" panose="020B0609030804020204" pitchFamily="49" charset="0"/>
-                <a:ea typeface="DejaVu Sans Mono for Powerline" panose="020B0609030804020204" pitchFamily="49" charset="0"/>
-                <a:cs typeface="DejaVu Sans Mono for Powerline" panose="020B0609030804020204" pitchFamily="49" charset="0"/>
-              </a:rPr>
-            </a:br>
-            <a:r>
-              <a:rPr lang="en-US" dirty="0" err="1">
-                <a:latin typeface="DejaVu Sans Mono for Powerline" panose="020B0609030804020204" pitchFamily="49" charset="0"/>
-                <a:ea typeface="DejaVu Sans Mono for Powerline" panose="020B0609030804020204" pitchFamily="49" charset="0"/>
-                <a:cs typeface="DejaVu Sans Mono for Powerline" panose="020B0609030804020204" pitchFamily="49" charset="0"/>
-              </a:rPr>
-              <a:t>add_filter</a:t>
-            </a:r>
-            <a:r>
-              <a:rPr lang="en-US" dirty="0">
-                <a:latin typeface="DejaVu Sans Mono for Powerline" panose="020B0609030804020204" pitchFamily="49" charset="0"/>
-                <a:ea typeface="DejaVu Sans Mono for Powerline" panose="020B0609030804020204" pitchFamily="49" charset="0"/>
-                <a:cs typeface="DejaVu Sans Mono for Powerline" panose="020B0609030804020204" pitchFamily="49" charset="0"/>
-              </a:rPr>
-              <a:t>( '</a:t>
-            </a:r>
-            <a:r>
-              <a:rPr lang="en-US" dirty="0" err="1">
-                <a:latin typeface="DejaVu Sans Mono for Powerline" panose="020B0609030804020204" pitchFamily="49" charset="0"/>
-                <a:ea typeface="DejaVu Sans Mono for Powerline" panose="020B0609030804020204" pitchFamily="49" charset="0"/>
-                <a:cs typeface="DejaVu Sans Mono for Powerline" panose="020B0609030804020204" pitchFamily="49" charset="0"/>
-              </a:rPr>
-              <a:t>the_generator</a:t>
-            </a:r>
-            <a:r>
-              <a:rPr lang="en-US" dirty="0">
-                <a:latin typeface="DejaVu Sans Mono for Powerline" panose="020B0609030804020204" pitchFamily="49" charset="0"/>
-                <a:ea typeface="DejaVu Sans Mono for Powerline" panose="020B0609030804020204" pitchFamily="49" charset="0"/>
-                <a:cs typeface="DejaVu Sans Mono for Powerline" panose="020B0609030804020204" pitchFamily="49" charset="0"/>
-              </a:rPr>
-              <a:t>', '</a:t>
-            </a:r>
-            <a:r>
-              <a:rPr lang="en-US" dirty="0" err="1">
-                <a:latin typeface="DejaVu Sans Mono for Powerline" panose="020B0609030804020204" pitchFamily="49" charset="0"/>
-                <a:ea typeface="DejaVu Sans Mono for Powerline" panose="020B0609030804020204" pitchFamily="49" charset="0"/>
-                <a:cs typeface="DejaVu Sans Mono for Powerline" panose="020B0609030804020204" pitchFamily="49" charset="0"/>
-              </a:rPr>
-              <a:t>no_generator</a:t>
-            </a:r>
-            <a:r>
-              <a:rPr lang="en-US" dirty="0">
-                <a:latin typeface="DejaVu Sans Mono for Powerline" panose="020B0609030804020204" pitchFamily="49" charset="0"/>
-                <a:ea typeface="DejaVu Sans Mono for Powerline" panose="020B0609030804020204" pitchFamily="49" charset="0"/>
-                <a:cs typeface="DejaVu Sans Mono for Powerline" panose="020B0609030804020204" pitchFamily="49" charset="0"/>
-              </a:rPr>
-              <a:t>' );</a:t>
-            </a:r>
-            <a:endParaRPr lang="de-DE" dirty="0">
-              <a:latin typeface="DejaVu Sans Mono for Powerline" panose="020B0609030804020204" pitchFamily="49" charset="0"/>
-              <a:ea typeface="DejaVu Sans Mono for Powerline" panose="020B0609030804020204" pitchFamily="49" charset="0"/>
-              <a:cs typeface="DejaVu Sans Mono for Powerline" panose="020B0609030804020204" pitchFamily="49" charset="0"/>
-            </a:endParaRPr>
-          </a:p>
-          <a:p>
-            <a:r>
-              <a:rPr lang="de-DE" dirty="0"/>
-              <a:t>Umsetzung der neuesten HTTP-Security-Header (.</a:t>
-            </a:r>
-            <a:r>
-              <a:rPr lang="de-DE" dirty="0" err="1"/>
-              <a:t>htaccess</a:t>
-            </a:r>
-            <a:r>
-              <a:rPr lang="de-DE" dirty="0"/>
-              <a:t>)</a:t>
-            </a:r>
-          </a:p>
-        </p:txBody>
-      </p:sp>
-      <p:pic>
-        <p:nvPicPr>
-          <p:cNvPr id="6" name="Grafik 5">
-            <a:extLst>
-              <a:ext uri="{FF2B5EF4-FFF2-40B4-BE49-F238E27FC236}">
-                <a16:creationId xmlns:a16="http://schemas.microsoft.com/office/drawing/2014/main" id="{675FC37D-1843-45D9-96D9-BB98626BA291}"/>
-              </a:ext>
-            </a:extLst>
-          </p:cNvPr>
-          <p:cNvPicPr>
-            <a:picLocks noChangeAspect="1"/>
-          </p:cNvPicPr>
-          <p:nvPr/>
-        </p:nvPicPr>
-        <p:blipFill>
-          <a:blip r:embed="rId2" cstate="print">
-            <a:extLst>
-              <a:ext uri="{28A0092B-C50C-407E-A947-70E740481C1C}">
-                <a14:useLocalDpi xmlns:a14="http://schemas.microsoft.com/office/drawing/2010/main" val="0"/>
-              </a:ext>
-            </a:extLst>
-          </a:blip>
-          <a:stretch>
-            <a:fillRect/>
-          </a:stretch>
-        </p:blipFill>
-        <p:spPr>
-          <a:xfrm>
-            <a:off x="10656804" y="5032186"/>
-            <a:ext cx="1440000" cy="1440000"/>
-          </a:xfrm>
-          <a:prstGeom prst="rect">
-            <a:avLst/>
-          </a:prstGeom>
-        </p:spPr>
-      </p:pic>
-    </p:spTree>
-    <p:extLst>
-      <p:ext uri="{BB962C8B-B14F-4D97-AF65-F5344CB8AC3E}">
-        <p14:creationId xmlns:p14="http://schemas.microsoft.com/office/powerpoint/2010/main" val="4032697531"/>
-      </p:ext>
-    </p:extLst>
-  </p:cSld>
-  <p:clrMapOvr>
-    <a:masterClrMapping/>
-  </p:clrMapOvr>
-  <mc:AlternateContent xmlns:mc="http://schemas.openxmlformats.org/markup-compatibility/2006" xmlns:p14="http://schemas.microsoft.com/office/powerpoint/2010/main">
-    <mc:Choice Requires="p14">
-      <p:transition spd="med" p14:dur="700">
-        <p:fade/>
-      </p:transition>
-    </mc:Choice>
-    <mc:Fallback xmlns="">
-      <p:transition spd="med">
-        <p:fade/>
-      </p:transition>
-    </mc:Fallback>
-  </mc:AlternateContent>
-</p:sld>
-</file>
-
-<file path=ppt/slides/slide9.xml><?xml version="1.0" encoding="utf-8"?>
-<p:sld xmlns:a="http://schemas.openxmlformats.org/drawingml/2006/main" xmlns:r="http://schemas.openxmlformats.org/officeDocument/2006/relationships" xmlns:p="http://schemas.openxmlformats.org/presentationml/2006/main">
-  <p:cSld>
-    <p:spTree>
-      <p:nvGrpSpPr>
-        <p:cNvPr id="1" name=""/>
-        <p:cNvGrpSpPr/>
-        <p:nvPr/>
-      </p:nvGrpSpPr>
-      <p:grpSpPr>
-        <a:xfrm>
-          <a:off x="0" y="0"/>
-          <a:ext cx="0" cy="0"/>
-          <a:chOff x="0" y="0"/>
-          <a:chExt cx="0" cy="0"/>
-        </a:xfrm>
-      </p:grpSpPr>
-      <p:sp>
-        <p:nvSpPr>
-          <p:cNvPr id="4" name="Titel 3">
-            <a:extLst>
-              <a:ext uri="{FF2B5EF4-FFF2-40B4-BE49-F238E27FC236}">
-                <a16:creationId xmlns:a16="http://schemas.microsoft.com/office/drawing/2014/main" id="{25D6B1B1-7850-4515-A046-5D07AEB88C89}"/>
-              </a:ext>
-            </a:extLst>
-          </p:cNvPr>
-          <p:cNvSpPr>
-            <a:spLocks noGrp="1"/>
-          </p:cNvSpPr>
-          <p:nvPr>
-            <p:ph type="title"/>
-          </p:nvPr>
-        </p:nvSpPr>
-        <p:spPr/>
-        <p:txBody>
-          <a:bodyPr/>
-          <a:lstStyle/>
-          <a:p>
-            <a:r>
-              <a:rPr lang="de-DE" dirty="0"/>
-              <a:t>Kleine Schritte für mehr Sicherheit</a:t>
-            </a:r>
-          </a:p>
-        </p:txBody>
-      </p:sp>
-      <p:sp>
-        <p:nvSpPr>
-          <p:cNvPr id="5" name="Inhaltsplatzhalter 4">
-            <a:extLst>
-              <a:ext uri="{FF2B5EF4-FFF2-40B4-BE49-F238E27FC236}">
-                <a16:creationId xmlns:a16="http://schemas.microsoft.com/office/drawing/2014/main" id="{AC41CC09-9BA9-494B-B756-2DCEBAAD0DCC}"/>
-              </a:ext>
-            </a:extLst>
-          </p:cNvPr>
-          <p:cNvSpPr>
-            <a:spLocks noGrp="1"/>
-          </p:cNvSpPr>
-          <p:nvPr>
-            <p:ph sz="half" idx="1"/>
-          </p:nvPr>
-        </p:nvSpPr>
-        <p:spPr/>
-        <p:txBody>
-          <a:bodyPr>
-            <a:normAutofit fontScale="92500" lnSpcReduction="10000"/>
-          </a:bodyPr>
-          <a:lstStyle/>
-          <a:p>
-            <a:r>
-              <a:rPr lang="de-DE" dirty="0" err="1"/>
-              <a:t>Emoji’s</a:t>
-            </a:r>
-            <a:r>
-              <a:rPr lang="de-DE" dirty="0"/>
-              <a:t> deaktivieren (Plugin: </a:t>
-            </a:r>
-            <a:r>
-              <a:rPr lang="de-DE" dirty="0" err="1"/>
-              <a:t>Disable</a:t>
-            </a:r>
-            <a:r>
-              <a:rPr lang="de-DE" dirty="0"/>
-              <a:t> Emojis)</a:t>
-            </a:r>
-          </a:p>
-          <a:p>
-            <a:r>
-              <a:rPr lang="de-DE" dirty="0"/>
-              <a:t>.</a:t>
-            </a:r>
-            <a:r>
-              <a:rPr lang="de-DE" dirty="0" err="1"/>
-              <a:t>htaccess</a:t>
-            </a:r>
-            <a:r>
-              <a:rPr lang="de-DE" dirty="0"/>
-              <a:t> auf 644 oder (wenn Möglich) 444</a:t>
-            </a:r>
-          </a:p>
-          <a:p>
-            <a:r>
-              <a:rPr lang="de-DE" dirty="0"/>
-              <a:t>Dateibearbeitung im Dashboard ausschalten</a:t>
-            </a:r>
-          </a:p>
-          <a:p>
-            <a:pPr lvl="1"/>
-            <a:r>
-              <a:rPr lang="de-DE" sz="2100" dirty="0" err="1"/>
-              <a:t>wp-config.php</a:t>
-            </a:r>
-            <a:r>
-              <a:rPr lang="de-DE" sz="2100" dirty="0"/>
-              <a:t>:</a:t>
-            </a:r>
-          </a:p>
-          <a:p>
-            <a:pPr marL="463550" lvl="2" indent="0">
-              <a:buNone/>
-            </a:pPr>
-            <a:r>
-              <a:rPr lang="de-DE" dirty="0" err="1">
-                <a:latin typeface="DejaVu Sans Mono for Powerline" panose="020B0609030804020204" pitchFamily="49" charset="0"/>
-                <a:ea typeface="DejaVu Sans Mono for Powerline" panose="020B0609030804020204" pitchFamily="49" charset="0"/>
-                <a:cs typeface="DejaVu Sans Mono for Powerline" panose="020B0609030804020204" pitchFamily="49" charset="0"/>
-              </a:rPr>
-              <a:t>define</a:t>
-            </a:r>
-            <a:r>
-              <a:rPr lang="de-DE" dirty="0">
-                <a:latin typeface="DejaVu Sans Mono for Powerline" panose="020B0609030804020204" pitchFamily="49" charset="0"/>
-                <a:ea typeface="DejaVu Sans Mono for Powerline" panose="020B0609030804020204" pitchFamily="49" charset="0"/>
-                <a:cs typeface="DejaVu Sans Mono for Powerline" panose="020B0609030804020204" pitchFamily="49" charset="0"/>
-              </a:rPr>
-              <a:t>('DISALLOW_FILE_EDIT', </a:t>
-            </a:r>
-            <a:r>
-              <a:rPr lang="de-DE" dirty="0" err="1">
-                <a:latin typeface="DejaVu Sans Mono for Powerline" panose="020B0609030804020204" pitchFamily="49" charset="0"/>
-                <a:ea typeface="DejaVu Sans Mono for Powerline" panose="020B0609030804020204" pitchFamily="49" charset="0"/>
-                <a:cs typeface="DejaVu Sans Mono for Powerline" panose="020B0609030804020204" pitchFamily="49" charset="0"/>
-              </a:rPr>
-              <a:t>true</a:t>
-            </a:r>
-            <a:r>
-              <a:rPr lang="de-DE" dirty="0">
-                <a:latin typeface="DejaVu Sans Mono for Powerline" panose="020B0609030804020204" pitchFamily="49" charset="0"/>
-                <a:ea typeface="DejaVu Sans Mono for Powerline" panose="020B0609030804020204" pitchFamily="49" charset="0"/>
-                <a:cs typeface="DejaVu Sans Mono for Powerline" panose="020B0609030804020204" pitchFamily="49" charset="0"/>
-              </a:rPr>
-              <a:t>);</a:t>
-            </a:r>
-            <a:endParaRPr lang="de-DE" dirty="0"/>
-          </a:p>
-          <a:p>
-            <a:r>
-              <a:rPr lang="de-DE" dirty="0"/>
-              <a:t>Starke Passwörter (Plugin: Force Strong Passwords)</a:t>
-            </a:r>
-          </a:p>
-        </p:txBody>
-      </p:sp>
-      <p:sp>
-        <p:nvSpPr>
-          <p:cNvPr id="2" name="Inhaltsplatzhalter 1">
-            <a:extLst>
-              <a:ext uri="{FF2B5EF4-FFF2-40B4-BE49-F238E27FC236}">
-                <a16:creationId xmlns:a16="http://schemas.microsoft.com/office/drawing/2014/main" id="{B3B35BDA-82EC-4C9F-92B9-F18DF373DA2B}"/>
-              </a:ext>
-            </a:extLst>
-          </p:cNvPr>
-          <p:cNvSpPr>
-            <a:spLocks noGrp="1"/>
-          </p:cNvSpPr>
-          <p:nvPr>
-            <p:ph sz="half" idx="2"/>
-          </p:nvPr>
-        </p:nvSpPr>
-        <p:spPr/>
-        <p:txBody>
-          <a:bodyPr>
-            <a:normAutofit fontScale="92500" lnSpcReduction="10000"/>
-          </a:bodyPr>
-          <a:lstStyle/>
-          <a:p>
-            <a:r>
-              <a:rPr lang="de-DE" dirty="0" err="1"/>
-              <a:t>Hotlinking</a:t>
-            </a:r>
-            <a:r>
-              <a:rPr lang="de-DE" dirty="0"/>
-              <a:t> verhindern</a:t>
-            </a:r>
-            <a:br>
-              <a:rPr lang="de-DE" dirty="0"/>
-            </a:br>
-            <a:r>
-              <a:rPr lang="de-DE" dirty="0"/>
-              <a:t>(</a:t>
-            </a:r>
-            <a:r>
-              <a:rPr lang="de-DE" dirty="0">
-                <a:hlinkClick r:id="rId2"/>
-              </a:rPr>
-              <a:t>http://www.htaccesstools.com/hotlink-protection/</a:t>
-            </a:r>
-            <a:r>
-              <a:rPr lang="de-DE" dirty="0"/>
-              <a:t>)</a:t>
-            </a:r>
-          </a:p>
-          <a:p>
-            <a:r>
-              <a:rPr lang="de-DE" dirty="0"/>
-              <a:t>6G Firewall 2019 (</a:t>
-            </a:r>
-            <a:r>
-              <a:rPr lang="de-DE" dirty="0">
-                <a:hlinkClick r:id="rId3"/>
-              </a:rPr>
-              <a:t>https://perishablepress.com/6g/</a:t>
-            </a:r>
-            <a:r>
-              <a:rPr lang="de-DE" dirty="0"/>
-              <a:t>) oder 7G (Beta)</a:t>
-            </a:r>
-          </a:p>
-          <a:p>
-            <a:r>
-              <a:rPr lang="de-DE" dirty="0"/>
-              <a:t>Erstelle immer Backups und Teste diese</a:t>
-            </a:r>
-          </a:p>
-          <a:p>
-            <a:r>
-              <a:rPr lang="de-DE" dirty="0"/>
-              <a:t>Server-Signatur deaktivieren</a:t>
-            </a:r>
-          </a:p>
-          <a:p>
-            <a:pPr lvl="1"/>
-            <a:r>
-              <a:rPr lang="de-DE" dirty="0">
-                <a:latin typeface="DejaVu Sans Mono for Powerline" panose="020B0609030804020204" pitchFamily="49" charset="0"/>
-                <a:ea typeface="DejaVu Sans Mono for Powerline" panose="020B0609030804020204" pitchFamily="49" charset="0"/>
-                <a:cs typeface="DejaVu Sans Mono for Powerline" panose="020B0609030804020204" pitchFamily="49" charset="0"/>
-              </a:rPr>
-              <a:t>.</a:t>
-            </a:r>
-            <a:r>
-              <a:rPr lang="de-DE" dirty="0" err="1">
-                <a:latin typeface="DejaVu Sans Mono for Powerline" panose="020B0609030804020204" pitchFamily="49" charset="0"/>
-                <a:ea typeface="DejaVu Sans Mono for Powerline" panose="020B0609030804020204" pitchFamily="49" charset="0"/>
-                <a:cs typeface="DejaVu Sans Mono for Powerline" panose="020B0609030804020204" pitchFamily="49" charset="0"/>
-              </a:rPr>
-              <a:t>htaccess</a:t>
-            </a:r>
-            <a:r>
-              <a:rPr lang="de-DE" dirty="0">
-                <a:latin typeface="DejaVu Sans Mono for Powerline" panose="020B0609030804020204" pitchFamily="49" charset="0"/>
-                <a:ea typeface="DejaVu Sans Mono for Powerline" panose="020B0609030804020204" pitchFamily="49" charset="0"/>
-                <a:cs typeface="DejaVu Sans Mono for Powerline" panose="020B0609030804020204" pitchFamily="49" charset="0"/>
-              </a:rPr>
-              <a:t>: </a:t>
-            </a:r>
-            <a:r>
-              <a:rPr lang="de-DE" dirty="0" err="1">
-                <a:latin typeface="DejaVu Sans Mono for Powerline" panose="020B0609030804020204" pitchFamily="49" charset="0"/>
-                <a:ea typeface="DejaVu Sans Mono for Powerline" panose="020B0609030804020204" pitchFamily="49" charset="0"/>
-                <a:cs typeface="DejaVu Sans Mono for Powerline" panose="020B0609030804020204" pitchFamily="49" charset="0"/>
-              </a:rPr>
-              <a:t>ServerSignature</a:t>
-            </a:r>
-            <a:r>
-              <a:rPr lang="de-DE" dirty="0">
-                <a:latin typeface="DejaVu Sans Mono for Powerline" panose="020B0609030804020204" pitchFamily="49" charset="0"/>
-                <a:ea typeface="DejaVu Sans Mono for Powerline" panose="020B0609030804020204" pitchFamily="49" charset="0"/>
-                <a:cs typeface="DejaVu Sans Mono for Powerline" panose="020B0609030804020204" pitchFamily="49" charset="0"/>
-              </a:rPr>
-              <a:t> Off</a:t>
-            </a:r>
-            <a:endParaRPr lang="de-DE" dirty="0"/>
-          </a:p>
-        </p:txBody>
-      </p:sp>
-      <p:pic>
-        <p:nvPicPr>
-          <p:cNvPr id="6" name="Grafik 5">
-            <a:extLst>
-              <a:ext uri="{FF2B5EF4-FFF2-40B4-BE49-F238E27FC236}">
-                <a16:creationId xmlns:a16="http://schemas.microsoft.com/office/drawing/2014/main" id="{BFB9B30F-B36E-4113-BF48-7A5D6E2D669A}"/>
-              </a:ext>
-            </a:extLst>
-          </p:cNvPr>
-          <p:cNvPicPr>
-            <a:picLocks noChangeAspect="1"/>
-          </p:cNvPicPr>
-          <p:nvPr/>
-        </p:nvPicPr>
-        <p:blipFill>
-          <a:blip r:embed="rId4" cstate="print">
-            <a:extLst>
-              <a:ext uri="{28A0092B-C50C-407E-A947-70E740481C1C}">
-                <a14:useLocalDpi xmlns:a14="http://schemas.microsoft.com/office/drawing/2010/main" val="0"/>
-              </a:ext>
-            </a:extLst>
-          </a:blip>
-          <a:stretch>
-            <a:fillRect/>
-          </a:stretch>
-        </p:blipFill>
-        <p:spPr>
-          <a:xfrm>
-            <a:off x="10656804" y="5032186"/>
-            <a:ext cx="1440000" cy="1440000"/>
-          </a:xfrm>
-          <a:prstGeom prst="rect">
-            <a:avLst/>
-          </a:prstGeom>
-        </p:spPr>
-      </p:pic>
-    </p:spTree>
-    <p:extLst>
-      <p:ext uri="{BB962C8B-B14F-4D97-AF65-F5344CB8AC3E}">
-        <p14:creationId xmlns:p14="http://schemas.microsoft.com/office/powerpoint/2010/main" val="2750447709"/>
       </p:ext>
     </p:extLst>
   </p:cSld>
@@ -11088,14 +12875,14 @@
 <ds:datastoreItem xmlns:ds="http://schemas.openxmlformats.org/officeDocument/2006/customXml" ds:itemID="{00E41224-0370-4595-877C-23316CD80004}">
   <ds:schemaRefs>
     <ds:schemaRef ds:uri="http://purl.org/dc/dcmitype/"/>
+    <ds:schemaRef ds:uri="http://schemas.openxmlformats.org/package/2006/metadata/core-properties"/>
+    <ds:schemaRef ds:uri="http://purl.org/dc/terms/"/>
+    <ds:schemaRef ds:uri="http://purl.org/dc/elements/1.1/"/>
+    <ds:schemaRef ds:uri="http://schemas.microsoft.com/office/2006/documentManagement/types"/>
+    <ds:schemaRef ds:uri="4873beb7-5857-4685-be1f-d57550cc96cc"/>
+    <ds:schemaRef ds:uri="http://www.w3.org/XML/1998/namespace"/>
+    <ds:schemaRef ds:uri="http://schemas.microsoft.com/office/infopath/2007/PartnerControls"/>
     <ds:schemaRef ds:uri="http://schemas.microsoft.com/office/2006/metadata/properties"/>
-    <ds:schemaRef ds:uri="http://www.w3.org/XML/1998/namespace"/>
-    <ds:schemaRef ds:uri="http://schemas.microsoft.com/office/2006/documentManagement/types"/>
-    <ds:schemaRef ds:uri="http://purl.org/dc/terms/"/>
-    <ds:schemaRef ds:uri="http://schemas.microsoft.com/office/infopath/2007/PartnerControls"/>
-    <ds:schemaRef ds:uri="http://schemas.openxmlformats.org/package/2006/metadata/core-properties"/>
-    <ds:schemaRef ds:uri="4873beb7-5857-4685-be1f-d57550cc96cc"/>
-    <ds:schemaRef ds:uri="http://purl.org/dc/elements/1.1/"/>
   </ds:schemaRefs>
 </ds:datastoreItem>
 </file>
--- a/WPM Nürnberg - WordPress-Sicherheit.pptx
+++ b/WPM Nürnberg - WordPress-Sicherheit.pptx
@@ -283,7 +283,7 @@
             <a:fld id="{115D25CC-CE2B-44FC-97DA-587FCC13922E}" type="datetime1">
               <a:rPr lang="de-DE" smtClean="0"/>
               <a:pPr algn="r" rtl="0"/>
-              <a:t>11.05.2019</a:t>
+              <a:t>16.05.2019</a:t>
             </a:fld>
             <a:endParaRPr lang="de-DE" dirty="0"/>
           </a:p>
@@ -453,7 +453,7 @@
             <a:fld id="{E832C949-ED9C-45D4-8A60-90C89D3B8584}" type="datetime1">
               <a:rPr lang="de-DE" smtClean="0"/>
               <a:pPr/>
-              <a:t>07.05.2019</a:t>
+              <a:t>16.05.2019</a:t>
             </a:fld>
             <a:endParaRPr lang="de-DE" dirty="0"/>
           </a:p>
@@ -1062,7 +1062,7 @@
             <a:fld id="{A189E67C-9D02-45EC-B214-7132036CA0E2}" type="datetime1">
               <a:rPr lang="de-DE" noProof="0" smtClean="0"/>
               <a:pPr/>
-              <a:t>07.05.2019</a:t>
+              <a:t>16.05.2019</a:t>
             </a:fld>
             <a:endParaRPr lang="de-DE" noProof="0" dirty="0"/>
           </a:p>
@@ -1265,7 +1265,7 @@
             <a:fld id="{270FAB6A-C057-4550-9260-DE7EF7F686AF}" type="datetime1">
               <a:rPr lang="de-DE" noProof="0" smtClean="0"/>
               <a:pPr/>
-              <a:t>07.05.2019</a:t>
+              <a:t>16.05.2019</a:t>
             </a:fld>
             <a:endParaRPr lang="de-DE" noProof="0" dirty="0"/>
           </a:p>
@@ -1461,7 +1461,7 @@
             <a:fld id="{0C3BEA5D-0888-4F93-8E94-34D310102D57}" type="datetime1">
               <a:rPr lang="de-DE" smtClean="0"/>
               <a:pPr/>
-              <a:t>07.05.2019</a:t>
+              <a:t>16.05.2019</a:t>
             </a:fld>
             <a:endParaRPr lang="de-DE" dirty="0"/>
           </a:p>
@@ -1749,7 +1749,7 @@
             <a:fld id="{BAC737EE-66BB-4D7F-898E-CF1D06F8E110}" type="datetime1">
               <a:rPr lang="de-DE" smtClean="0"/>
               <a:pPr/>
-              <a:t>07.05.2019</a:t>
+              <a:t>16.05.2019</a:t>
             </a:fld>
             <a:endParaRPr lang="de-DE" dirty="0"/>
           </a:p>
@@ -2059,7 +2059,7 @@
             <a:fld id="{8B789056-64C5-46DE-95B1-DA257F473F68}" type="datetime1">
               <a:rPr lang="de-DE" smtClean="0"/>
               <a:pPr/>
-              <a:t>07.05.2019</a:t>
+              <a:t>16.05.2019</a:t>
             </a:fld>
             <a:r>
               <a:rPr lang="de-DE" dirty="0"/>
@@ -2524,7 +2524,7 @@
             <a:fld id="{80BFF739-A1FF-4B0F-A80D-4A7600AF59B6}" type="datetime1">
               <a:rPr lang="de-DE" noProof="0" smtClean="0"/>
               <a:pPr/>
-              <a:t>07.05.2019</a:t>
+              <a:t>16.05.2019</a:t>
             </a:fld>
             <a:endParaRPr lang="de-DE" noProof="0" dirty="0"/>
           </a:p>
@@ -2662,7 +2662,7 @@
             <a:fld id="{B9B1CAE9-9EFE-4152-8504-84F83B03DD44}" type="datetime1">
               <a:rPr lang="de-DE" smtClean="0"/>
               <a:pPr/>
-              <a:t>07.05.2019</a:t>
+              <a:t>16.05.2019</a:t>
             </a:fld>
             <a:endParaRPr lang="de-DE" dirty="0"/>
           </a:p>
@@ -2784,7 +2784,7 @@
             <a:fld id="{16AF6054-D64A-4276-A67A-52D6E88FBE84}" type="datetime1">
               <a:rPr lang="de-DE" smtClean="0"/>
               <a:pPr/>
-              <a:t>07.05.2019</a:t>
+              <a:t>16.05.2019</a:t>
             </a:fld>
             <a:endParaRPr lang="de-DE" dirty="0"/>
           </a:p>
@@ -3113,7 +3113,7 @@
             <a:fld id="{B5374C35-0B4F-422D-B236-94C4FF2C6562}" type="datetime1">
               <a:rPr lang="de-DE" noProof="0" smtClean="0"/>
               <a:pPr/>
-              <a:t>07.05.2019</a:t>
+              <a:t>16.05.2019</a:t>
             </a:fld>
             <a:endParaRPr lang="de-DE" noProof="0" dirty="0"/>
           </a:p>
@@ -3433,7 +3433,7 @@
             <a:fld id="{58041F81-F908-46F2-978C-0D5782D2F71E}" type="datetime1">
               <a:rPr lang="de-DE" noProof="0" smtClean="0"/>
               <a:pPr/>
-              <a:t>07.05.2019</a:t>
+              <a:t>16.05.2019</a:t>
             </a:fld>
             <a:endParaRPr lang="de-DE" noProof="0" dirty="0"/>
           </a:p>
@@ -3670,7 +3670,7 @@
             <a:fld id="{73868FAC-1E42-46E2-B290-2D4CF62A4174}" type="datetime1">
               <a:rPr lang="de-DE" smtClean="0"/>
               <a:pPr/>
-              <a:t>07.05.2019</a:t>
+              <a:t>16.05.2019</a:t>
             </a:fld>
             <a:endParaRPr lang="de-DE" dirty="0"/>
           </a:p>
@@ -4250,6 +4250,42 @@
           <a:xfrm>
             <a:off x="1065213" y="188640"/>
             <a:ext cx="2508919" cy="2508919"/>
+          </a:xfrm>
+          <a:prstGeom prst="rect">
+            <a:avLst/>
+          </a:prstGeom>
+        </p:spPr>
+      </p:pic>
+      <p:pic>
+        <p:nvPicPr>
+          <p:cNvPr id="6" name="Grafik 5">
+            <a:extLst>
+              <a:ext uri="{FF2B5EF4-FFF2-40B4-BE49-F238E27FC236}">
+                <a16:creationId xmlns:a16="http://schemas.microsoft.com/office/drawing/2014/main" id="{DA247860-691F-41D5-9B9F-DD41FC4C8A0A}"/>
+              </a:ext>
+            </a:extLst>
+          </p:cNvPr>
+          <p:cNvPicPr>
+            <a:picLocks noChangeAspect="1"/>
+          </p:cNvPicPr>
+          <p:nvPr/>
+        </p:nvPicPr>
+        <p:blipFill>
+          <a:blip r:embed="rId3">
+            <a:extLst>
+              <a:ext uri="{28A0092B-C50C-407E-A947-70E740481C1C}">
+                <a14:useLocalDpi xmlns:a14="http://schemas.microsoft.com/office/drawing/2010/main" val="0"/>
+              </a:ext>
+            </a:extLst>
+          </a:blip>
+          <a:stretch>
+            <a:fillRect/>
+          </a:stretch>
+        </p:blipFill>
+        <p:spPr>
+          <a:xfrm>
+            <a:off x="9753612" y="4419227"/>
+            <a:ext cx="1882847" cy="1981945"/>
           </a:xfrm>
           <a:prstGeom prst="rect">
             <a:avLst/>
@@ -8494,46 +8530,136 @@
           </a:p>
         </p:txBody>
       </p:sp>
-      <p:sp>
-        <p:nvSpPr>
-          <p:cNvPr id="3" name="Textplatzhalter 2"/>
-          <p:cNvSpPr>
-            <a:spLocks noGrp="1"/>
-          </p:cNvSpPr>
-          <p:nvPr>
-            <p:ph type="body" idx="1"/>
-          </p:nvPr>
-        </p:nvSpPr>
-        <p:spPr/>
-        <p:txBody>
-          <a:bodyPr rtlCol="0">
-            <a:normAutofit fontScale="70000" lnSpcReduction="20000"/>
-          </a:bodyPr>
-          <a:lstStyle/>
-          <a:p>
-            <a:r>
-              <a:rPr lang="en-US" dirty="0"/>
-              <a:t>E-mail: </a:t>
-            </a:r>
-            <a:r>
-              <a:rPr lang="en-US" dirty="0">
-                <a:hlinkClick r:id="rId2"/>
-              </a:rPr>
-              <a:t>mail@frank-Schmittlein.de</a:t>
-            </a:r>
-            <a:br>
-              <a:rPr lang="en-US" dirty="0"/>
-            </a:br>
-            <a:br>
-              <a:rPr lang="en-US" dirty="0"/>
-            </a:br>
-            <a:r>
-              <a:rPr lang="en-US" dirty="0"/>
-              <a:t>Twitter: @schmittlein77</a:t>
-            </a:r>
-          </a:p>
-        </p:txBody>
-      </p:sp>
+      <mc:AlternateContent xmlns:mc="http://schemas.openxmlformats.org/markup-compatibility/2006">
+        <mc:Choice xmlns:a14="http://schemas.microsoft.com/office/drawing/2010/main" Requires="a14">
+          <p:sp>
+            <p:nvSpPr>
+              <p:cNvPr id="3" name="Textplatzhalter 2"/>
+              <p:cNvSpPr>
+                <a:spLocks noGrp="1"/>
+              </p:cNvSpPr>
+              <p:nvPr>
+                <p:ph type="body" idx="1"/>
+              </p:nvPr>
+            </p:nvSpPr>
+            <p:spPr/>
+            <p:txBody>
+              <a:bodyPr rtlCol="0">
+                <a:normAutofit fontScale="62500" lnSpcReduction="20000"/>
+              </a:bodyPr>
+              <a:lstStyle/>
+              <a:p>
+                <a:r>
+                  <a:rPr lang="en-US" dirty="0"/>
+                  <a:t>E-mail: </a:t>
+                </a:r>
+                <a:r>
+                  <a:rPr lang="en-US" dirty="0">
+                    <a:hlinkClick r:id="rId2"/>
+                  </a:rPr>
+                  <a:t>mail@frank-Schmittlein.de</a:t>
+                </a:r>
+                <a:r>
+                  <a:rPr lang="en-US" dirty="0"/>
+                  <a:t> </a:t>
+                </a:r>
+                <a14:m>
+                  <m:oMath xmlns:m="http://schemas.openxmlformats.org/officeDocument/2006/math">
+                    <m:r>
+                      <a:rPr lang="en-US" i="1" dirty="0" smtClean="0">
+                        <a:latin typeface="Cambria Math" panose="02040503050406030204" pitchFamily="18" charset="0"/>
+                      </a:rPr>
+                      <m:t>∙</m:t>
+                    </m:r>
+                  </m:oMath>
+                </a14:m>
+                <a:r>
+                  <a:rPr lang="en-US" dirty="0"/>
+                  <a:t> Twitter: @schmittlein77</a:t>
+                </a:r>
+                <a:br>
+                  <a:rPr lang="en-US" dirty="0"/>
+                </a:br>
+                <a:br>
+                  <a:rPr lang="en-US" dirty="0"/>
+                </a:br>
+                <a:r>
+                  <a:rPr lang="en-US" dirty="0"/>
+                  <a:t>WEB: </a:t>
+                </a:r>
+                <a:r>
+                  <a:rPr lang="de-DE" dirty="0">
+                    <a:hlinkClick r:id="rId3"/>
+                  </a:rPr>
+                  <a:t>https://frank-schmittlein.de</a:t>
+                </a:r>
+                <a:r>
+                  <a:rPr lang="de-DE" dirty="0"/>
+                  <a:t> </a:t>
+                </a:r>
+                <a14:m>
+                  <m:oMath xmlns:m="http://schemas.openxmlformats.org/officeDocument/2006/math">
+                    <m:r>
+                      <a:rPr lang="en-US" i="1" dirty="0">
+                        <a:latin typeface="Cambria Math" panose="02040503050406030204" pitchFamily="18" charset="0"/>
+                      </a:rPr>
+                      <m:t>∙</m:t>
+                    </m:r>
+                  </m:oMath>
+                </a14:m>
+                <a:r>
+                  <a:rPr lang="en-US" dirty="0"/>
+                  <a:t> </a:t>
+                </a:r>
+                <a:r>
+                  <a:rPr lang="de-DE" dirty="0"/>
+                  <a:t>BLOG: </a:t>
+                </a:r>
+                <a:r>
+                  <a:rPr lang="de-DE" dirty="0">
+                    <a:hlinkClick r:id="rId4"/>
+                  </a:rPr>
+                  <a:t>https://frank-schmittlein.de/bloG</a:t>
+                </a:r>
+                <a:endParaRPr lang="en-US" dirty="0"/>
+              </a:p>
+            </p:txBody>
+          </p:sp>
+        </mc:Choice>
+        <mc:Fallback>
+          <p:sp>
+            <p:nvSpPr>
+              <p:cNvPr id="3" name="Textplatzhalter 2"/>
+              <p:cNvSpPr>
+                <a:spLocks noGrp="1" noRot="1" noChangeAspect="1" noMove="1" noResize="1" noEditPoints="1" noAdjustHandles="1" noChangeArrowheads="1" noChangeShapeType="1" noTextEdit="1"/>
+              </p:cNvSpPr>
+              <p:nvPr>
+                <p:ph type="body" idx="1"/>
+              </p:nvPr>
+            </p:nvSpPr>
+            <p:spPr>
+              <a:blipFill>
+                <a:blip r:embed="rId5"/>
+                <a:stretch>
+                  <a:fillRect l="-140" t="-9000"/>
+                </a:stretch>
+              </a:blipFill>
+            </p:spPr>
+            <p:txBody>
+              <a:bodyPr/>
+              <a:lstStyle/>
+              <a:p>
+                <a:r>
+                  <a:rPr lang="de-DE">
+                    <a:noFill/>
+                  </a:rPr>
+                  <a:t> </a:t>
+                </a:r>
+              </a:p>
+            </p:txBody>
+          </p:sp>
+        </mc:Fallback>
+      </mc:AlternateContent>
     </p:spTree>
     <p:extLst>
       <p:ext uri="{BB962C8B-B14F-4D97-AF65-F5344CB8AC3E}">
@@ -11670,6 +11796,142 @@
 </file>
 
 <file path=customXml/item1.xml><?xml version="1.0" encoding="utf-8"?>
+<p:properties xmlns:p="http://schemas.microsoft.com/office/2006/metadata/properties" xmlns:xsi="http://www.w3.org/2001/XMLSchema-instance" xmlns:pc="http://schemas.microsoft.com/office/infopath/2007/PartnerControls">
+  <documentManagement>
+    <DirectSourceMarket xmlns="4873beb7-5857-4685-be1f-d57550cc96cc" xsi:nil="true"/>
+    <ApprovalStatus xmlns="4873beb7-5857-4685-be1f-d57550cc96cc">InProgress</ApprovalStatus>
+    <MarketSpecific xmlns="4873beb7-5857-4685-be1f-d57550cc96cc">false</MarketSpecific>
+    <LocComments xmlns="4873beb7-5857-4685-be1f-d57550cc96cc" xsi:nil="true"/>
+    <ThumbnailAssetId xmlns="4873beb7-5857-4685-be1f-d57550cc96cc" xsi:nil="true"/>
+    <PrimaryImageGen xmlns="4873beb7-5857-4685-be1f-d57550cc96cc">true</PrimaryImageGen>
+    <LegacyData xmlns="4873beb7-5857-4685-be1f-d57550cc96cc" xsi:nil="true"/>
+    <LocRecommendedHandoff xmlns="4873beb7-5857-4685-be1f-d57550cc96cc" xsi:nil="true"/>
+    <BusinessGroup xmlns="4873beb7-5857-4685-be1f-d57550cc96cc" xsi:nil="true"/>
+    <BlockPublish xmlns="4873beb7-5857-4685-be1f-d57550cc96cc">false</BlockPublish>
+    <TPFriendlyName xmlns="4873beb7-5857-4685-be1f-d57550cc96cc" xsi:nil="true"/>
+    <NumericId xmlns="4873beb7-5857-4685-be1f-d57550cc96cc" xsi:nil="true"/>
+    <APEditor xmlns="4873beb7-5857-4685-be1f-d57550cc96cc">
+      <UserInfo>
+        <DisplayName/>
+        <AccountId xsi:nil="true"/>
+        <AccountType/>
+      </UserInfo>
+    </APEditor>
+    <SourceTitle xmlns="4873beb7-5857-4685-be1f-d57550cc96cc" xsi:nil="true"/>
+    <OpenTemplate xmlns="4873beb7-5857-4685-be1f-d57550cc96cc">true</OpenTemplate>
+    <UALocComments xmlns="4873beb7-5857-4685-be1f-d57550cc96cc" xsi:nil="true"/>
+    <ParentAssetId xmlns="4873beb7-5857-4685-be1f-d57550cc96cc" xsi:nil="true"/>
+    <IntlLangReviewDate xmlns="4873beb7-5857-4685-be1f-d57550cc96cc" xsi:nil="true"/>
+    <FeatureTagsTaxHTField0 xmlns="4873beb7-5857-4685-be1f-d57550cc96cc">
+      <Terms xmlns="http://schemas.microsoft.com/office/infopath/2007/PartnerControls"/>
+    </FeatureTagsTaxHTField0>
+    <PublishStatusLookup xmlns="4873beb7-5857-4685-be1f-d57550cc96cc">
+      <Value>1564227</Value>
+    </PublishStatusLookup>
+    <Providers xmlns="4873beb7-5857-4685-be1f-d57550cc96cc" xsi:nil="true"/>
+    <MachineTranslated xmlns="4873beb7-5857-4685-be1f-d57550cc96cc">false</MachineTranslated>
+    <OriginalSourceMarket xmlns="4873beb7-5857-4685-be1f-d57550cc96cc" xsi:nil="true"/>
+    <APDescription xmlns="4873beb7-5857-4685-be1f-d57550cc96cc">Take your audience through a digital tunnel where they'll  burst through to the other side and see the information you want to present. Show them lists, charts, tables, SmartArt,  and pictures using a variety of layouts in widescreen (16X9) format. This design works well for subjects on science and technology, computers, communication, and more.   
+</APDescription>
+    <ClipArtFilename xmlns="4873beb7-5857-4685-be1f-d57550cc96cc" xsi:nil="true"/>
+    <ContentItem xmlns="4873beb7-5857-4685-be1f-d57550cc96cc" xsi:nil="true"/>
+    <TPInstallLocation xmlns="4873beb7-5857-4685-be1f-d57550cc96cc" xsi:nil="true"/>
+    <PublishTargets xmlns="4873beb7-5857-4685-be1f-d57550cc96cc">OfficeOnlineVNext</PublishTargets>
+    <TimesCloned xmlns="4873beb7-5857-4685-be1f-d57550cc96cc" xsi:nil="true"/>
+    <AssetStart xmlns="4873beb7-5857-4685-be1f-d57550cc96cc">2012-05-11T02:04:00+00:00</AssetStart>
+    <Provider xmlns="4873beb7-5857-4685-be1f-d57550cc96cc" xsi:nil="true"/>
+    <AcquiredFrom xmlns="4873beb7-5857-4685-be1f-d57550cc96cc">Internal MS</AcquiredFrom>
+    <FriendlyTitle xmlns="4873beb7-5857-4685-be1f-d57550cc96cc" xsi:nil="true"/>
+    <LastHandOff xmlns="4873beb7-5857-4685-be1f-d57550cc96cc" xsi:nil="true"/>
+    <TPClientViewer xmlns="4873beb7-5857-4685-be1f-d57550cc96cc" xsi:nil="true"/>
+    <UACurrentWords xmlns="4873beb7-5857-4685-be1f-d57550cc96cc" xsi:nil="true"/>
+    <ArtSampleDocs xmlns="4873beb7-5857-4685-be1f-d57550cc96cc" xsi:nil="true"/>
+    <UALocRecommendation xmlns="4873beb7-5857-4685-be1f-d57550cc96cc">Localize</UALocRecommendation>
+    <Manager xmlns="4873beb7-5857-4685-be1f-d57550cc96cc" xsi:nil="true"/>
+    <ShowIn xmlns="4873beb7-5857-4685-be1f-d57550cc96cc">Show everywhere</ShowIn>
+    <UANotes xmlns="4873beb7-5857-4685-be1f-d57550cc96cc" xsi:nil="true"/>
+    <TemplateStatus xmlns="4873beb7-5857-4685-be1f-d57550cc96cc">Complete</TemplateStatus>
+    <InternalTagsTaxHTField0 xmlns="4873beb7-5857-4685-be1f-d57550cc96cc">
+      <Terms xmlns="http://schemas.microsoft.com/office/infopath/2007/PartnerControls"/>
+    </InternalTagsTaxHTField0>
+    <CSXHash xmlns="4873beb7-5857-4685-be1f-d57550cc96cc" xsi:nil="true"/>
+    <Downloads xmlns="4873beb7-5857-4685-be1f-d57550cc96cc">0</Downloads>
+    <VoteCount xmlns="4873beb7-5857-4685-be1f-d57550cc96cc" xsi:nil="true"/>
+    <OOCacheId xmlns="4873beb7-5857-4685-be1f-d57550cc96cc" xsi:nil="true"/>
+    <IsDeleted xmlns="4873beb7-5857-4685-be1f-d57550cc96cc">false</IsDeleted>
+    <AssetExpire xmlns="4873beb7-5857-4685-be1f-d57550cc96cc">2029-01-01T08:00:00+00:00</AssetExpire>
+    <DSATActionTaken xmlns="4873beb7-5857-4685-be1f-d57550cc96cc" xsi:nil="true"/>
+    <CSXSubmissionMarket xmlns="4873beb7-5857-4685-be1f-d57550cc96cc" xsi:nil="true"/>
+    <TPExecutable xmlns="4873beb7-5857-4685-be1f-d57550cc96cc" xsi:nil="true"/>
+    <SubmitterId xmlns="4873beb7-5857-4685-be1f-d57550cc96cc" xsi:nil="true"/>
+    <EditorialTags xmlns="4873beb7-5857-4685-be1f-d57550cc96cc" xsi:nil="true"/>
+    <ApprovalLog xmlns="4873beb7-5857-4685-be1f-d57550cc96cc" xsi:nil="true"/>
+    <AssetType xmlns="4873beb7-5857-4685-be1f-d57550cc96cc">TP</AssetType>
+    <BugNumber xmlns="4873beb7-5857-4685-be1f-d57550cc96cc" xsi:nil="true"/>
+    <CSXSubmissionDate xmlns="4873beb7-5857-4685-be1f-d57550cc96cc" xsi:nil="true"/>
+    <CSXUpdate xmlns="4873beb7-5857-4685-be1f-d57550cc96cc">false</CSXUpdate>
+    <Milestone xmlns="4873beb7-5857-4685-be1f-d57550cc96cc" xsi:nil="true"/>
+    <RecommendationsModifier xmlns="4873beb7-5857-4685-be1f-d57550cc96cc" xsi:nil="true"/>
+    <OriginAsset xmlns="4873beb7-5857-4685-be1f-d57550cc96cc" xsi:nil="true"/>
+    <TPComponent xmlns="4873beb7-5857-4685-be1f-d57550cc96cc" xsi:nil="true"/>
+    <AssetId xmlns="4873beb7-5857-4685-be1f-d57550cc96cc" xsi:nil="true"/>
+    <IntlLocPriority xmlns="4873beb7-5857-4685-be1f-d57550cc96cc" xsi:nil="true"/>
+    <PolicheckWords xmlns="4873beb7-5857-4685-be1f-d57550cc96cc" xsi:nil="true"/>
+    <TPLaunchHelpLink xmlns="4873beb7-5857-4685-be1f-d57550cc96cc" xsi:nil="true"/>
+    <TPApplication xmlns="4873beb7-5857-4685-be1f-d57550cc96cc" xsi:nil="true"/>
+    <CrawlForDependencies xmlns="4873beb7-5857-4685-be1f-d57550cc96cc">false</CrawlForDependencies>
+    <HandoffToMSDN xmlns="4873beb7-5857-4685-be1f-d57550cc96cc" xsi:nil="true"/>
+    <PlannedPubDate xmlns="4873beb7-5857-4685-be1f-d57550cc96cc" xsi:nil="true"/>
+    <IntlLangReviewer xmlns="4873beb7-5857-4685-be1f-d57550cc96cc" xsi:nil="true"/>
+    <TrustLevel xmlns="4873beb7-5857-4685-be1f-d57550cc96cc">1 Microsoft Managed Content</TrustLevel>
+    <LocLastLocAttemptVersionLookup xmlns="4873beb7-5857-4685-be1f-d57550cc96cc">835483</LocLastLocAttemptVersionLookup>
+    <IsSearchable xmlns="4873beb7-5857-4685-be1f-d57550cc96cc">true</IsSearchable>
+    <TemplateTemplateType xmlns="4873beb7-5857-4685-be1f-d57550cc96cc">PowerPoint Presentation Template</TemplateTemplateType>
+    <CampaignTagsTaxHTField0 xmlns="4873beb7-5857-4685-be1f-d57550cc96cc">
+      <Terms xmlns="http://schemas.microsoft.com/office/infopath/2007/PartnerControls"/>
+    </CampaignTagsTaxHTField0>
+    <TPNamespace xmlns="4873beb7-5857-4685-be1f-d57550cc96cc" xsi:nil="true"/>
+    <TaxCatchAll xmlns="4873beb7-5857-4685-be1f-d57550cc96cc"/>
+    <Markets xmlns="4873beb7-5857-4685-be1f-d57550cc96cc"/>
+    <UAProjectedTotalWords xmlns="4873beb7-5857-4685-be1f-d57550cc96cc" xsi:nil="true"/>
+    <IntlLangReview xmlns="4873beb7-5857-4685-be1f-d57550cc96cc">false</IntlLangReview>
+    <OutputCachingOn xmlns="4873beb7-5857-4685-be1f-d57550cc96cc">false</OutputCachingOn>
+    <AverageRating xmlns="4873beb7-5857-4685-be1f-d57550cc96cc" xsi:nil="true"/>
+    <APAuthor xmlns="4873beb7-5857-4685-be1f-d57550cc96cc">
+      <UserInfo>
+        <DisplayName>REDMOND\v-vaddu</DisplayName>
+        <AccountId>2567</AccountId>
+        <AccountType/>
+      </UserInfo>
+    </APAuthor>
+    <LocManualTestRequired xmlns="4873beb7-5857-4685-be1f-d57550cc96cc">false</LocManualTestRequired>
+    <TPCommandLine xmlns="4873beb7-5857-4685-be1f-d57550cc96cc" xsi:nil="true"/>
+    <TPAppVersion xmlns="4873beb7-5857-4685-be1f-d57550cc96cc" xsi:nil="true"/>
+    <EditorialStatus xmlns="4873beb7-5857-4685-be1f-d57550cc96cc">Complete</EditorialStatus>
+    <LastModifiedDateTime xmlns="4873beb7-5857-4685-be1f-d57550cc96cc" xsi:nil="true"/>
+    <ScenarioTagsTaxHTField0 xmlns="4873beb7-5857-4685-be1f-d57550cc96cc">
+      <Terms xmlns="http://schemas.microsoft.com/office/infopath/2007/PartnerControls"/>
+    </ScenarioTagsTaxHTField0>
+    <OriginalRelease xmlns="4873beb7-5857-4685-be1f-d57550cc96cc">15</OriginalRelease>
+    <TPLaunchHelpLinkType xmlns="4873beb7-5857-4685-be1f-d57550cc96cc">Template</TPLaunchHelpLinkType>
+    <LocalizationTagsTaxHTField0 xmlns="4873beb7-5857-4685-be1f-d57550cc96cc">
+      <Terms xmlns="http://schemas.microsoft.com/office/infopath/2007/PartnerControls"/>
+    </LocalizationTagsTaxHTField0>
+    <LocMarketGroupTiers2 xmlns="4873beb7-5857-4685-be1f-d57550cc96cc" xsi:nil="true"/>
+  </documentManagement>
+</p:properties>
+</file>
+
+<file path=customXml/item2.xml><?xml version="1.0" encoding="utf-8"?>
+<?mso-contentType ?>
+<FormTemplates xmlns="http://schemas.microsoft.com/sharepoint/v3/contenttype/forms">
+  <Display>DocumentLibraryForm</Display>
+  <Edit>AssetEditForm</Edit>
+  <New>DocumentLibraryForm</New>
+</FormTemplates>
+</file>
+
+<file path=customXml/item3.xml><?xml version="1.0" encoding="utf-8"?>
 <ct:contentTypeSchema xmlns:ct="http://schemas.microsoft.com/office/2006/metadata/contentType" xmlns:ma="http://schemas.microsoft.com/office/2006/metadata/properties/metaAttributes" ct:_="" ma:_="" ma:contentTypeName="TemplateFile" ma:contentTypeID="0x0101006EDDDB5EE6D98C44930B742096920B300400F5B6D36B3EF94B4E9A635CDF2A18F5B8" ma:contentTypeVersion="72" ma:contentTypeDescription="Create a new document." ma:contentTypeScope="" ma:versionID="a23e56308344d904b51738559c3d67c9">
   <xsd:schema xmlns:xsd="http://www.w3.org/2001/XMLSchema" xmlns:xs="http://www.w3.org/2001/XMLSchema" xmlns:p="http://schemas.microsoft.com/office/2006/metadata/properties" xmlns:ns2="4873beb7-5857-4685-be1f-d57550cc96cc" targetNamespace="http://schemas.microsoft.com/office/2006/metadata/properties" ma:root="true" ma:fieldsID="cd0908cc4600e77bf5da051303e00c8d" ns2:_="">
     <xsd:import namespace="4873beb7-5857-4685-be1f-d57550cc96cc"/>
@@ -12709,143 +12971,31 @@
 </ct:contentTypeSchema>
 </file>
 
-<file path=customXml/item2.xml><?xml version="1.0" encoding="utf-8"?>
-<?mso-contentType ?>
-<FormTemplates xmlns="http://schemas.microsoft.com/sharepoint/v3/contenttype/forms">
-  <Display>DocumentLibraryForm</Display>
-  <Edit>AssetEditForm</Edit>
-  <New>DocumentLibraryForm</New>
-</FormTemplates>
+<file path=customXml/itemProps1.xml><?xml version="1.0" encoding="utf-8"?>
+<ds:datastoreItem xmlns:ds="http://schemas.openxmlformats.org/officeDocument/2006/customXml" ds:itemID="{00E41224-0370-4595-877C-23316CD80004}">
+  <ds:schemaRefs>
+    <ds:schemaRef ds:uri="http://schemas.microsoft.com/office/2006/metadata/properties"/>
+    <ds:schemaRef ds:uri="http://schemas.microsoft.com/office/2006/documentManagement/types"/>
+    <ds:schemaRef ds:uri="http://purl.org/dc/terms/"/>
+    <ds:schemaRef ds:uri="http://schemas.openxmlformats.org/package/2006/metadata/core-properties"/>
+    <ds:schemaRef ds:uri="http://www.w3.org/XML/1998/namespace"/>
+    <ds:schemaRef ds:uri="http://schemas.microsoft.com/office/infopath/2007/PartnerControls"/>
+    <ds:schemaRef ds:uri="4873beb7-5857-4685-be1f-d57550cc96cc"/>
+    <ds:schemaRef ds:uri="http://purl.org/dc/dcmitype/"/>
+    <ds:schemaRef ds:uri="http://purl.org/dc/elements/1.1/"/>
+  </ds:schemaRefs>
+</ds:datastoreItem>
 </file>
 
-<file path=customXml/item3.xml><?xml version="1.0" encoding="utf-8"?>
-<p:properties xmlns:p="http://schemas.microsoft.com/office/2006/metadata/properties" xmlns:xsi="http://www.w3.org/2001/XMLSchema-instance" xmlns:pc="http://schemas.microsoft.com/office/infopath/2007/PartnerControls">
-  <documentManagement>
-    <DirectSourceMarket xmlns="4873beb7-5857-4685-be1f-d57550cc96cc" xsi:nil="true"/>
-    <ApprovalStatus xmlns="4873beb7-5857-4685-be1f-d57550cc96cc">InProgress</ApprovalStatus>
-    <MarketSpecific xmlns="4873beb7-5857-4685-be1f-d57550cc96cc">false</MarketSpecific>
-    <LocComments xmlns="4873beb7-5857-4685-be1f-d57550cc96cc" xsi:nil="true"/>
-    <ThumbnailAssetId xmlns="4873beb7-5857-4685-be1f-d57550cc96cc" xsi:nil="true"/>
-    <PrimaryImageGen xmlns="4873beb7-5857-4685-be1f-d57550cc96cc">true</PrimaryImageGen>
-    <LegacyData xmlns="4873beb7-5857-4685-be1f-d57550cc96cc" xsi:nil="true"/>
-    <LocRecommendedHandoff xmlns="4873beb7-5857-4685-be1f-d57550cc96cc" xsi:nil="true"/>
-    <BusinessGroup xmlns="4873beb7-5857-4685-be1f-d57550cc96cc" xsi:nil="true"/>
-    <BlockPublish xmlns="4873beb7-5857-4685-be1f-d57550cc96cc">false</BlockPublish>
-    <TPFriendlyName xmlns="4873beb7-5857-4685-be1f-d57550cc96cc" xsi:nil="true"/>
-    <NumericId xmlns="4873beb7-5857-4685-be1f-d57550cc96cc" xsi:nil="true"/>
-    <APEditor xmlns="4873beb7-5857-4685-be1f-d57550cc96cc">
-      <UserInfo>
-        <DisplayName/>
-        <AccountId xsi:nil="true"/>
-        <AccountType/>
-      </UserInfo>
-    </APEditor>
-    <SourceTitle xmlns="4873beb7-5857-4685-be1f-d57550cc96cc" xsi:nil="true"/>
-    <OpenTemplate xmlns="4873beb7-5857-4685-be1f-d57550cc96cc">true</OpenTemplate>
-    <UALocComments xmlns="4873beb7-5857-4685-be1f-d57550cc96cc" xsi:nil="true"/>
-    <ParentAssetId xmlns="4873beb7-5857-4685-be1f-d57550cc96cc" xsi:nil="true"/>
-    <IntlLangReviewDate xmlns="4873beb7-5857-4685-be1f-d57550cc96cc" xsi:nil="true"/>
-    <FeatureTagsTaxHTField0 xmlns="4873beb7-5857-4685-be1f-d57550cc96cc">
-      <Terms xmlns="http://schemas.microsoft.com/office/infopath/2007/PartnerControls"/>
-    </FeatureTagsTaxHTField0>
-    <PublishStatusLookup xmlns="4873beb7-5857-4685-be1f-d57550cc96cc">
-      <Value>1564227</Value>
-    </PublishStatusLookup>
-    <Providers xmlns="4873beb7-5857-4685-be1f-d57550cc96cc" xsi:nil="true"/>
-    <MachineTranslated xmlns="4873beb7-5857-4685-be1f-d57550cc96cc">false</MachineTranslated>
-    <OriginalSourceMarket xmlns="4873beb7-5857-4685-be1f-d57550cc96cc" xsi:nil="true"/>
-    <APDescription xmlns="4873beb7-5857-4685-be1f-d57550cc96cc">Take your audience through a digital tunnel where they'll  burst through to the other side and see the information you want to present. Show them lists, charts, tables, SmartArt,  and pictures using a variety of layouts in widescreen (16X9) format. This design works well for subjects on science and technology, computers, communication, and more.   
-</APDescription>
-    <ClipArtFilename xmlns="4873beb7-5857-4685-be1f-d57550cc96cc" xsi:nil="true"/>
-    <ContentItem xmlns="4873beb7-5857-4685-be1f-d57550cc96cc" xsi:nil="true"/>
-    <TPInstallLocation xmlns="4873beb7-5857-4685-be1f-d57550cc96cc" xsi:nil="true"/>
-    <PublishTargets xmlns="4873beb7-5857-4685-be1f-d57550cc96cc">OfficeOnlineVNext</PublishTargets>
-    <TimesCloned xmlns="4873beb7-5857-4685-be1f-d57550cc96cc" xsi:nil="true"/>
-    <AssetStart xmlns="4873beb7-5857-4685-be1f-d57550cc96cc">2012-05-11T02:04:00+00:00</AssetStart>
-    <Provider xmlns="4873beb7-5857-4685-be1f-d57550cc96cc" xsi:nil="true"/>
-    <AcquiredFrom xmlns="4873beb7-5857-4685-be1f-d57550cc96cc">Internal MS</AcquiredFrom>
-    <FriendlyTitle xmlns="4873beb7-5857-4685-be1f-d57550cc96cc" xsi:nil="true"/>
-    <LastHandOff xmlns="4873beb7-5857-4685-be1f-d57550cc96cc" xsi:nil="true"/>
-    <TPClientViewer xmlns="4873beb7-5857-4685-be1f-d57550cc96cc" xsi:nil="true"/>
-    <UACurrentWords xmlns="4873beb7-5857-4685-be1f-d57550cc96cc" xsi:nil="true"/>
-    <ArtSampleDocs xmlns="4873beb7-5857-4685-be1f-d57550cc96cc" xsi:nil="true"/>
-    <UALocRecommendation xmlns="4873beb7-5857-4685-be1f-d57550cc96cc">Localize</UALocRecommendation>
-    <Manager xmlns="4873beb7-5857-4685-be1f-d57550cc96cc" xsi:nil="true"/>
-    <ShowIn xmlns="4873beb7-5857-4685-be1f-d57550cc96cc">Show everywhere</ShowIn>
-    <UANotes xmlns="4873beb7-5857-4685-be1f-d57550cc96cc" xsi:nil="true"/>
-    <TemplateStatus xmlns="4873beb7-5857-4685-be1f-d57550cc96cc">Complete</TemplateStatus>
-    <InternalTagsTaxHTField0 xmlns="4873beb7-5857-4685-be1f-d57550cc96cc">
-      <Terms xmlns="http://schemas.microsoft.com/office/infopath/2007/PartnerControls"/>
-    </InternalTagsTaxHTField0>
-    <CSXHash xmlns="4873beb7-5857-4685-be1f-d57550cc96cc" xsi:nil="true"/>
-    <Downloads xmlns="4873beb7-5857-4685-be1f-d57550cc96cc">0</Downloads>
-    <VoteCount xmlns="4873beb7-5857-4685-be1f-d57550cc96cc" xsi:nil="true"/>
-    <OOCacheId xmlns="4873beb7-5857-4685-be1f-d57550cc96cc" xsi:nil="true"/>
-    <IsDeleted xmlns="4873beb7-5857-4685-be1f-d57550cc96cc">false</IsDeleted>
-    <AssetExpire xmlns="4873beb7-5857-4685-be1f-d57550cc96cc">2029-01-01T08:00:00+00:00</AssetExpire>
-    <DSATActionTaken xmlns="4873beb7-5857-4685-be1f-d57550cc96cc" xsi:nil="true"/>
-    <CSXSubmissionMarket xmlns="4873beb7-5857-4685-be1f-d57550cc96cc" xsi:nil="true"/>
-    <TPExecutable xmlns="4873beb7-5857-4685-be1f-d57550cc96cc" xsi:nil="true"/>
-    <SubmitterId xmlns="4873beb7-5857-4685-be1f-d57550cc96cc" xsi:nil="true"/>
-    <EditorialTags xmlns="4873beb7-5857-4685-be1f-d57550cc96cc" xsi:nil="true"/>
-    <ApprovalLog xmlns="4873beb7-5857-4685-be1f-d57550cc96cc" xsi:nil="true"/>
-    <AssetType xmlns="4873beb7-5857-4685-be1f-d57550cc96cc">TP</AssetType>
-    <BugNumber xmlns="4873beb7-5857-4685-be1f-d57550cc96cc" xsi:nil="true"/>
-    <CSXSubmissionDate xmlns="4873beb7-5857-4685-be1f-d57550cc96cc" xsi:nil="true"/>
-    <CSXUpdate xmlns="4873beb7-5857-4685-be1f-d57550cc96cc">false</CSXUpdate>
-    <Milestone xmlns="4873beb7-5857-4685-be1f-d57550cc96cc" xsi:nil="true"/>
-    <RecommendationsModifier xmlns="4873beb7-5857-4685-be1f-d57550cc96cc" xsi:nil="true"/>
-    <OriginAsset xmlns="4873beb7-5857-4685-be1f-d57550cc96cc" xsi:nil="true"/>
-    <TPComponent xmlns="4873beb7-5857-4685-be1f-d57550cc96cc" xsi:nil="true"/>
-    <AssetId xmlns="4873beb7-5857-4685-be1f-d57550cc96cc" xsi:nil="true"/>
-    <IntlLocPriority xmlns="4873beb7-5857-4685-be1f-d57550cc96cc" xsi:nil="true"/>
-    <PolicheckWords xmlns="4873beb7-5857-4685-be1f-d57550cc96cc" xsi:nil="true"/>
-    <TPLaunchHelpLink xmlns="4873beb7-5857-4685-be1f-d57550cc96cc" xsi:nil="true"/>
-    <TPApplication xmlns="4873beb7-5857-4685-be1f-d57550cc96cc" xsi:nil="true"/>
-    <CrawlForDependencies xmlns="4873beb7-5857-4685-be1f-d57550cc96cc">false</CrawlForDependencies>
-    <HandoffToMSDN xmlns="4873beb7-5857-4685-be1f-d57550cc96cc" xsi:nil="true"/>
-    <PlannedPubDate xmlns="4873beb7-5857-4685-be1f-d57550cc96cc" xsi:nil="true"/>
-    <IntlLangReviewer xmlns="4873beb7-5857-4685-be1f-d57550cc96cc" xsi:nil="true"/>
-    <TrustLevel xmlns="4873beb7-5857-4685-be1f-d57550cc96cc">1 Microsoft Managed Content</TrustLevel>
-    <LocLastLocAttemptVersionLookup xmlns="4873beb7-5857-4685-be1f-d57550cc96cc">835483</LocLastLocAttemptVersionLookup>
-    <IsSearchable xmlns="4873beb7-5857-4685-be1f-d57550cc96cc">true</IsSearchable>
-    <TemplateTemplateType xmlns="4873beb7-5857-4685-be1f-d57550cc96cc">PowerPoint Presentation Template</TemplateTemplateType>
-    <CampaignTagsTaxHTField0 xmlns="4873beb7-5857-4685-be1f-d57550cc96cc">
-      <Terms xmlns="http://schemas.microsoft.com/office/infopath/2007/PartnerControls"/>
-    </CampaignTagsTaxHTField0>
-    <TPNamespace xmlns="4873beb7-5857-4685-be1f-d57550cc96cc" xsi:nil="true"/>
-    <TaxCatchAll xmlns="4873beb7-5857-4685-be1f-d57550cc96cc"/>
-    <Markets xmlns="4873beb7-5857-4685-be1f-d57550cc96cc"/>
-    <UAProjectedTotalWords xmlns="4873beb7-5857-4685-be1f-d57550cc96cc" xsi:nil="true"/>
-    <IntlLangReview xmlns="4873beb7-5857-4685-be1f-d57550cc96cc">false</IntlLangReview>
-    <OutputCachingOn xmlns="4873beb7-5857-4685-be1f-d57550cc96cc">false</OutputCachingOn>
-    <AverageRating xmlns="4873beb7-5857-4685-be1f-d57550cc96cc" xsi:nil="true"/>
-    <APAuthor xmlns="4873beb7-5857-4685-be1f-d57550cc96cc">
-      <UserInfo>
-        <DisplayName>REDMOND\v-vaddu</DisplayName>
-        <AccountId>2567</AccountId>
-        <AccountType/>
-      </UserInfo>
-    </APAuthor>
-    <LocManualTestRequired xmlns="4873beb7-5857-4685-be1f-d57550cc96cc">false</LocManualTestRequired>
-    <TPCommandLine xmlns="4873beb7-5857-4685-be1f-d57550cc96cc" xsi:nil="true"/>
-    <TPAppVersion xmlns="4873beb7-5857-4685-be1f-d57550cc96cc" xsi:nil="true"/>
-    <EditorialStatus xmlns="4873beb7-5857-4685-be1f-d57550cc96cc">Complete</EditorialStatus>
-    <LastModifiedDateTime xmlns="4873beb7-5857-4685-be1f-d57550cc96cc" xsi:nil="true"/>
-    <ScenarioTagsTaxHTField0 xmlns="4873beb7-5857-4685-be1f-d57550cc96cc">
-      <Terms xmlns="http://schemas.microsoft.com/office/infopath/2007/PartnerControls"/>
-    </ScenarioTagsTaxHTField0>
-    <OriginalRelease xmlns="4873beb7-5857-4685-be1f-d57550cc96cc">15</OriginalRelease>
-    <TPLaunchHelpLinkType xmlns="4873beb7-5857-4685-be1f-d57550cc96cc">Template</TPLaunchHelpLinkType>
-    <LocalizationTagsTaxHTField0 xmlns="4873beb7-5857-4685-be1f-d57550cc96cc">
-      <Terms xmlns="http://schemas.microsoft.com/office/infopath/2007/PartnerControls"/>
-    </LocalizationTagsTaxHTField0>
-    <LocMarketGroupTiers2 xmlns="4873beb7-5857-4685-be1f-d57550cc96cc" xsi:nil="true"/>
-  </documentManagement>
-</p:properties>
+<file path=customXml/itemProps2.xml><?xml version="1.0" encoding="utf-8"?>
+<ds:datastoreItem xmlns:ds="http://schemas.openxmlformats.org/officeDocument/2006/customXml" ds:itemID="{74228E6B-D70C-44BB-A81F-A245495F612B}">
+  <ds:schemaRefs>
+    <ds:schemaRef ds:uri="http://schemas.microsoft.com/sharepoint/v3/contenttype/forms"/>
+  </ds:schemaRefs>
+</ds:datastoreItem>
 </file>
 
-<file path=customXml/itemProps1.xml><?xml version="1.0" encoding="utf-8"?>
+<file path=customXml/itemProps3.xml><?xml version="1.0" encoding="utf-8"?>
 <ds:datastoreItem xmlns:ds="http://schemas.openxmlformats.org/officeDocument/2006/customXml" ds:itemID="{22CCB507-0646-4A50-A4F7-7F385079D589}">
   <ds:schemaRefs>
     <ds:schemaRef ds:uri="http://schemas.microsoft.com/office/2006/metadata/contentType"/>
@@ -12861,28 +13011,4 @@
     <ds:schemaRef ds:uri="http://schemas.microsoft.com/internal/obd"/>
   </ds:schemaRefs>
 </ds:datastoreItem>
-</file>
-
-<file path=customXml/itemProps2.xml><?xml version="1.0" encoding="utf-8"?>
-<ds:datastoreItem xmlns:ds="http://schemas.openxmlformats.org/officeDocument/2006/customXml" ds:itemID="{74228E6B-D70C-44BB-A81F-A245495F612B}">
-  <ds:schemaRefs>
-    <ds:schemaRef ds:uri="http://schemas.microsoft.com/sharepoint/v3/contenttype/forms"/>
-  </ds:schemaRefs>
-</ds:datastoreItem>
-</file>
-
-<file path=customXml/itemProps3.xml><?xml version="1.0" encoding="utf-8"?>
-<ds:datastoreItem xmlns:ds="http://schemas.openxmlformats.org/officeDocument/2006/customXml" ds:itemID="{00E41224-0370-4595-877C-23316CD80004}">
-  <ds:schemaRefs>
-    <ds:schemaRef ds:uri="http://purl.org/dc/dcmitype/"/>
-    <ds:schemaRef ds:uri="http://schemas.openxmlformats.org/package/2006/metadata/core-properties"/>
-    <ds:schemaRef ds:uri="http://purl.org/dc/terms/"/>
-    <ds:schemaRef ds:uri="http://purl.org/dc/elements/1.1/"/>
-    <ds:schemaRef ds:uri="http://schemas.microsoft.com/office/2006/documentManagement/types"/>
-    <ds:schemaRef ds:uri="4873beb7-5857-4685-be1f-d57550cc96cc"/>
-    <ds:schemaRef ds:uri="http://www.w3.org/XML/1998/namespace"/>
-    <ds:schemaRef ds:uri="http://schemas.microsoft.com/office/infopath/2007/PartnerControls"/>
-    <ds:schemaRef ds:uri="http://schemas.microsoft.com/office/2006/metadata/properties"/>
-  </ds:schemaRefs>
-</ds:datastoreItem>
 </file>